--- a/Semana 14-18 septiembre/Semana 4.pptx
+++ b/Semana 14-18 septiembre/Semana 4.pptx
@@ -30,6 +30,16 @@
     <p:sldId id="277" r:id="rId24"/>
     <p:sldId id="278" r:id="rId25"/>
     <p:sldId id="287" r:id="rId26"/>
+    <p:sldId id="288" r:id="rId27"/>
+    <p:sldId id="289" r:id="rId28"/>
+    <p:sldId id="290" r:id="rId29"/>
+    <p:sldId id="291" r:id="rId30"/>
+    <p:sldId id="292" r:id="rId31"/>
+    <p:sldId id="293" r:id="rId32"/>
+    <p:sldId id="294" r:id="rId33"/>
+    <p:sldId id="295" r:id="rId34"/>
+    <p:sldId id="296" r:id="rId35"/>
+    <p:sldId id="297" r:id="rId36"/>
   </p:sldIdLst>
   <p:sldSz cx="12192000" cy="6858000"/>
   <p:notesSz cx="6858000" cy="9144000"/>
@@ -128,6 +138,11 @@
       </a:defRPr>
     </a:lvl9pPr>
   </p:defaultTextStyle>
+  <p:extLst>
+    <p:ext uri="{EFAFB233-063F-42B5-8137-9DF3F51BA10A}">
+      <p15:sldGuideLst xmlns:p15="http://schemas.microsoft.com/office/powerpoint/2012/main"/>
+    </p:ext>
+  </p:extLst>
 </p:presentation>
 </file>
 
@@ -3131,6 +3146,7 @@
           </a:bodyPr>
           <a:lstStyle/>
           <a:p>
+            <a:pPr algn="l"/>
             <a:r>
               <a:rPr lang="es-CO" sz="6000" b="1" dirty="0"/>
               <a:t>Semana 4</a:t>
@@ -3156,8 +3172,8 @@
         </p:nvSpPr>
         <p:spPr>
           <a:xfrm>
-            <a:off x="1201212" y="4412974"/>
-            <a:ext cx="4162357" cy="1576188"/>
+            <a:off x="1201212" y="4412973"/>
+            <a:ext cx="4162357" cy="1913181"/>
           </a:xfrm>
         </p:spPr>
         <p:txBody>
@@ -3166,68 +3182,68 @@
           </a:bodyPr>
           <a:lstStyle/>
           <a:p>
-            <a:pPr>
+            <a:pPr algn="l">
               <a:lnSpc>
                 <a:spcPct val="120000"/>
               </a:lnSpc>
             </a:pPr>
             <a:r>
-              <a:rPr lang="es-CO" sz="600"/>
+              <a:rPr lang="es-CO" sz="1050" dirty="0"/>
               <a:t>Por:</a:t>
             </a:r>
           </a:p>
           <a:p>
-            <a:pPr>
+            <a:pPr algn="l">
               <a:lnSpc>
                 <a:spcPct val="120000"/>
               </a:lnSpc>
             </a:pPr>
             <a:r>
-              <a:rPr lang="es-CO" sz="600"/>
+              <a:rPr lang="es-CO" sz="1050" dirty="0"/>
               <a:t>Mariana Betancur</a:t>
             </a:r>
           </a:p>
           <a:p>
-            <a:pPr>
+            <a:pPr algn="l">
               <a:lnSpc>
                 <a:spcPct val="120000"/>
               </a:lnSpc>
             </a:pPr>
             <a:r>
-              <a:rPr lang="es-CO" sz="600"/>
+              <a:rPr lang="es-CO" sz="1050" dirty="0"/>
               <a:t>Santiago Tamayo</a:t>
             </a:r>
           </a:p>
           <a:p>
-            <a:pPr>
+            <a:pPr algn="l">
               <a:lnSpc>
                 <a:spcPct val="120000"/>
               </a:lnSpc>
             </a:pPr>
             <a:r>
-              <a:rPr lang="es-CO" sz="600"/>
+              <a:rPr lang="es-CO" sz="1050" dirty="0"/>
               <a:t>Guillermo Toloza</a:t>
             </a:r>
           </a:p>
           <a:p>
-            <a:pPr>
+            <a:pPr algn="l">
               <a:lnSpc>
                 <a:spcPct val="120000"/>
               </a:lnSpc>
             </a:pPr>
             <a:r>
-              <a:rPr lang="es-CO" sz="600"/>
+              <a:rPr lang="es-CO" sz="1050" dirty="0"/>
               <a:t>Paula A. Taborda</a:t>
             </a:r>
           </a:p>
           <a:p>
-            <a:pPr>
+            <a:pPr algn="l">
               <a:lnSpc>
                 <a:spcPct val="120000"/>
               </a:lnSpc>
             </a:pPr>
             <a:r>
-              <a:rPr lang="es-CO" sz="600"/>
+              <a:rPr lang="es-CO" sz="1050" dirty="0"/>
               <a:t>Mateo Rincón</a:t>
             </a:r>
           </a:p>
@@ -10266,7 +10282,7 @@
         </p:blipFill>
         <p:spPr>
           <a:xfrm>
-            <a:off x="1258104" y="1702801"/>
+            <a:off x="1247288" y="2127405"/>
             <a:ext cx="3479365" cy="3428571"/>
           </a:xfrm>
           <a:prstGeom prst="rect">
@@ -13451,10 +13467,10 @@
       </p:grpSp>
       <p:pic>
         <p:nvPicPr>
-          <p:cNvPr id="6" name="Picture 5" descr="A screenshot of a cell phone&#10;&#10;Description automatically generated">
+          <p:cNvPr id="10" name="Picture 9">
             <a:extLst>
               <a:ext uri="{FF2B5EF4-FFF2-40B4-BE49-F238E27FC236}">
-                <a16:creationId xmlns:a16="http://schemas.microsoft.com/office/drawing/2014/main" id="{8F839B08-FCAE-4554-B778-30D9101299FD}"/>
+                <a16:creationId xmlns:a16="http://schemas.microsoft.com/office/drawing/2014/main" id="{502A9019-CD30-479B-A09F-9A7226B5DD9B}"/>
               </a:ext>
             </a:extLst>
           </p:cNvPr>
@@ -13464,7 +13480,37 @@
           <p:nvPr/>
         </p:nvPicPr>
         <p:blipFill>
-          <a:blip r:embed="rId2">
+          <a:blip r:embed="rId2"/>
+          <a:stretch>
+            <a:fillRect/>
+          </a:stretch>
+        </p:blipFill>
+        <p:spPr>
+          <a:xfrm>
+            <a:off x="6310545" y="1532979"/>
+            <a:ext cx="5084505" cy="3792041"/>
+          </a:xfrm>
+          <a:prstGeom prst="rect">
+            <a:avLst/>
+          </a:prstGeom>
+        </p:spPr>
+      </p:pic>
+      <p:pic>
+        <p:nvPicPr>
+          <p:cNvPr id="3" name="Picture 2" descr="A screenshot of a cell phone&#10;&#10;Description automatically generated">
+            <a:extLst>
+              <a:ext uri="{FF2B5EF4-FFF2-40B4-BE49-F238E27FC236}">
+                <a16:creationId xmlns:a16="http://schemas.microsoft.com/office/drawing/2014/main" id="{1023A12A-48D0-492C-AC70-1B3E9182DFC8}"/>
+              </a:ext>
+            </a:extLst>
+          </p:cNvPr>
+          <p:cNvPicPr>
+            <a:picLocks noChangeAspect="1"/>
+          </p:cNvPicPr>
+          <p:nvPr/>
+        </p:nvPicPr>
+        <p:blipFill>
+          <a:blip r:embed="rId3">
             <a:extLst>
               <a:ext uri="{28A0092B-C50C-407E-A947-70E740481C1C}">
                 <a14:useLocalDpi xmlns:a14="http://schemas.microsoft.com/office/drawing/2010/main" val="0"/>
@@ -13477,38 +13523,8 @@
         </p:blipFill>
         <p:spPr>
           <a:xfrm>
-            <a:off x="441960" y="0"/>
-            <a:ext cx="5071635" cy="6858000"/>
-          </a:xfrm>
-          <a:prstGeom prst="rect">
-            <a:avLst/>
-          </a:prstGeom>
-        </p:spPr>
-      </p:pic>
-      <p:pic>
-        <p:nvPicPr>
-          <p:cNvPr id="10" name="Picture 9">
-            <a:extLst>
-              <a:ext uri="{FF2B5EF4-FFF2-40B4-BE49-F238E27FC236}">
-                <a16:creationId xmlns:a16="http://schemas.microsoft.com/office/drawing/2014/main" id="{502A9019-CD30-479B-A09F-9A7226B5DD9B}"/>
-              </a:ext>
-            </a:extLst>
-          </p:cNvPr>
-          <p:cNvPicPr>
-            <a:picLocks noChangeAspect="1"/>
-          </p:cNvPicPr>
-          <p:nvPr/>
-        </p:nvPicPr>
-        <p:blipFill>
-          <a:blip r:embed="rId3"/>
-          <a:stretch>
-            <a:fillRect/>
-          </a:stretch>
-        </p:blipFill>
-        <p:spPr>
-          <a:xfrm>
-            <a:off x="6310545" y="1532979"/>
-            <a:ext cx="5084505" cy="3792041"/>
+            <a:off x="302721" y="-1"/>
+            <a:ext cx="5076701" cy="6858000"/>
           </a:xfrm>
           <a:prstGeom prst="rect">
             <a:avLst/>
@@ -17069,10 +17085,10 @@
       </p:grpSp>
       <p:pic>
         <p:nvPicPr>
-          <p:cNvPr id="3" name="Picture 2" descr="A screenshot of a cell phone&#10;&#10;Description automatically generated">
+          <p:cNvPr id="4" name="Picture 3" descr="A screenshot of a cell phone&#10;&#10;Description automatically generated">
             <a:extLst>
               <a:ext uri="{FF2B5EF4-FFF2-40B4-BE49-F238E27FC236}">
-                <a16:creationId xmlns:a16="http://schemas.microsoft.com/office/drawing/2014/main" id="{02337A19-19DB-48E9-83E8-8859BD391389}"/>
+                <a16:creationId xmlns:a16="http://schemas.microsoft.com/office/drawing/2014/main" id="{EA7444EF-630D-4E5C-9C82-1A5BB592278A}"/>
               </a:ext>
             </a:extLst>
           </p:cNvPr>
@@ -17095,8 +17111,8 @@
         </p:blipFill>
         <p:spPr>
           <a:xfrm>
-            <a:off x="337172" y="0"/>
-            <a:ext cx="5158091" cy="6858000"/>
+            <a:off x="0" y="-44052"/>
+            <a:ext cx="5495732" cy="3473052"/>
           </a:xfrm>
           <a:prstGeom prst="rect">
             <a:avLst/>
@@ -17105,10 +17121,10 @@
       </p:pic>
       <p:pic>
         <p:nvPicPr>
-          <p:cNvPr id="5" name="Picture 4" descr="A screenshot of a cell phone&#10;&#10;Description automatically generated">
+          <p:cNvPr id="8" name="Picture 7" descr="A screenshot of a cell phone&#10;&#10;Description automatically generated">
             <a:extLst>
               <a:ext uri="{FF2B5EF4-FFF2-40B4-BE49-F238E27FC236}">
-                <a16:creationId xmlns:a16="http://schemas.microsoft.com/office/drawing/2014/main" id="{15516888-A0A2-4ABE-A125-494741C1B421}"/>
+                <a16:creationId xmlns:a16="http://schemas.microsoft.com/office/drawing/2014/main" id="{1685A924-9515-49CC-8726-EEB65E6BDB17}"/>
               </a:ext>
             </a:extLst>
           </p:cNvPr>
@@ -17131,8 +17147,8 @@
         </p:blipFill>
         <p:spPr>
           <a:xfrm>
-            <a:off x="6330341" y="1402568"/>
-            <a:ext cx="5524487" cy="4052864"/>
+            <a:off x="5399311" y="2516697"/>
+            <a:ext cx="6892677" cy="4385355"/>
           </a:xfrm>
           <a:prstGeom prst="rect">
             <a:avLst/>
@@ -17143,6 +17159,2804 @@
     <p:extLst>
       <p:ext uri="{BB962C8B-B14F-4D97-AF65-F5344CB8AC3E}">
         <p14:creationId xmlns:p14="http://schemas.microsoft.com/office/powerpoint/2010/main" val="3808533524"/>
+      </p:ext>
+    </p:extLst>
+  </p:cSld>
+  <p:clrMapOvr>
+    <a:masterClrMapping/>
+  </p:clrMapOvr>
+</p:sld>
+</file>
+
+<file path=ppt/slides/slide26.xml><?xml version="1.0" encoding="utf-8"?>
+<p:sld xmlns:a="http://schemas.openxmlformats.org/drawingml/2006/main" xmlns:r="http://schemas.openxmlformats.org/officeDocument/2006/relationships" xmlns:p="http://schemas.openxmlformats.org/presentationml/2006/main">
+  <p:cSld>
+    <p:bg>
+      <p:bgPr>
+        <a:solidFill>
+          <a:schemeClr val="bg1"/>
+        </a:solidFill>
+        <a:effectLst/>
+      </p:bgPr>
+    </p:bg>
+    <p:spTree>
+      <p:nvGrpSpPr>
+        <p:cNvPr id="1" name=""/>
+        <p:cNvGrpSpPr/>
+        <p:nvPr/>
+      </p:nvGrpSpPr>
+      <p:grpSpPr>
+        <a:xfrm>
+          <a:off x="0" y="0"/>
+          <a:ext cx="0" cy="0"/>
+          <a:chOff x="0" y="0"/>
+          <a:chExt cx="0" cy="0"/>
+        </a:xfrm>
+      </p:grpSpPr>
+      <p:sp useBgFill="1">
+        <p:nvSpPr>
+          <p:cNvPr id="7" name="Rectangle 6">
+            <a:extLst>
+              <a:ext uri="{FF2B5EF4-FFF2-40B4-BE49-F238E27FC236}">
+                <a16:creationId xmlns:a16="http://schemas.microsoft.com/office/drawing/2014/main" id="{46F1F2C8-798B-4CCE-A851-94AFAF350BED}"/>
+              </a:ext>
+              <a:ext uri="{C183D7F6-B498-43B3-948B-1728B52AA6E4}">
+                <adec:decorative xmlns:adec="http://schemas.microsoft.com/office/drawing/2017/decorative" val="1"/>
+              </a:ext>
+            </a:extLst>
+          </p:cNvPr>
+          <p:cNvSpPr>
+            <a:spLocks noGrp="1" noRot="1" noChangeAspect="1" noMove="1" noResize="1" noEditPoints="1" noAdjustHandles="1" noChangeArrowheads="1" noChangeShapeType="1" noTextEdit="1"/>
+          </p:cNvSpPr>
+          <p:nvPr>
+            <p:extLst>
+              <p:ext uri="{386F3935-93C4-4BCD-93E2-E3B085C9AB24}">
+                <p16:designElem xmlns:p16="http://schemas.microsoft.com/office/powerpoint/2015/main" val="1"/>
+              </p:ext>
+            </p:extLst>
+          </p:nvPr>
+        </p:nvSpPr>
+        <p:spPr>
+          <a:xfrm>
+            <a:off x="3048" y="0"/>
+            <a:ext cx="12188952" cy="6858000"/>
+          </a:xfrm>
+          <a:prstGeom prst="rect">
+            <a:avLst/>
+          </a:prstGeom>
+          <a:ln>
+            <a:noFill/>
+          </a:ln>
+        </p:spPr>
+        <p:style>
+          <a:lnRef idx="2">
+            <a:schemeClr val="accent1">
+              <a:shade val="50000"/>
+            </a:schemeClr>
+          </a:lnRef>
+          <a:fillRef idx="1">
+            <a:schemeClr val="accent1"/>
+          </a:fillRef>
+          <a:effectRef idx="0">
+            <a:schemeClr val="accent1"/>
+          </a:effectRef>
+          <a:fontRef idx="minor">
+            <a:schemeClr val="lt1"/>
+          </a:fontRef>
+        </p:style>
+        <p:txBody>
+          <a:bodyPr rtlCol="0" anchor="ctr"/>
+          <a:lstStyle/>
+          <a:p>
+            <a:pPr algn="ctr"/>
+            <a:endParaRPr lang="en-US"/>
+          </a:p>
+        </p:txBody>
+      </p:sp>
+      <p:sp>
+        <p:nvSpPr>
+          <p:cNvPr id="2" name="Title 1">
+            <a:extLst>
+              <a:ext uri="{FF2B5EF4-FFF2-40B4-BE49-F238E27FC236}">
+                <a16:creationId xmlns:a16="http://schemas.microsoft.com/office/drawing/2014/main" id="{27973B6B-1E59-46AC-800A-7A9C025F5164}"/>
+              </a:ext>
+            </a:extLst>
+          </p:cNvPr>
+          <p:cNvSpPr>
+            <a:spLocks noGrp="1"/>
+          </p:cNvSpPr>
+          <p:nvPr>
+            <p:ph type="title"/>
+          </p:nvPr>
+        </p:nvSpPr>
+        <p:spPr>
+          <a:xfrm>
+            <a:off x="970908" y="1220919"/>
+            <a:ext cx="5425781" cy="2387600"/>
+          </a:xfrm>
+        </p:spPr>
+        <p:txBody>
+          <a:bodyPr vert="horz" lIns="91440" tIns="45720" rIns="91440" bIns="45720" rtlCol="0" anchor="b">
+            <a:normAutofit/>
+          </a:bodyPr>
+          <a:lstStyle/>
+          <a:p>
+            <a:r>
+              <a:rPr lang="en-US" sz="6000" b="1" kern="1200">
+                <a:solidFill>
+                  <a:schemeClr val="tx1"/>
+                </a:solidFill>
+                <a:latin typeface="+mj-lt"/>
+                <a:ea typeface="+mj-ea"/>
+                <a:cs typeface="+mj-cs"/>
+              </a:rPr>
+              <a:t>DIAGRAMA DE ACTIVIDADES</a:t>
+            </a:r>
+          </a:p>
+        </p:txBody>
+      </p:sp>
+      <p:sp>
+        <p:nvSpPr>
+          <p:cNvPr id="9" name="Freeform: Shape 8">
+            <a:extLst>
+              <a:ext uri="{FF2B5EF4-FFF2-40B4-BE49-F238E27FC236}">
+                <a16:creationId xmlns:a16="http://schemas.microsoft.com/office/drawing/2014/main" id="{755E9CD0-04B0-4A3C-B291-AD913379C713}"/>
+              </a:ext>
+              <a:ext uri="{C183D7F6-B498-43B3-948B-1728B52AA6E4}">
+                <adec:decorative xmlns:adec="http://schemas.microsoft.com/office/drawing/2017/decorative" val="1"/>
+              </a:ext>
+            </a:extLst>
+          </p:cNvPr>
+          <p:cNvSpPr>
+            <a:spLocks noGrp="1" noRot="1" noChangeAspect="1" noMove="1" noResize="1" noEditPoints="1" noAdjustHandles="1" noChangeArrowheads="1" noChangeShapeType="1" noTextEdit="1"/>
+          </p:cNvSpPr>
+          <p:nvPr>
+            <p:extLst>
+              <p:ext uri="{386F3935-93C4-4BCD-93E2-E3B085C9AB24}">
+                <p16:designElem xmlns:p16="http://schemas.microsoft.com/office/powerpoint/2015/main" val="1"/>
+              </p:ext>
+            </p:extLst>
+          </p:nvPr>
+        </p:nvSpPr>
+        <p:spPr>
+          <a:xfrm>
+            <a:off x="10208695" y="1"/>
+            <a:ext cx="1135066" cy="477997"/>
+          </a:xfrm>
+          <a:custGeom>
+            <a:avLst/>
+            <a:gdLst>
+              <a:gd name="connsiteX0" fmla="*/ 0 w 1135066"/>
+              <a:gd name="connsiteY0" fmla="*/ 0 h 477997"/>
+              <a:gd name="connsiteX1" fmla="*/ 1135066 w 1135066"/>
+              <a:gd name="connsiteY1" fmla="*/ 0 h 477997"/>
+              <a:gd name="connsiteX2" fmla="*/ 1133370 w 1135066"/>
+              <a:gd name="connsiteY2" fmla="*/ 16827 h 477997"/>
+              <a:gd name="connsiteX3" fmla="*/ 567533 w 1135066"/>
+              <a:gd name="connsiteY3" fmla="*/ 477997 h 477997"/>
+              <a:gd name="connsiteX4" fmla="*/ 1696 w 1135066"/>
+              <a:gd name="connsiteY4" fmla="*/ 16827 h 477997"/>
+            </a:gdLst>
+            <a:ahLst/>
+            <a:cxnLst>
+              <a:cxn ang="0">
+                <a:pos x="connsiteX0" y="connsiteY0"/>
+              </a:cxn>
+              <a:cxn ang="0">
+                <a:pos x="connsiteX1" y="connsiteY1"/>
+              </a:cxn>
+              <a:cxn ang="0">
+                <a:pos x="connsiteX2" y="connsiteY2"/>
+              </a:cxn>
+              <a:cxn ang="0">
+                <a:pos x="connsiteX3" y="connsiteY3"/>
+              </a:cxn>
+              <a:cxn ang="0">
+                <a:pos x="connsiteX4" y="connsiteY4"/>
+              </a:cxn>
+            </a:cxnLst>
+            <a:rect l="l" t="t" r="r" b="b"/>
+            <a:pathLst>
+              <a:path w="1135066" h="477997">
+                <a:moveTo>
+                  <a:pt x="0" y="0"/>
+                </a:moveTo>
+                <a:lnTo>
+                  <a:pt x="1135066" y="0"/>
+                </a:lnTo>
+                <a:lnTo>
+                  <a:pt x="1133370" y="16827"/>
+                </a:lnTo>
+                <a:cubicBezTo>
+                  <a:pt x="1079514" y="280016"/>
+                  <a:pt x="846644" y="477997"/>
+                  <a:pt x="567533" y="477997"/>
+                </a:cubicBezTo>
+                <a:cubicBezTo>
+                  <a:pt x="288422" y="477997"/>
+                  <a:pt x="55552" y="280016"/>
+                  <a:pt x="1696" y="16827"/>
+                </a:cubicBezTo>
+                <a:close/>
+              </a:path>
+            </a:pathLst>
+          </a:custGeom>
+          <a:solidFill>
+            <a:schemeClr val="accent5"/>
+          </a:solidFill>
+          <a:ln>
+            <a:noFill/>
+          </a:ln>
+        </p:spPr>
+        <p:style>
+          <a:lnRef idx="2">
+            <a:schemeClr val="accent1">
+              <a:shade val="50000"/>
+            </a:schemeClr>
+          </a:lnRef>
+          <a:fillRef idx="1">
+            <a:schemeClr val="accent1"/>
+          </a:fillRef>
+          <a:effectRef idx="0">
+            <a:schemeClr val="accent1"/>
+          </a:effectRef>
+          <a:fontRef idx="minor">
+            <a:schemeClr val="lt1"/>
+          </a:fontRef>
+        </p:style>
+        <p:txBody>
+          <a:bodyPr wrap="square" rtlCol="0" anchor="ctr">
+            <a:noAutofit/>
+          </a:bodyPr>
+          <a:lstStyle/>
+          <a:p>
+            <a:pPr algn="ctr"/>
+            <a:endParaRPr lang="en-US"/>
+          </a:p>
+        </p:txBody>
+      </p:sp>
+      <p:sp>
+        <p:nvSpPr>
+          <p:cNvPr id="11" name="Oval 10">
+            <a:extLst>
+              <a:ext uri="{FF2B5EF4-FFF2-40B4-BE49-F238E27FC236}">
+                <a16:creationId xmlns:a16="http://schemas.microsoft.com/office/drawing/2014/main" id="{1DD8BF3B-6066-418C-8D1A-75C5E396FC04}"/>
+              </a:ext>
+              <a:ext uri="{C183D7F6-B498-43B3-948B-1728B52AA6E4}">
+                <adec:decorative xmlns:adec="http://schemas.microsoft.com/office/drawing/2017/decorative" val="1"/>
+              </a:ext>
+            </a:extLst>
+          </p:cNvPr>
+          <p:cNvSpPr>
+            <a:spLocks noGrp="1" noRot="1" noChangeAspect="1" noMove="1" noResize="1" noEditPoints="1" noAdjustHandles="1" noChangeArrowheads="1" noChangeShapeType="1" noTextEdit="1"/>
+          </p:cNvSpPr>
+          <p:nvPr>
+            <p:extLst>
+              <p:ext uri="{386F3935-93C4-4BCD-93E2-E3B085C9AB24}">
+                <p16:designElem xmlns:p16="http://schemas.microsoft.com/office/powerpoint/2015/main" val="1"/>
+              </p:ext>
+            </p:extLst>
+          </p:nvPr>
+        </p:nvSpPr>
+        <p:spPr>
+          <a:xfrm>
+            <a:off x="6821310" y="2624479"/>
+            <a:ext cx="812427" cy="812427"/>
+          </a:xfrm>
+          <a:prstGeom prst="ellipse">
+            <a:avLst/>
+          </a:prstGeom>
+          <a:noFill/>
+          <a:ln w="127000">
+            <a:solidFill>
+              <a:schemeClr val="accent5"/>
+            </a:solidFill>
+          </a:ln>
+        </p:spPr>
+        <p:style>
+          <a:lnRef idx="2">
+            <a:schemeClr val="accent1">
+              <a:shade val="50000"/>
+            </a:schemeClr>
+          </a:lnRef>
+          <a:fillRef idx="1">
+            <a:schemeClr val="accent1"/>
+          </a:fillRef>
+          <a:effectRef idx="0">
+            <a:schemeClr val="accent1"/>
+          </a:effectRef>
+          <a:fontRef idx="minor">
+            <a:schemeClr val="lt1"/>
+          </a:fontRef>
+        </p:style>
+        <p:txBody>
+          <a:bodyPr rtlCol="0" anchor="ctr"/>
+          <a:lstStyle/>
+          <a:p>
+            <a:pPr algn="ctr"/>
+            <a:endParaRPr lang="en-US" dirty="0"/>
+          </a:p>
+        </p:txBody>
+      </p:sp>
+      <p:sp>
+        <p:nvSpPr>
+          <p:cNvPr id="13" name="Block Arc 12">
+            <a:extLst>
+              <a:ext uri="{FF2B5EF4-FFF2-40B4-BE49-F238E27FC236}">
+                <a16:creationId xmlns:a16="http://schemas.microsoft.com/office/drawing/2014/main" id="{80BC66F9-7A74-4286-AD22-1174052CC22C}"/>
+              </a:ext>
+              <a:ext uri="{C183D7F6-B498-43B3-948B-1728B52AA6E4}">
+                <adec:decorative xmlns:adec="http://schemas.microsoft.com/office/drawing/2017/decorative" val="1"/>
+              </a:ext>
+            </a:extLst>
+          </p:cNvPr>
+          <p:cNvSpPr>
+            <a:spLocks noGrp="1" noRot="1" noChangeAspect="1" noMove="1" noResize="1" noEditPoints="1" noAdjustHandles="1" noChangeArrowheads="1" noChangeShapeType="1" noTextEdit="1"/>
+          </p:cNvSpPr>
+          <p:nvPr>
+            <p:extLst>
+              <p:ext uri="{386F3935-93C4-4BCD-93E2-E3B085C9AB24}">
+                <p16:designElem xmlns:p16="http://schemas.microsoft.com/office/powerpoint/2015/main" val="1"/>
+              </p:ext>
+            </p:extLst>
+          </p:nvPr>
+        </p:nvSpPr>
+        <p:spPr>
+          <a:xfrm rot="16200000">
+            <a:off x="8912417" y="1202394"/>
+            <a:ext cx="2387600" cy="2387600"/>
+          </a:xfrm>
+          <a:prstGeom prst="blockArc">
+            <a:avLst/>
+          </a:prstGeom>
+          <a:solidFill>
+            <a:schemeClr val="accent2"/>
+          </a:solidFill>
+          <a:ln>
+            <a:noFill/>
+          </a:ln>
+        </p:spPr>
+        <p:style>
+          <a:lnRef idx="2">
+            <a:schemeClr val="accent1">
+              <a:shade val="50000"/>
+            </a:schemeClr>
+          </a:lnRef>
+          <a:fillRef idx="1">
+            <a:schemeClr val="accent1"/>
+          </a:fillRef>
+          <a:effectRef idx="0">
+            <a:schemeClr val="accent1"/>
+          </a:effectRef>
+          <a:fontRef idx="minor">
+            <a:schemeClr val="lt1"/>
+          </a:fontRef>
+        </p:style>
+        <p:txBody>
+          <a:bodyPr rtlCol="0" anchor="ctr"/>
+          <a:lstStyle/>
+          <a:p>
+            <a:pPr algn="ctr"/>
+            <a:endParaRPr lang="en-US">
+              <a:solidFill>
+                <a:schemeClr val="tx1"/>
+              </a:solidFill>
+            </a:endParaRPr>
+          </a:p>
+        </p:txBody>
+      </p:sp>
+      <p:sp>
+        <p:nvSpPr>
+          <p:cNvPr id="15" name="Freeform: Shape 14">
+            <a:extLst>
+              <a:ext uri="{FF2B5EF4-FFF2-40B4-BE49-F238E27FC236}">
+                <a16:creationId xmlns:a16="http://schemas.microsoft.com/office/drawing/2014/main" id="{D8142CC3-2B5C-48E6-9DF0-6C8ACBAF23EF}"/>
+              </a:ext>
+              <a:ext uri="{C183D7F6-B498-43B3-948B-1728B52AA6E4}">
+                <adec:decorative xmlns:adec="http://schemas.microsoft.com/office/drawing/2017/decorative" val="1"/>
+              </a:ext>
+            </a:extLst>
+          </p:cNvPr>
+          <p:cNvSpPr>
+            <a:spLocks noGrp="1" noRot="1" noChangeAspect="1" noMove="1" noResize="1" noEditPoints="1" noAdjustHandles="1" noChangeArrowheads="1" noChangeShapeType="1" noTextEdit="1"/>
+          </p:cNvSpPr>
+          <p:nvPr>
+            <p:extLst>
+              <p:ext uri="{386F3935-93C4-4BCD-93E2-E3B085C9AB24}">
+                <p16:designElem xmlns:p16="http://schemas.microsoft.com/office/powerpoint/2015/main" val="1"/>
+              </p:ext>
+            </p:extLst>
+          </p:nvPr>
+        </p:nvSpPr>
+        <p:spPr>
+          <a:xfrm>
+            <a:off x="6821310" y="0"/>
+            <a:ext cx="2315251" cy="1550992"/>
+          </a:xfrm>
+          <a:custGeom>
+            <a:avLst/>
+            <a:gdLst>
+              <a:gd name="connsiteX0" fmla="*/ 0 w 2315251"/>
+              <a:gd name="connsiteY0" fmla="*/ 0 h 1550992"/>
+              <a:gd name="connsiteX1" fmla="*/ 138700 w 2315251"/>
+              <a:gd name="connsiteY1" fmla="*/ 0 h 1550992"/>
+              <a:gd name="connsiteX2" fmla="*/ 138700 w 2315251"/>
+              <a:gd name="connsiteY2" fmla="*/ 1361400 h 1550992"/>
+              <a:gd name="connsiteX3" fmla="*/ 2107387 w 2315251"/>
+              <a:gd name="connsiteY3" fmla="*/ 222673 h 1550992"/>
+              <a:gd name="connsiteX4" fmla="*/ 1722420 w 2315251"/>
+              <a:gd name="connsiteY4" fmla="*/ 0 h 1550992"/>
+              <a:gd name="connsiteX5" fmla="*/ 1999436 w 2315251"/>
+              <a:gd name="connsiteY5" fmla="*/ 0 h 1550992"/>
+              <a:gd name="connsiteX6" fmla="*/ 2280549 w 2315251"/>
+              <a:gd name="connsiteY6" fmla="*/ 162605 h 1550992"/>
+              <a:gd name="connsiteX7" fmla="*/ 2305953 w 2315251"/>
+              <a:gd name="connsiteY7" fmla="*/ 257336 h 1550992"/>
+              <a:gd name="connsiteX8" fmla="*/ 2280549 w 2315251"/>
+              <a:gd name="connsiteY8" fmla="*/ 282740 h 1550992"/>
+              <a:gd name="connsiteX9" fmla="*/ 104026 w 2315251"/>
+              <a:gd name="connsiteY9" fmla="*/ 1541710 h 1550992"/>
+              <a:gd name="connsiteX10" fmla="*/ 69351 w 2315251"/>
+              <a:gd name="connsiteY10" fmla="*/ 1550992 h 1550992"/>
+              <a:gd name="connsiteX11" fmla="*/ 0 w 2315251"/>
+              <a:gd name="connsiteY11" fmla="*/ 1481643 h 1550992"/>
+            </a:gdLst>
+            <a:ahLst/>
+            <a:cxnLst>
+              <a:cxn ang="0">
+                <a:pos x="connsiteX0" y="connsiteY0"/>
+              </a:cxn>
+              <a:cxn ang="0">
+                <a:pos x="connsiteX1" y="connsiteY1"/>
+              </a:cxn>
+              <a:cxn ang="0">
+                <a:pos x="connsiteX2" y="connsiteY2"/>
+              </a:cxn>
+              <a:cxn ang="0">
+                <a:pos x="connsiteX3" y="connsiteY3"/>
+              </a:cxn>
+              <a:cxn ang="0">
+                <a:pos x="connsiteX4" y="connsiteY4"/>
+              </a:cxn>
+              <a:cxn ang="0">
+                <a:pos x="connsiteX5" y="connsiteY5"/>
+              </a:cxn>
+              <a:cxn ang="0">
+                <a:pos x="connsiteX6" y="connsiteY6"/>
+              </a:cxn>
+              <a:cxn ang="0">
+                <a:pos x="connsiteX7" y="connsiteY7"/>
+              </a:cxn>
+              <a:cxn ang="0">
+                <a:pos x="connsiteX8" y="connsiteY8"/>
+              </a:cxn>
+              <a:cxn ang="0">
+                <a:pos x="connsiteX9" y="connsiteY9"/>
+              </a:cxn>
+              <a:cxn ang="0">
+                <a:pos x="connsiteX10" y="connsiteY10"/>
+              </a:cxn>
+              <a:cxn ang="0">
+                <a:pos x="connsiteX11" y="connsiteY11"/>
+              </a:cxn>
+            </a:cxnLst>
+            <a:rect l="l" t="t" r="r" b="b"/>
+            <a:pathLst>
+              <a:path w="2315251" h="1550992">
+                <a:moveTo>
+                  <a:pt x="0" y="0"/>
+                </a:moveTo>
+                <a:lnTo>
+                  <a:pt x="138700" y="0"/>
+                </a:lnTo>
+                <a:lnTo>
+                  <a:pt x="138700" y="1361400"/>
+                </a:lnTo>
+                <a:lnTo>
+                  <a:pt x="2107387" y="222673"/>
+                </a:lnTo>
+                <a:lnTo>
+                  <a:pt x="1722420" y="0"/>
+                </a:lnTo>
+                <a:lnTo>
+                  <a:pt x="1999436" y="0"/>
+                </a:lnTo>
+                <a:lnTo>
+                  <a:pt x="2280549" y="162605"/>
+                </a:lnTo>
+                <a:cubicBezTo>
+                  <a:pt x="2313720" y="181745"/>
+                  <a:pt x="2325104" y="224155"/>
+                  <a:pt x="2305953" y="257336"/>
+                </a:cubicBezTo>
+                <a:cubicBezTo>
+                  <a:pt x="2299872" y="267889"/>
+                  <a:pt x="2291101" y="276648"/>
+                  <a:pt x="2280549" y="282740"/>
+                </a:cubicBezTo>
+                <a:lnTo>
+                  <a:pt x="104026" y="1541710"/>
+                </a:lnTo>
+                <a:cubicBezTo>
+                  <a:pt x="93484" y="1547802"/>
+                  <a:pt x="81523" y="1551003"/>
+                  <a:pt x="69351" y="1550992"/>
+                </a:cubicBezTo>
+                <a:cubicBezTo>
+                  <a:pt x="31049" y="1550992"/>
+                  <a:pt x="0" y="1519944"/>
+                  <a:pt x="0" y="1481643"/>
+                </a:cubicBezTo>
+                <a:close/>
+              </a:path>
+            </a:pathLst>
+          </a:custGeom>
+          <a:solidFill>
+            <a:schemeClr val="accent6"/>
+          </a:solidFill>
+          <a:ln w="9525" cap="flat">
+            <a:noFill/>
+            <a:prstDash val="solid"/>
+            <a:miter/>
+          </a:ln>
+        </p:spPr>
+        <p:txBody>
+          <a:bodyPr rtlCol="0" anchor="ctr"/>
+          <a:lstStyle/>
+          <a:p>
+            <a:endParaRPr lang="en-US" dirty="0"/>
+          </a:p>
+        </p:txBody>
+      </p:sp>
+      <p:cxnSp>
+        <p:nvCxnSpPr>
+          <p:cNvPr id="17" name="Straight Connector 16">
+            <a:extLst>
+              <a:ext uri="{FF2B5EF4-FFF2-40B4-BE49-F238E27FC236}">
+                <a16:creationId xmlns:a16="http://schemas.microsoft.com/office/drawing/2014/main" id="{7B2D303B-3DD0-4319-9EAD-361847FEC71D}"/>
+              </a:ext>
+              <a:ext uri="{C183D7F6-B498-43B3-948B-1728B52AA6E4}">
+                <adec:decorative xmlns:adec="http://schemas.microsoft.com/office/drawing/2017/decorative" val="1"/>
+              </a:ext>
+            </a:extLst>
+          </p:cNvPr>
+          <p:cNvCxnSpPr>
+            <a:cxnSpLocks noGrp="1" noRot="1" noChangeAspect="1" noMove="1" noResize="1" noEditPoints="1" noAdjustHandles="1" noChangeArrowheads="1" noChangeShapeType="1"/>
+          </p:cNvCxnSpPr>
+          <p:nvPr>
+            <p:extLst>
+              <p:ext uri="{386F3935-93C4-4BCD-93E2-E3B085C9AB24}">
+                <p16:designElem xmlns:p16="http://schemas.microsoft.com/office/powerpoint/2015/main" val="1"/>
+              </p:ext>
+            </p:extLst>
+          </p:nvPr>
+        </p:nvCxnSpPr>
+        <p:spPr>
+          <a:xfrm>
+            <a:off x="11724638" y="1331572"/>
+            <a:ext cx="0" cy="1597708"/>
+          </a:xfrm>
+          <a:prstGeom prst="line">
+            <a:avLst/>
+          </a:prstGeom>
+          <a:ln w="127000" cap="rnd">
+            <a:solidFill>
+              <a:schemeClr val="accent4"/>
+            </a:solidFill>
+            <a:prstDash val="dash"/>
+          </a:ln>
+        </p:spPr>
+        <p:style>
+          <a:lnRef idx="1">
+            <a:schemeClr val="accent1"/>
+          </a:lnRef>
+          <a:fillRef idx="0">
+            <a:schemeClr val="accent1"/>
+          </a:fillRef>
+          <a:effectRef idx="0">
+            <a:schemeClr val="accent1"/>
+          </a:effectRef>
+          <a:fontRef idx="minor">
+            <a:schemeClr val="tx1"/>
+          </a:fontRef>
+        </p:style>
+      </p:cxnSp>
+      <p:sp>
+        <p:nvSpPr>
+          <p:cNvPr id="19" name="Freeform: Shape 18">
+            <a:extLst>
+              <a:ext uri="{FF2B5EF4-FFF2-40B4-BE49-F238E27FC236}">
+                <a16:creationId xmlns:a16="http://schemas.microsoft.com/office/drawing/2014/main" id="{46A89C79-8EF3-4AF9-B3D9-59A883F41C83}"/>
+              </a:ext>
+              <a:ext uri="{C183D7F6-B498-43B3-948B-1728B52AA6E4}">
+                <adec:decorative xmlns:adec="http://schemas.microsoft.com/office/drawing/2017/decorative" val="1"/>
+              </a:ext>
+            </a:extLst>
+          </p:cNvPr>
+          <p:cNvSpPr>
+            <a:spLocks noGrp="1" noRot="1" noChangeAspect="1" noMove="1" noResize="1" noEditPoints="1" noAdjustHandles="1" noChangeArrowheads="1" noChangeShapeType="1" noTextEdit="1"/>
+          </p:cNvSpPr>
+          <p:nvPr>
+            <p:extLst>
+              <p:ext uri="{386F3935-93C4-4BCD-93E2-E3B085C9AB24}">
+                <p16:designElem xmlns:p16="http://schemas.microsoft.com/office/powerpoint/2015/main" val="1"/>
+              </p:ext>
+            </p:extLst>
+          </p:nvPr>
+        </p:nvSpPr>
+        <p:spPr>
+          <a:xfrm>
+            <a:off x="11005550" y="4112081"/>
+            <a:ext cx="1186451" cy="1771650"/>
+          </a:xfrm>
+          <a:custGeom>
+            <a:avLst/>
+            <a:gdLst>
+              <a:gd name="connsiteX0" fmla="*/ 61913 w 1186451"/>
+              <a:gd name="connsiteY0" fmla="*/ 0 h 1771650"/>
+              <a:gd name="connsiteX1" fmla="*/ 1186451 w 1186451"/>
+              <a:gd name="connsiteY1" fmla="*/ 0 h 1771650"/>
+              <a:gd name="connsiteX2" fmla="*/ 1186451 w 1186451"/>
+              <a:gd name="connsiteY2" fmla="*/ 123825 h 1771650"/>
+              <a:gd name="connsiteX3" fmla="*/ 123825 w 1186451"/>
+              <a:gd name="connsiteY3" fmla="*/ 123825 h 1771650"/>
+              <a:gd name="connsiteX4" fmla="*/ 123825 w 1186451"/>
+              <a:gd name="connsiteY4" fmla="*/ 1647825 h 1771650"/>
+              <a:gd name="connsiteX5" fmla="*/ 1186451 w 1186451"/>
+              <a:gd name="connsiteY5" fmla="*/ 1647825 h 1771650"/>
+              <a:gd name="connsiteX6" fmla="*/ 1186451 w 1186451"/>
+              <a:gd name="connsiteY6" fmla="*/ 1771650 h 1771650"/>
+              <a:gd name="connsiteX7" fmla="*/ 61913 w 1186451"/>
+              <a:gd name="connsiteY7" fmla="*/ 1771650 h 1771650"/>
+              <a:gd name="connsiteX8" fmla="*/ 0 w 1186451"/>
+              <a:gd name="connsiteY8" fmla="*/ 1709738 h 1771650"/>
+              <a:gd name="connsiteX9" fmla="*/ 0 w 1186451"/>
+              <a:gd name="connsiteY9" fmla="*/ 61913 h 1771650"/>
+              <a:gd name="connsiteX10" fmla="*/ 61913 w 1186451"/>
+              <a:gd name="connsiteY10" fmla="*/ 0 h 1771650"/>
+            </a:gdLst>
+            <a:ahLst/>
+            <a:cxnLst>
+              <a:cxn ang="0">
+                <a:pos x="connsiteX0" y="connsiteY0"/>
+              </a:cxn>
+              <a:cxn ang="0">
+                <a:pos x="connsiteX1" y="connsiteY1"/>
+              </a:cxn>
+              <a:cxn ang="0">
+                <a:pos x="connsiteX2" y="connsiteY2"/>
+              </a:cxn>
+              <a:cxn ang="0">
+                <a:pos x="connsiteX3" y="connsiteY3"/>
+              </a:cxn>
+              <a:cxn ang="0">
+                <a:pos x="connsiteX4" y="connsiteY4"/>
+              </a:cxn>
+              <a:cxn ang="0">
+                <a:pos x="connsiteX5" y="connsiteY5"/>
+              </a:cxn>
+              <a:cxn ang="0">
+                <a:pos x="connsiteX6" y="connsiteY6"/>
+              </a:cxn>
+              <a:cxn ang="0">
+                <a:pos x="connsiteX7" y="connsiteY7"/>
+              </a:cxn>
+              <a:cxn ang="0">
+                <a:pos x="connsiteX8" y="connsiteY8"/>
+              </a:cxn>
+              <a:cxn ang="0">
+                <a:pos x="connsiteX9" y="connsiteY9"/>
+              </a:cxn>
+              <a:cxn ang="0">
+                <a:pos x="connsiteX10" y="connsiteY10"/>
+              </a:cxn>
+            </a:cxnLst>
+            <a:rect l="l" t="t" r="r" b="b"/>
+            <a:pathLst>
+              <a:path w="1186451" h="1771650">
+                <a:moveTo>
+                  <a:pt x="61913" y="0"/>
+                </a:moveTo>
+                <a:lnTo>
+                  <a:pt x="1186451" y="0"/>
+                </a:lnTo>
+                <a:lnTo>
+                  <a:pt x="1186451" y="123825"/>
+                </a:lnTo>
+                <a:lnTo>
+                  <a:pt x="123825" y="123825"/>
+                </a:lnTo>
+                <a:lnTo>
+                  <a:pt x="123825" y="1647825"/>
+                </a:lnTo>
+                <a:lnTo>
+                  <a:pt x="1186451" y="1647825"/>
+                </a:lnTo>
+                <a:lnTo>
+                  <a:pt x="1186451" y="1771650"/>
+                </a:lnTo>
+                <a:lnTo>
+                  <a:pt x="61913" y="1771650"/>
+                </a:lnTo>
+                <a:cubicBezTo>
+                  <a:pt x="27719" y="1771650"/>
+                  <a:pt x="0" y="1743932"/>
+                  <a:pt x="0" y="1709738"/>
+                </a:cubicBezTo>
+                <a:lnTo>
+                  <a:pt x="0" y="61913"/>
+                </a:lnTo>
+                <a:cubicBezTo>
+                  <a:pt x="0" y="27719"/>
+                  <a:pt x="27719" y="0"/>
+                  <a:pt x="61913" y="0"/>
+                </a:cubicBezTo>
+                <a:close/>
+              </a:path>
+            </a:pathLst>
+          </a:custGeom>
+          <a:solidFill>
+            <a:schemeClr val="accent6"/>
+          </a:solidFill>
+          <a:ln w="9525" cap="flat">
+            <a:noFill/>
+            <a:prstDash val="solid"/>
+            <a:miter/>
+          </a:ln>
+        </p:spPr>
+        <p:txBody>
+          <a:bodyPr rtlCol="0" anchor="ctr"/>
+          <a:lstStyle/>
+          <a:p>
+            <a:endParaRPr lang="en-US"/>
+          </a:p>
+        </p:txBody>
+      </p:sp>
+      <p:sp>
+        <p:nvSpPr>
+          <p:cNvPr id="21" name="Arc 20">
+            <a:extLst>
+              <a:ext uri="{FF2B5EF4-FFF2-40B4-BE49-F238E27FC236}">
+                <a16:creationId xmlns:a16="http://schemas.microsoft.com/office/drawing/2014/main" id="{EFE5CE34-4543-42E5-B82C-1F3D12422CDD}"/>
+              </a:ext>
+              <a:ext uri="{C183D7F6-B498-43B3-948B-1728B52AA6E4}">
+                <adec:decorative xmlns:adec="http://schemas.microsoft.com/office/drawing/2017/decorative" val="1"/>
+              </a:ext>
+            </a:extLst>
+          </p:cNvPr>
+          <p:cNvSpPr>
+            <a:spLocks noGrp="1" noRot="1" noChangeAspect="1" noMove="1" noResize="1" noEditPoints="1" noAdjustHandles="1" noChangeArrowheads="1" noChangeShapeType="1" noTextEdit="1"/>
+          </p:cNvSpPr>
+          <p:nvPr>
+            <p:extLst>
+              <p:ext uri="{386F3935-93C4-4BCD-93E2-E3B085C9AB24}">
+                <p16:designElem xmlns:p16="http://schemas.microsoft.com/office/powerpoint/2015/main" val="1"/>
+              </p:ext>
+            </p:extLst>
+          </p:nvPr>
+        </p:nvSpPr>
+        <p:spPr>
+          <a:xfrm rot="20992895">
+            <a:off x="6086940" y="4145122"/>
+            <a:ext cx="4083433" cy="4083433"/>
+          </a:xfrm>
+          <a:prstGeom prst="arc">
+            <a:avLst/>
+          </a:prstGeom>
+          <a:ln w="127000" cap="rnd">
+            <a:solidFill>
+              <a:schemeClr val="accent4"/>
+            </a:solidFill>
+            <a:prstDash val="dash"/>
+          </a:ln>
+        </p:spPr>
+        <p:style>
+          <a:lnRef idx="1">
+            <a:schemeClr val="accent1"/>
+          </a:lnRef>
+          <a:fillRef idx="0">
+            <a:schemeClr val="accent1"/>
+          </a:fillRef>
+          <a:effectRef idx="0">
+            <a:schemeClr val="accent1"/>
+          </a:effectRef>
+          <a:fontRef idx="minor">
+            <a:schemeClr val="tx1"/>
+          </a:fontRef>
+        </p:style>
+        <p:txBody>
+          <a:bodyPr rtlCol="0" anchor="ctr"/>
+          <a:lstStyle/>
+          <a:p>
+            <a:pPr algn="ctr"/>
+            <a:endParaRPr lang="en-US" dirty="0"/>
+          </a:p>
+        </p:txBody>
+      </p:sp>
+      <p:sp>
+        <p:nvSpPr>
+          <p:cNvPr id="23" name="Freeform: Shape 22">
+            <a:extLst>
+              <a:ext uri="{FF2B5EF4-FFF2-40B4-BE49-F238E27FC236}">
+                <a16:creationId xmlns:a16="http://schemas.microsoft.com/office/drawing/2014/main" id="{72AF41FE-63D7-4695-81D2-66D2510E4486}"/>
+              </a:ext>
+              <a:ext uri="{C183D7F6-B498-43B3-948B-1728B52AA6E4}">
+                <adec:decorative xmlns:adec="http://schemas.microsoft.com/office/drawing/2017/decorative" val="1"/>
+              </a:ext>
+            </a:extLst>
+          </p:cNvPr>
+          <p:cNvSpPr>
+            <a:spLocks noGrp="1" noRot="1" noChangeAspect="1" noMove="1" noResize="1" noEditPoints="1" noAdjustHandles="1" noChangeArrowheads="1" noChangeShapeType="1" noTextEdit="1"/>
+          </p:cNvSpPr>
+          <p:nvPr>
+            <p:extLst>
+              <p:ext uri="{386F3935-93C4-4BCD-93E2-E3B085C9AB24}">
+                <p16:designElem xmlns:p16="http://schemas.microsoft.com/office/powerpoint/2015/main" val="1"/>
+              </p:ext>
+            </p:extLst>
+          </p:nvPr>
+        </p:nvSpPr>
+        <p:spPr>
+          <a:xfrm>
+            <a:off x="6821310" y="4962670"/>
+            <a:ext cx="2643352" cy="1895331"/>
+          </a:xfrm>
+          <a:custGeom>
+            <a:avLst/>
+            <a:gdLst>
+              <a:gd name="connsiteX0" fmla="*/ 1321676 w 2643352"/>
+              <a:gd name="connsiteY0" fmla="*/ 0 h 1895331"/>
+              <a:gd name="connsiteX1" fmla="*/ 2643352 w 2643352"/>
+              <a:gd name="connsiteY1" fmla="*/ 1321676 h 1895331"/>
+              <a:gd name="connsiteX2" fmla="*/ 2539488 w 2643352"/>
+              <a:gd name="connsiteY2" fmla="*/ 1836132 h 1895331"/>
+              <a:gd name="connsiteX3" fmla="*/ 2510970 w 2643352"/>
+              <a:gd name="connsiteY3" fmla="*/ 1895331 h 1895331"/>
+              <a:gd name="connsiteX4" fmla="*/ 132382 w 2643352"/>
+              <a:gd name="connsiteY4" fmla="*/ 1895331 h 1895331"/>
+              <a:gd name="connsiteX5" fmla="*/ 103864 w 2643352"/>
+              <a:gd name="connsiteY5" fmla="*/ 1836132 h 1895331"/>
+              <a:gd name="connsiteX6" fmla="*/ 0 w 2643352"/>
+              <a:gd name="connsiteY6" fmla="*/ 1321676 h 1895331"/>
+              <a:gd name="connsiteX7" fmla="*/ 1321676 w 2643352"/>
+              <a:gd name="connsiteY7" fmla="*/ 0 h 1895331"/>
+            </a:gdLst>
+            <a:ahLst/>
+            <a:cxnLst>
+              <a:cxn ang="0">
+                <a:pos x="connsiteX0" y="connsiteY0"/>
+              </a:cxn>
+              <a:cxn ang="0">
+                <a:pos x="connsiteX1" y="connsiteY1"/>
+              </a:cxn>
+              <a:cxn ang="0">
+                <a:pos x="connsiteX2" y="connsiteY2"/>
+              </a:cxn>
+              <a:cxn ang="0">
+                <a:pos x="connsiteX3" y="connsiteY3"/>
+              </a:cxn>
+              <a:cxn ang="0">
+                <a:pos x="connsiteX4" y="connsiteY4"/>
+              </a:cxn>
+              <a:cxn ang="0">
+                <a:pos x="connsiteX5" y="connsiteY5"/>
+              </a:cxn>
+              <a:cxn ang="0">
+                <a:pos x="connsiteX6" y="connsiteY6"/>
+              </a:cxn>
+              <a:cxn ang="0">
+                <a:pos x="connsiteX7" y="connsiteY7"/>
+              </a:cxn>
+            </a:cxnLst>
+            <a:rect l="l" t="t" r="r" b="b"/>
+            <a:pathLst>
+              <a:path w="2643352" h="1895331">
+                <a:moveTo>
+                  <a:pt x="1321676" y="0"/>
+                </a:moveTo>
+                <a:cubicBezTo>
+                  <a:pt x="2051617" y="0"/>
+                  <a:pt x="2643352" y="591735"/>
+                  <a:pt x="2643352" y="1321676"/>
+                </a:cubicBezTo>
+                <a:cubicBezTo>
+                  <a:pt x="2643352" y="1504161"/>
+                  <a:pt x="2606369" y="1678009"/>
+                  <a:pt x="2539488" y="1836132"/>
+                </a:cubicBezTo>
+                <a:lnTo>
+                  <a:pt x="2510970" y="1895331"/>
+                </a:lnTo>
+                <a:lnTo>
+                  <a:pt x="132382" y="1895331"/>
+                </a:lnTo>
+                <a:lnTo>
+                  <a:pt x="103864" y="1836132"/>
+                </a:lnTo>
+                <a:cubicBezTo>
+                  <a:pt x="36984" y="1678009"/>
+                  <a:pt x="0" y="1504161"/>
+                  <a:pt x="0" y="1321676"/>
+                </a:cubicBezTo>
+                <a:cubicBezTo>
+                  <a:pt x="0" y="591735"/>
+                  <a:pt x="591735" y="0"/>
+                  <a:pt x="1321676" y="0"/>
+                </a:cubicBezTo>
+                <a:close/>
+              </a:path>
+            </a:pathLst>
+          </a:custGeom>
+          <a:solidFill>
+            <a:schemeClr val="accent2"/>
+          </a:solidFill>
+          <a:ln>
+            <a:noFill/>
+          </a:ln>
+        </p:spPr>
+        <p:style>
+          <a:lnRef idx="2">
+            <a:schemeClr val="accent1">
+              <a:shade val="50000"/>
+            </a:schemeClr>
+          </a:lnRef>
+          <a:fillRef idx="1">
+            <a:schemeClr val="accent1"/>
+          </a:fillRef>
+          <a:effectRef idx="0">
+            <a:schemeClr val="accent1"/>
+          </a:effectRef>
+          <a:fontRef idx="minor">
+            <a:schemeClr val="lt1"/>
+          </a:fontRef>
+        </p:style>
+        <p:txBody>
+          <a:bodyPr rtlCol="0" anchor="ctr"/>
+          <a:lstStyle/>
+          <a:p>
+            <a:pPr algn="ctr"/>
+            <a:endParaRPr lang="en-US"/>
+          </a:p>
+        </p:txBody>
+      </p:sp>
+    </p:spTree>
+    <p:extLst>
+      <p:ext uri="{BB962C8B-B14F-4D97-AF65-F5344CB8AC3E}">
+        <p14:creationId xmlns:p14="http://schemas.microsoft.com/office/powerpoint/2010/main" val="85539898"/>
+      </p:ext>
+    </p:extLst>
+  </p:cSld>
+  <p:clrMapOvr>
+    <a:masterClrMapping/>
+  </p:clrMapOvr>
+</p:sld>
+</file>
+
+<file path=ppt/slides/slide27.xml><?xml version="1.0" encoding="utf-8"?>
+<p:sld xmlns:a="http://schemas.openxmlformats.org/drawingml/2006/main" xmlns:r="http://schemas.openxmlformats.org/officeDocument/2006/relationships" xmlns:p="http://schemas.openxmlformats.org/presentationml/2006/main">
+  <p:cSld>
+    <p:bg>
+      <p:bgPr>
+        <a:solidFill>
+          <a:schemeClr val="bg1"/>
+        </a:solidFill>
+        <a:effectLst/>
+      </p:bgPr>
+    </p:bg>
+    <p:spTree>
+      <p:nvGrpSpPr>
+        <p:cNvPr id="1" name=""/>
+        <p:cNvGrpSpPr/>
+        <p:nvPr/>
+      </p:nvGrpSpPr>
+      <p:grpSpPr>
+        <a:xfrm>
+          <a:off x="0" y="0"/>
+          <a:ext cx="0" cy="0"/>
+          <a:chOff x="0" y="0"/>
+          <a:chExt cx="0" cy="0"/>
+        </a:xfrm>
+      </p:grpSpPr>
+      <p:sp useBgFill="1">
+        <p:nvSpPr>
+          <p:cNvPr id="8" name="Rectangle 7">
+            <a:extLst>
+              <a:ext uri="{FF2B5EF4-FFF2-40B4-BE49-F238E27FC236}">
+                <a16:creationId xmlns:a16="http://schemas.microsoft.com/office/drawing/2014/main" id="{1BB867FF-FC45-48F7-8104-F89BE54909F1}"/>
+              </a:ext>
+              <a:ext uri="{C183D7F6-B498-43B3-948B-1728B52AA6E4}">
+                <adec:decorative xmlns:adec="http://schemas.microsoft.com/office/drawing/2017/decorative" val="1"/>
+              </a:ext>
+            </a:extLst>
+          </p:cNvPr>
+          <p:cNvSpPr>
+            <a:spLocks noGrp="1" noRot="1" noChangeAspect="1" noMove="1" noResize="1" noEditPoints="1" noAdjustHandles="1" noChangeArrowheads="1" noChangeShapeType="1" noTextEdit="1"/>
+          </p:cNvSpPr>
+          <p:nvPr>
+            <p:extLst>
+              <p:ext uri="{386F3935-93C4-4BCD-93E2-E3B085C9AB24}">
+                <p16:designElem xmlns:p16="http://schemas.microsoft.com/office/powerpoint/2015/main" val="1"/>
+              </p:ext>
+            </p:extLst>
+          </p:nvPr>
+        </p:nvSpPr>
+        <p:spPr>
+          <a:xfrm>
+            <a:off x="3048" y="0"/>
+            <a:ext cx="12188952" cy="6858000"/>
+          </a:xfrm>
+          <a:prstGeom prst="rect">
+            <a:avLst/>
+          </a:prstGeom>
+          <a:ln>
+            <a:noFill/>
+          </a:ln>
+        </p:spPr>
+        <p:style>
+          <a:lnRef idx="2">
+            <a:schemeClr val="accent1">
+              <a:shade val="50000"/>
+            </a:schemeClr>
+          </a:lnRef>
+          <a:fillRef idx="1">
+            <a:schemeClr val="accent1"/>
+          </a:fillRef>
+          <a:effectRef idx="0">
+            <a:schemeClr val="accent1"/>
+          </a:effectRef>
+          <a:fontRef idx="minor">
+            <a:schemeClr val="lt1"/>
+          </a:fontRef>
+        </p:style>
+        <p:txBody>
+          <a:bodyPr rtlCol="0" anchor="ctr"/>
+          <a:lstStyle/>
+          <a:p>
+            <a:pPr algn="ctr"/>
+            <a:endParaRPr lang="en-US"/>
+          </a:p>
+        </p:txBody>
+      </p:sp>
+      <p:sp>
+        <p:nvSpPr>
+          <p:cNvPr id="10" name="Freeform: Shape 9">
+            <a:extLst>
+              <a:ext uri="{FF2B5EF4-FFF2-40B4-BE49-F238E27FC236}">
+                <a16:creationId xmlns:a16="http://schemas.microsoft.com/office/drawing/2014/main" id="{8BB56887-D0D5-4F0C-9E19-7247EB83C8B7}"/>
+              </a:ext>
+              <a:ext uri="{C183D7F6-B498-43B3-948B-1728B52AA6E4}">
+                <adec:decorative xmlns:adec="http://schemas.microsoft.com/office/drawing/2017/decorative" val="1"/>
+              </a:ext>
+            </a:extLst>
+          </p:cNvPr>
+          <p:cNvSpPr>
+            <a:spLocks noGrp="1" noRot="1" noChangeAspect="1" noMove="1" noResize="1" noEditPoints="1" noAdjustHandles="1" noChangeArrowheads="1" noChangeShapeType="1" noTextEdit="1"/>
+          </p:cNvSpPr>
+          <p:nvPr>
+            <p:extLst>
+              <p:ext uri="{386F3935-93C4-4BCD-93E2-E3B085C9AB24}">
+                <p16:designElem xmlns:p16="http://schemas.microsoft.com/office/powerpoint/2015/main" val="1"/>
+              </p:ext>
+            </p:extLst>
+          </p:nvPr>
+        </p:nvSpPr>
+        <p:spPr>
+          <a:xfrm>
+            <a:off x="10208695" y="1"/>
+            <a:ext cx="1135066" cy="477997"/>
+          </a:xfrm>
+          <a:custGeom>
+            <a:avLst/>
+            <a:gdLst>
+              <a:gd name="connsiteX0" fmla="*/ 0 w 1135066"/>
+              <a:gd name="connsiteY0" fmla="*/ 0 h 477997"/>
+              <a:gd name="connsiteX1" fmla="*/ 1135066 w 1135066"/>
+              <a:gd name="connsiteY1" fmla="*/ 0 h 477997"/>
+              <a:gd name="connsiteX2" fmla="*/ 1133370 w 1135066"/>
+              <a:gd name="connsiteY2" fmla="*/ 16827 h 477997"/>
+              <a:gd name="connsiteX3" fmla="*/ 567533 w 1135066"/>
+              <a:gd name="connsiteY3" fmla="*/ 477997 h 477997"/>
+              <a:gd name="connsiteX4" fmla="*/ 1696 w 1135066"/>
+              <a:gd name="connsiteY4" fmla="*/ 16827 h 477997"/>
+            </a:gdLst>
+            <a:ahLst/>
+            <a:cxnLst>
+              <a:cxn ang="0">
+                <a:pos x="connsiteX0" y="connsiteY0"/>
+              </a:cxn>
+              <a:cxn ang="0">
+                <a:pos x="connsiteX1" y="connsiteY1"/>
+              </a:cxn>
+              <a:cxn ang="0">
+                <a:pos x="connsiteX2" y="connsiteY2"/>
+              </a:cxn>
+              <a:cxn ang="0">
+                <a:pos x="connsiteX3" y="connsiteY3"/>
+              </a:cxn>
+              <a:cxn ang="0">
+                <a:pos x="connsiteX4" y="connsiteY4"/>
+              </a:cxn>
+            </a:cxnLst>
+            <a:rect l="l" t="t" r="r" b="b"/>
+            <a:pathLst>
+              <a:path w="1135066" h="477997">
+                <a:moveTo>
+                  <a:pt x="0" y="0"/>
+                </a:moveTo>
+                <a:lnTo>
+                  <a:pt x="1135066" y="0"/>
+                </a:lnTo>
+                <a:lnTo>
+                  <a:pt x="1133370" y="16827"/>
+                </a:lnTo>
+                <a:cubicBezTo>
+                  <a:pt x="1079514" y="280016"/>
+                  <a:pt x="846644" y="477997"/>
+                  <a:pt x="567533" y="477997"/>
+                </a:cubicBezTo>
+                <a:cubicBezTo>
+                  <a:pt x="288422" y="477997"/>
+                  <a:pt x="55552" y="280016"/>
+                  <a:pt x="1696" y="16827"/>
+                </a:cubicBezTo>
+                <a:close/>
+              </a:path>
+            </a:pathLst>
+          </a:custGeom>
+          <a:solidFill>
+            <a:schemeClr val="accent4"/>
+          </a:solidFill>
+          <a:ln>
+            <a:noFill/>
+          </a:ln>
+        </p:spPr>
+        <p:style>
+          <a:lnRef idx="2">
+            <a:schemeClr val="accent1">
+              <a:shade val="50000"/>
+            </a:schemeClr>
+          </a:lnRef>
+          <a:fillRef idx="1">
+            <a:schemeClr val="accent1"/>
+          </a:fillRef>
+          <a:effectRef idx="0">
+            <a:schemeClr val="accent1"/>
+          </a:effectRef>
+          <a:fontRef idx="minor">
+            <a:schemeClr val="lt1"/>
+          </a:fontRef>
+        </p:style>
+        <p:txBody>
+          <a:bodyPr wrap="square" rtlCol="0" anchor="ctr">
+            <a:noAutofit/>
+          </a:bodyPr>
+          <a:lstStyle/>
+          <a:p>
+            <a:pPr algn="ctr"/>
+            <a:endParaRPr lang="en-US"/>
+          </a:p>
+        </p:txBody>
+      </p:sp>
+      <p:sp>
+        <p:nvSpPr>
+          <p:cNvPr id="12" name="Arc 11">
+            <a:extLst>
+              <a:ext uri="{FF2B5EF4-FFF2-40B4-BE49-F238E27FC236}">
+                <a16:creationId xmlns:a16="http://schemas.microsoft.com/office/drawing/2014/main" id="{081E4A58-353D-44AE-B2FC-2A74E2E400F7}"/>
+              </a:ext>
+              <a:ext uri="{C183D7F6-B498-43B3-948B-1728B52AA6E4}">
+                <adec:decorative xmlns:adec="http://schemas.microsoft.com/office/drawing/2017/decorative" val="1"/>
+              </a:ext>
+            </a:extLst>
+          </p:cNvPr>
+          <p:cNvSpPr>
+            <a:spLocks noGrp="1" noRot="1" noChangeAspect="1" noMove="1" noResize="1" noEditPoints="1" noAdjustHandles="1" noChangeArrowheads="1" noChangeShapeType="1" noTextEdit="1"/>
+          </p:cNvSpPr>
+          <p:nvPr>
+            <p:extLst>
+              <p:ext uri="{386F3935-93C4-4BCD-93E2-E3B085C9AB24}">
+                <p16:designElem xmlns:p16="http://schemas.microsoft.com/office/powerpoint/2015/main" val="1"/>
+              </p:ext>
+            </p:extLst>
+          </p:nvPr>
+        </p:nvSpPr>
+        <p:spPr>
+          <a:xfrm rot="5400000" flipV="1">
+            <a:off x="555710" y="2183223"/>
+            <a:ext cx="4083433" cy="4083433"/>
+          </a:xfrm>
+          <a:prstGeom prst="arc">
+            <a:avLst/>
+          </a:prstGeom>
+          <a:ln w="127000" cap="rnd">
+            <a:solidFill>
+              <a:schemeClr val="accent4"/>
+            </a:solidFill>
+            <a:prstDash val="dash"/>
+          </a:ln>
+        </p:spPr>
+        <p:style>
+          <a:lnRef idx="1">
+            <a:schemeClr val="accent1"/>
+          </a:lnRef>
+          <a:fillRef idx="0">
+            <a:schemeClr val="accent1"/>
+          </a:fillRef>
+          <a:effectRef idx="0">
+            <a:schemeClr val="accent1"/>
+          </a:effectRef>
+          <a:fontRef idx="minor">
+            <a:schemeClr val="tx1"/>
+          </a:fontRef>
+        </p:style>
+        <p:txBody>
+          <a:bodyPr rtlCol="0" anchor="ctr"/>
+          <a:lstStyle/>
+          <a:p>
+            <a:pPr algn="ctr"/>
+            <a:endParaRPr lang="en-US" dirty="0"/>
+          </a:p>
+        </p:txBody>
+      </p:sp>
+      <p:pic>
+        <p:nvPicPr>
+          <p:cNvPr id="5" name="Content Placeholder 4" descr="A close up of a piece of paper&#10;&#10;Description automatically generated">
+            <a:extLst>
+              <a:ext uri="{FF2B5EF4-FFF2-40B4-BE49-F238E27FC236}">
+                <a16:creationId xmlns:a16="http://schemas.microsoft.com/office/drawing/2014/main" id="{79881C72-8C17-4443-9D1B-74F0B7B1C27B}"/>
+              </a:ext>
+            </a:extLst>
+          </p:cNvPr>
+          <p:cNvPicPr>
+            <a:picLocks noGrp="1" noChangeAspect="1"/>
+          </p:cNvPicPr>
+          <p:nvPr>
+            <p:ph idx="1"/>
+          </p:nvPr>
+        </p:nvPicPr>
+        <p:blipFill>
+          <a:blip r:embed="rId2">
+            <a:extLst>
+              <a:ext uri="{28A0092B-C50C-407E-A947-70E740481C1C}">
+                <a14:useLocalDpi xmlns:a14="http://schemas.microsoft.com/office/drawing/2010/main" val="0"/>
+              </a:ext>
+            </a:extLst>
+          </a:blip>
+          <a:stretch>
+            <a:fillRect/>
+          </a:stretch>
+        </p:blipFill>
+        <p:spPr>
+          <a:xfrm>
+            <a:off x="649017" y="-1"/>
+            <a:ext cx="4991008" cy="4351338"/>
+          </a:xfrm>
+        </p:spPr>
+      </p:pic>
+      <p:pic>
+        <p:nvPicPr>
+          <p:cNvPr id="7" name="Picture 6" descr="A close up of text on a white background&#10;&#10;Description automatically generated">
+            <a:extLst>
+              <a:ext uri="{FF2B5EF4-FFF2-40B4-BE49-F238E27FC236}">
+                <a16:creationId xmlns:a16="http://schemas.microsoft.com/office/drawing/2014/main" id="{AB980098-8B00-4BC0-BE38-BD1F282B8A98}"/>
+              </a:ext>
+            </a:extLst>
+          </p:cNvPr>
+          <p:cNvPicPr>
+            <a:picLocks noChangeAspect="1"/>
+          </p:cNvPicPr>
+          <p:nvPr/>
+        </p:nvPicPr>
+        <p:blipFill>
+          <a:blip r:embed="rId3">
+            <a:extLst>
+              <a:ext uri="{28A0092B-C50C-407E-A947-70E740481C1C}">
+                <a14:useLocalDpi xmlns:a14="http://schemas.microsoft.com/office/drawing/2010/main" val="0"/>
+              </a:ext>
+            </a:extLst>
+          </a:blip>
+          <a:stretch>
+            <a:fillRect/>
+          </a:stretch>
+        </p:blipFill>
+        <p:spPr>
+          <a:xfrm>
+            <a:off x="5702667" y="763732"/>
+            <a:ext cx="6019800" cy="5915025"/>
+          </a:xfrm>
+          <a:prstGeom prst="rect">
+            <a:avLst/>
+          </a:prstGeom>
+        </p:spPr>
+      </p:pic>
+    </p:spTree>
+    <p:extLst>
+      <p:ext uri="{BB962C8B-B14F-4D97-AF65-F5344CB8AC3E}">
+        <p14:creationId xmlns:p14="http://schemas.microsoft.com/office/powerpoint/2010/main" val="3452108752"/>
+      </p:ext>
+    </p:extLst>
+  </p:cSld>
+  <p:clrMapOvr>
+    <a:masterClrMapping/>
+  </p:clrMapOvr>
+</p:sld>
+</file>
+
+<file path=ppt/slides/slide28.xml><?xml version="1.0" encoding="utf-8"?>
+<p:sld xmlns:a="http://schemas.openxmlformats.org/drawingml/2006/main" xmlns:r="http://schemas.openxmlformats.org/officeDocument/2006/relationships" xmlns:p="http://schemas.openxmlformats.org/presentationml/2006/main">
+  <p:cSld>
+    <p:bg>
+      <p:bgPr>
+        <a:solidFill>
+          <a:schemeClr val="bg1"/>
+        </a:solidFill>
+        <a:effectLst/>
+      </p:bgPr>
+    </p:bg>
+    <p:spTree>
+      <p:nvGrpSpPr>
+        <p:cNvPr id="1" name=""/>
+        <p:cNvGrpSpPr/>
+        <p:nvPr/>
+      </p:nvGrpSpPr>
+      <p:grpSpPr>
+        <a:xfrm>
+          <a:off x="0" y="0"/>
+          <a:ext cx="0" cy="0"/>
+          <a:chOff x="0" y="0"/>
+          <a:chExt cx="0" cy="0"/>
+        </a:xfrm>
+      </p:grpSpPr>
+      <p:sp useBgFill="1">
+        <p:nvSpPr>
+          <p:cNvPr id="8" name="Rectangle 7">
+            <a:extLst>
+              <a:ext uri="{FF2B5EF4-FFF2-40B4-BE49-F238E27FC236}">
+                <a16:creationId xmlns:a16="http://schemas.microsoft.com/office/drawing/2014/main" id="{907EF6B7-1338-4443-8C46-6A318D952DFD}"/>
+              </a:ext>
+              <a:ext uri="{C183D7F6-B498-43B3-948B-1728B52AA6E4}">
+                <adec:decorative xmlns:adec="http://schemas.microsoft.com/office/drawing/2017/decorative" val="1"/>
+              </a:ext>
+            </a:extLst>
+          </p:cNvPr>
+          <p:cNvSpPr>
+            <a:spLocks noGrp="1" noRot="1" noChangeAspect="1" noMove="1" noResize="1" noEditPoints="1" noAdjustHandles="1" noChangeArrowheads="1" noChangeShapeType="1" noTextEdit="1"/>
+          </p:cNvSpPr>
+          <p:nvPr>
+            <p:extLst>
+              <p:ext uri="{386F3935-93C4-4BCD-93E2-E3B085C9AB24}">
+                <p16:designElem xmlns:p16="http://schemas.microsoft.com/office/powerpoint/2015/main" val="1"/>
+              </p:ext>
+            </p:extLst>
+          </p:nvPr>
+        </p:nvSpPr>
+        <p:spPr>
+          <a:xfrm>
+            <a:off x="3048" y="0"/>
+            <a:ext cx="12188952" cy="6858000"/>
+          </a:xfrm>
+          <a:prstGeom prst="rect">
+            <a:avLst/>
+          </a:prstGeom>
+          <a:ln>
+            <a:noFill/>
+          </a:ln>
+        </p:spPr>
+        <p:style>
+          <a:lnRef idx="2">
+            <a:schemeClr val="accent1">
+              <a:shade val="50000"/>
+            </a:schemeClr>
+          </a:lnRef>
+          <a:fillRef idx="1">
+            <a:schemeClr val="accent1"/>
+          </a:fillRef>
+          <a:effectRef idx="0">
+            <a:schemeClr val="accent1"/>
+          </a:effectRef>
+          <a:fontRef idx="minor">
+            <a:schemeClr val="lt1"/>
+          </a:fontRef>
+        </p:style>
+        <p:txBody>
+          <a:bodyPr rtlCol="0" anchor="ctr"/>
+          <a:lstStyle/>
+          <a:p>
+            <a:pPr algn="ctr"/>
+            <a:endParaRPr lang="en-US"/>
+          </a:p>
+        </p:txBody>
+      </p:sp>
+      <p:sp>
+        <p:nvSpPr>
+          <p:cNvPr id="10" name="Freeform: Shape 9">
+            <a:extLst>
+              <a:ext uri="{FF2B5EF4-FFF2-40B4-BE49-F238E27FC236}">
+                <a16:creationId xmlns:a16="http://schemas.microsoft.com/office/drawing/2014/main" id="{DAAE4CDD-124C-4DCF-9584-B6033B545DD5}"/>
+              </a:ext>
+              <a:ext uri="{C183D7F6-B498-43B3-948B-1728B52AA6E4}">
+                <adec:decorative xmlns:adec="http://schemas.microsoft.com/office/drawing/2017/decorative" val="1"/>
+              </a:ext>
+            </a:extLst>
+          </p:cNvPr>
+          <p:cNvSpPr>
+            <a:spLocks noGrp="1" noRot="1" noChangeAspect="1" noMove="1" noResize="1" noEditPoints="1" noAdjustHandles="1" noChangeArrowheads="1" noChangeShapeType="1" noTextEdit="1"/>
+          </p:cNvSpPr>
+          <p:nvPr>
+            <p:extLst>
+              <p:ext uri="{386F3935-93C4-4BCD-93E2-E3B085C9AB24}">
+                <p16:designElem xmlns:p16="http://schemas.microsoft.com/office/powerpoint/2015/main" val="1"/>
+              </p:ext>
+            </p:extLst>
+          </p:nvPr>
+        </p:nvSpPr>
+        <p:spPr>
+          <a:xfrm>
+            <a:off x="1" y="0"/>
+            <a:ext cx="4167271" cy="6858000"/>
+          </a:xfrm>
+          <a:custGeom>
+            <a:avLst/>
+            <a:gdLst>
+              <a:gd name="connsiteX0" fmla="*/ 0 w 4167271"/>
+              <a:gd name="connsiteY0" fmla="*/ 0 h 6858000"/>
+              <a:gd name="connsiteX1" fmla="*/ 2259550 w 4167271"/>
+              <a:gd name="connsiteY1" fmla="*/ 0 h 6858000"/>
+              <a:gd name="connsiteX2" fmla="*/ 2387803 w 4167271"/>
+              <a:gd name="connsiteY2" fmla="*/ 82222 h 6858000"/>
+              <a:gd name="connsiteX3" fmla="*/ 4167271 w 4167271"/>
+              <a:gd name="connsiteY3" fmla="*/ 3429000 h 6858000"/>
+              <a:gd name="connsiteX4" fmla="*/ 2387803 w 4167271"/>
+              <a:gd name="connsiteY4" fmla="*/ 6775779 h 6858000"/>
+              <a:gd name="connsiteX5" fmla="*/ 2259550 w 4167271"/>
+              <a:gd name="connsiteY5" fmla="*/ 6858000 h 6858000"/>
+              <a:gd name="connsiteX6" fmla="*/ 0 w 4167271"/>
+              <a:gd name="connsiteY6" fmla="*/ 6858000 h 6858000"/>
+            </a:gdLst>
+            <a:ahLst/>
+            <a:cxnLst>
+              <a:cxn ang="0">
+                <a:pos x="connsiteX0" y="connsiteY0"/>
+              </a:cxn>
+              <a:cxn ang="0">
+                <a:pos x="connsiteX1" y="connsiteY1"/>
+              </a:cxn>
+              <a:cxn ang="0">
+                <a:pos x="connsiteX2" y="connsiteY2"/>
+              </a:cxn>
+              <a:cxn ang="0">
+                <a:pos x="connsiteX3" y="connsiteY3"/>
+              </a:cxn>
+              <a:cxn ang="0">
+                <a:pos x="connsiteX4" y="connsiteY4"/>
+              </a:cxn>
+              <a:cxn ang="0">
+                <a:pos x="connsiteX5" y="connsiteY5"/>
+              </a:cxn>
+              <a:cxn ang="0">
+                <a:pos x="connsiteX6" y="connsiteY6"/>
+              </a:cxn>
+            </a:cxnLst>
+            <a:rect l="l" t="t" r="r" b="b"/>
+            <a:pathLst>
+              <a:path w="4167271" h="6858000">
+                <a:moveTo>
+                  <a:pt x="0" y="0"/>
+                </a:moveTo>
+                <a:lnTo>
+                  <a:pt x="2259550" y="0"/>
+                </a:lnTo>
+                <a:lnTo>
+                  <a:pt x="2387803" y="82222"/>
+                </a:lnTo>
+                <a:cubicBezTo>
+                  <a:pt x="3461407" y="807534"/>
+                  <a:pt x="4167271" y="2035835"/>
+                  <a:pt x="4167271" y="3429000"/>
+                </a:cubicBezTo>
+                <a:cubicBezTo>
+                  <a:pt x="4167271" y="4822165"/>
+                  <a:pt x="3461407" y="6050467"/>
+                  <a:pt x="2387803" y="6775779"/>
+                </a:cubicBezTo>
+                <a:lnTo>
+                  <a:pt x="2259550" y="6858000"/>
+                </a:lnTo>
+                <a:lnTo>
+                  <a:pt x="0" y="6858000"/>
+                </a:lnTo>
+                <a:close/>
+              </a:path>
+            </a:pathLst>
+          </a:custGeom>
+          <a:solidFill>
+            <a:schemeClr val="accent2"/>
+          </a:solidFill>
+          <a:ln>
+            <a:noFill/>
+          </a:ln>
+        </p:spPr>
+        <p:style>
+          <a:lnRef idx="2">
+            <a:schemeClr val="accent1">
+              <a:shade val="50000"/>
+            </a:schemeClr>
+          </a:lnRef>
+          <a:fillRef idx="1">
+            <a:schemeClr val="accent1"/>
+          </a:fillRef>
+          <a:effectRef idx="0">
+            <a:schemeClr val="accent1"/>
+          </a:effectRef>
+          <a:fontRef idx="minor">
+            <a:schemeClr val="lt1"/>
+          </a:fontRef>
+        </p:style>
+        <p:txBody>
+          <a:bodyPr rtlCol="0" anchor="ctr"/>
+          <a:lstStyle/>
+          <a:p>
+            <a:pPr algn="ctr"/>
+            <a:endParaRPr lang="en-US"/>
+          </a:p>
+        </p:txBody>
+      </p:sp>
+      <p:sp>
+        <p:nvSpPr>
+          <p:cNvPr id="12" name="Arc 11">
+            <a:extLst>
+              <a:ext uri="{FF2B5EF4-FFF2-40B4-BE49-F238E27FC236}">
+                <a16:creationId xmlns:a16="http://schemas.microsoft.com/office/drawing/2014/main" id="{081E4A58-353D-44AE-B2FC-2A74E2E400F7}"/>
+              </a:ext>
+              <a:ext uri="{C183D7F6-B498-43B3-948B-1728B52AA6E4}">
+                <adec:decorative xmlns:adec="http://schemas.microsoft.com/office/drawing/2017/decorative" val="1"/>
+              </a:ext>
+            </a:extLst>
+          </p:cNvPr>
+          <p:cNvSpPr>
+            <a:spLocks noGrp="1" noRot="1" noChangeAspect="1" noMove="1" noResize="1" noEditPoints="1" noAdjustHandles="1" noChangeArrowheads="1" noChangeShapeType="1" noTextEdit="1"/>
+          </p:cNvSpPr>
+          <p:nvPr>
+            <p:extLst>
+              <p:ext uri="{386F3935-93C4-4BCD-93E2-E3B085C9AB24}">
+                <p16:designElem xmlns:p16="http://schemas.microsoft.com/office/powerpoint/2015/main" val="1"/>
+              </p:ext>
+            </p:extLst>
+          </p:nvPr>
+        </p:nvSpPr>
+        <p:spPr>
+          <a:xfrm flipV="1">
+            <a:off x="7550402" y="2455479"/>
+            <a:ext cx="4083433" cy="4083433"/>
+          </a:xfrm>
+          <a:prstGeom prst="arc">
+            <a:avLst/>
+          </a:prstGeom>
+          <a:ln w="127000" cap="rnd">
+            <a:solidFill>
+              <a:schemeClr val="accent4"/>
+            </a:solidFill>
+            <a:prstDash val="dash"/>
+          </a:ln>
+        </p:spPr>
+        <p:style>
+          <a:lnRef idx="1">
+            <a:schemeClr val="accent1"/>
+          </a:lnRef>
+          <a:fillRef idx="0">
+            <a:schemeClr val="accent1"/>
+          </a:fillRef>
+          <a:effectRef idx="0">
+            <a:schemeClr val="accent1"/>
+          </a:effectRef>
+          <a:fontRef idx="minor">
+            <a:schemeClr val="tx1"/>
+          </a:fontRef>
+        </p:style>
+        <p:txBody>
+          <a:bodyPr rtlCol="0" anchor="ctr"/>
+          <a:lstStyle/>
+          <a:p>
+            <a:pPr algn="ctr"/>
+            <a:endParaRPr lang="en-US" dirty="0"/>
+          </a:p>
+        </p:txBody>
+      </p:sp>
+      <p:pic>
+        <p:nvPicPr>
+          <p:cNvPr id="5" name="Content Placeholder 4" descr="A close up of text on a white background&#10;&#10;Description automatically generated">
+            <a:extLst>
+              <a:ext uri="{FF2B5EF4-FFF2-40B4-BE49-F238E27FC236}">
+                <a16:creationId xmlns:a16="http://schemas.microsoft.com/office/drawing/2014/main" id="{50EEF767-74B2-4705-8AD5-98FFF25EB3DB}"/>
+              </a:ext>
+            </a:extLst>
+          </p:cNvPr>
+          <p:cNvPicPr>
+            <a:picLocks noGrp="1" noChangeAspect="1"/>
+          </p:cNvPicPr>
+          <p:nvPr>
+            <p:ph idx="1"/>
+          </p:nvPr>
+        </p:nvPicPr>
+        <p:blipFill>
+          <a:blip r:embed="rId2">
+            <a:extLst>
+              <a:ext uri="{28A0092B-C50C-407E-A947-70E740481C1C}">
+                <a14:useLocalDpi xmlns:a14="http://schemas.microsoft.com/office/drawing/2010/main" val="0"/>
+              </a:ext>
+            </a:extLst>
+          </a:blip>
+          <a:stretch>
+            <a:fillRect/>
+          </a:stretch>
+        </p:blipFill>
+        <p:spPr>
+          <a:xfrm>
+            <a:off x="4167272" y="0"/>
+            <a:ext cx="4777154" cy="6858000"/>
+          </a:xfrm>
+        </p:spPr>
+      </p:pic>
+    </p:spTree>
+    <p:extLst>
+      <p:ext uri="{BB962C8B-B14F-4D97-AF65-F5344CB8AC3E}">
+        <p14:creationId xmlns:p14="http://schemas.microsoft.com/office/powerpoint/2010/main" val="2993467627"/>
+      </p:ext>
+    </p:extLst>
+  </p:cSld>
+  <p:clrMapOvr>
+    <a:masterClrMapping/>
+  </p:clrMapOvr>
+</p:sld>
+</file>
+
+<file path=ppt/slides/slide29.xml><?xml version="1.0" encoding="utf-8"?>
+<p:sld xmlns:a="http://schemas.openxmlformats.org/drawingml/2006/main" xmlns:r="http://schemas.openxmlformats.org/officeDocument/2006/relationships" xmlns:p="http://schemas.openxmlformats.org/presentationml/2006/main">
+  <p:cSld>
+    <p:bg>
+      <p:bgPr>
+        <a:solidFill>
+          <a:schemeClr val="bg1"/>
+        </a:solidFill>
+        <a:effectLst/>
+      </p:bgPr>
+    </p:bg>
+    <p:spTree>
+      <p:nvGrpSpPr>
+        <p:cNvPr id="1" name=""/>
+        <p:cNvGrpSpPr/>
+        <p:nvPr/>
+      </p:nvGrpSpPr>
+      <p:grpSpPr>
+        <a:xfrm>
+          <a:off x="0" y="0"/>
+          <a:ext cx="0" cy="0"/>
+          <a:chOff x="0" y="0"/>
+          <a:chExt cx="0" cy="0"/>
+        </a:xfrm>
+      </p:grpSpPr>
+      <p:sp useBgFill="1">
+        <p:nvSpPr>
+          <p:cNvPr id="17" name="Rectangle 16">
+            <a:extLst>
+              <a:ext uri="{FF2B5EF4-FFF2-40B4-BE49-F238E27FC236}">
+                <a16:creationId xmlns:a16="http://schemas.microsoft.com/office/drawing/2014/main" id="{1709F1D5-B0F1-4714-A239-E5B61C161915}"/>
+              </a:ext>
+              <a:ext uri="{C183D7F6-B498-43B3-948B-1728B52AA6E4}">
+                <adec:decorative xmlns:adec="http://schemas.microsoft.com/office/drawing/2017/decorative" val="1"/>
+              </a:ext>
+            </a:extLst>
+          </p:cNvPr>
+          <p:cNvSpPr>
+            <a:spLocks noGrp="1" noRot="1" noChangeAspect="1" noMove="1" noResize="1" noEditPoints="1" noAdjustHandles="1" noChangeArrowheads="1" noChangeShapeType="1" noTextEdit="1"/>
+          </p:cNvSpPr>
+          <p:nvPr>
+            <p:extLst>
+              <p:ext uri="{386F3935-93C4-4BCD-93E2-E3B085C9AB24}">
+                <p16:designElem xmlns:p16="http://schemas.microsoft.com/office/powerpoint/2015/main" val="1"/>
+              </p:ext>
+            </p:extLst>
+          </p:nvPr>
+        </p:nvSpPr>
+        <p:spPr>
+          <a:xfrm>
+            <a:off x="3048" y="0"/>
+            <a:ext cx="12188952" cy="6858000"/>
+          </a:xfrm>
+          <a:prstGeom prst="rect">
+            <a:avLst/>
+          </a:prstGeom>
+          <a:ln>
+            <a:noFill/>
+          </a:ln>
+        </p:spPr>
+        <p:style>
+          <a:lnRef idx="2">
+            <a:schemeClr val="accent1">
+              <a:shade val="50000"/>
+            </a:schemeClr>
+          </a:lnRef>
+          <a:fillRef idx="1">
+            <a:schemeClr val="accent1"/>
+          </a:fillRef>
+          <a:effectRef idx="0">
+            <a:schemeClr val="accent1"/>
+          </a:effectRef>
+          <a:fontRef idx="minor">
+            <a:schemeClr val="lt1"/>
+          </a:fontRef>
+        </p:style>
+        <p:txBody>
+          <a:bodyPr rtlCol="0" anchor="ctr"/>
+          <a:lstStyle/>
+          <a:p>
+            <a:pPr algn="ctr"/>
+            <a:endParaRPr lang="en-US"/>
+          </a:p>
+        </p:txBody>
+      </p:sp>
+      <p:sp>
+        <p:nvSpPr>
+          <p:cNvPr id="19" name="Rectangle: Rounded Corners 18">
+            <a:extLst>
+              <a:ext uri="{FF2B5EF4-FFF2-40B4-BE49-F238E27FC236}">
+                <a16:creationId xmlns:a16="http://schemas.microsoft.com/office/drawing/2014/main" id="{228FB460-D3FF-4440-A020-05982A09E517}"/>
+              </a:ext>
+              <a:ext uri="{C183D7F6-B498-43B3-948B-1728B52AA6E4}">
+                <adec:decorative xmlns:adec="http://schemas.microsoft.com/office/drawing/2017/decorative" val="1"/>
+              </a:ext>
+            </a:extLst>
+          </p:cNvPr>
+          <p:cNvSpPr>
+            <a:spLocks noGrp="1" noRot="1" noChangeAspect="1" noMove="1" noResize="1" noEditPoints="1" noAdjustHandles="1" noChangeArrowheads="1" noChangeShapeType="1" noTextEdit="1"/>
+          </p:cNvSpPr>
+          <p:nvPr>
+            <p:extLst>
+              <p:ext uri="{386F3935-93C4-4BCD-93E2-E3B085C9AB24}">
+                <p16:designElem xmlns:p16="http://schemas.microsoft.com/office/powerpoint/2015/main" val="1"/>
+              </p:ext>
+            </p:extLst>
+          </p:nvPr>
+        </p:nvSpPr>
+        <p:spPr>
+          <a:xfrm>
+            <a:off x="740546" y="1011045"/>
+            <a:ext cx="4369859" cy="4369859"/>
+          </a:xfrm>
+          <a:prstGeom prst="roundRect">
+            <a:avLst>
+              <a:gd name="adj" fmla="val 2757"/>
+            </a:avLst>
+          </a:prstGeom>
+          <a:solidFill>
+            <a:schemeClr val="accent2"/>
+          </a:solidFill>
+          <a:ln>
+            <a:noFill/>
+          </a:ln>
+        </p:spPr>
+        <p:style>
+          <a:lnRef idx="2">
+            <a:schemeClr val="accent1">
+              <a:shade val="50000"/>
+            </a:schemeClr>
+          </a:lnRef>
+          <a:fillRef idx="1">
+            <a:schemeClr val="accent1"/>
+          </a:fillRef>
+          <a:effectRef idx="0">
+            <a:schemeClr val="accent1"/>
+          </a:effectRef>
+          <a:fontRef idx="minor">
+            <a:schemeClr val="lt1"/>
+          </a:fontRef>
+        </p:style>
+        <p:txBody>
+          <a:bodyPr rtlCol="0" anchor="ctr"/>
+          <a:lstStyle/>
+          <a:p>
+            <a:pPr algn="ctr"/>
+            <a:endParaRPr lang="en-US"/>
+          </a:p>
+        </p:txBody>
+      </p:sp>
+      <p:sp>
+        <p:nvSpPr>
+          <p:cNvPr id="21" name="Freeform: Shape 20">
+            <a:extLst>
+              <a:ext uri="{FF2B5EF4-FFF2-40B4-BE49-F238E27FC236}">
+                <a16:creationId xmlns:a16="http://schemas.microsoft.com/office/drawing/2014/main" id="{14847E93-7DC1-4D4B-8829-B19AA7137C50}"/>
+              </a:ext>
+              <a:ext uri="{C183D7F6-B498-43B3-948B-1728B52AA6E4}">
+                <adec:decorative xmlns:adec="http://schemas.microsoft.com/office/drawing/2017/decorative" val="1"/>
+              </a:ext>
+            </a:extLst>
+          </p:cNvPr>
+          <p:cNvSpPr>
+            <a:spLocks noGrp="1" noRot="1" noChangeAspect="1" noMove="1" noResize="1" noEditPoints="1" noAdjustHandles="1" noChangeArrowheads="1" noChangeShapeType="1" noTextEdit="1"/>
+          </p:cNvSpPr>
+          <p:nvPr>
+            <p:extLst>
+              <p:ext uri="{386F3935-93C4-4BCD-93E2-E3B085C9AB24}">
+                <p16:designElem xmlns:p16="http://schemas.microsoft.com/office/powerpoint/2015/main" val="1"/>
+              </p:ext>
+            </p:extLst>
+          </p:nvPr>
+        </p:nvSpPr>
+        <p:spPr>
+          <a:xfrm flipH="1">
+            <a:off x="530529" y="0"/>
+            <a:ext cx="1155142" cy="591009"/>
+          </a:xfrm>
+          <a:custGeom>
+            <a:avLst/>
+            <a:gdLst>
+              <a:gd name="connsiteX0" fmla="*/ 1355 w 1155142"/>
+              <a:gd name="connsiteY0" fmla="*/ 0 h 591009"/>
+              <a:gd name="connsiteX1" fmla="*/ 1153787 w 1155142"/>
+              <a:gd name="connsiteY1" fmla="*/ 0 h 591009"/>
+              <a:gd name="connsiteX2" fmla="*/ 1155142 w 1155142"/>
+              <a:gd name="connsiteY2" fmla="*/ 13438 h 591009"/>
+              <a:gd name="connsiteX3" fmla="*/ 577571 w 1155142"/>
+              <a:gd name="connsiteY3" fmla="*/ 591009 h 591009"/>
+              <a:gd name="connsiteX4" fmla="*/ 0 w 1155142"/>
+              <a:gd name="connsiteY4" fmla="*/ 13438 h 591009"/>
+            </a:gdLst>
+            <a:ahLst/>
+            <a:cxnLst>
+              <a:cxn ang="0">
+                <a:pos x="connsiteX0" y="connsiteY0"/>
+              </a:cxn>
+              <a:cxn ang="0">
+                <a:pos x="connsiteX1" y="connsiteY1"/>
+              </a:cxn>
+              <a:cxn ang="0">
+                <a:pos x="connsiteX2" y="connsiteY2"/>
+              </a:cxn>
+              <a:cxn ang="0">
+                <a:pos x="connsiteX3" y="connsiteY3"/>
+              </a:cxn>
+              <a:cxn ang="0">
+                <a:pos x="connsiteX4" y="connsiteY4"/>
+              </a:cxn>
+            </a:cxnLst>
+            <a:rect l="l" t="t" r="r" b="b"/>
+            <a:pathLst>
+              <a:path w="1155142" h="591009">
+                <a:moveTo>
+                  <a:pt x="1355" y="0"/>
+                </a:moveTo>
+                <a:lnTo>
+                  <a:pt x="1153787" y="0"/>
+                </a:lnTo>
+                <a:lnTo>
+                  <a:pt x="1155142" y="13438"/>
+                </a:lnTo>
+                <a:cubicBezTo>
+                  <a:pt x="1155142" y="332422"/>
+                  <a:pt x="896555" y="591009"/>
+                  <a:pt x="577571" y="591009"/>
+                </a:cubicBezTo>
+                <a:cubicBezTo>
+                  <a:pt x="258587" y="591009"/>
+                  <a:pt x="0" y="332422"/>
+                  <a:pt x="0" y="13438"/>
+                </a:cubicBezTo>
+                <a:close/>
+              </a:path>
+            </a:pathLst>
+          </a:custGeom>
+          <a:solidFill>
+            <a:schemeClr val="accent5"/>
+          </a:solidFill>
+          <a:ln>
+            <a:noFill/>
+          </a:ln>
+        </p:spPr>
+        <p:style>
+          <a:lnRef idx="2">
+            <a:schemeClr val="accent1">
+              <a:shade val="50000"/>
+            </a:schemeClr>
+          </a:lnRef>
+          <a:fillRef idx="1">
+            <a:schemeClr val="accent1"/>
+          </a:fillRef>
+          <a:effectRef idx="0">
+            <a:schemeClr val="accent1"/>
+          </a:effectRef>
+          <a:fontRef idx="minor">
+            <a:schemeClr val="lt1"/>
+          </a:fontRef>
+        </p:style>
+        <p:txBody>
+          <a:bodyPr wrap="square" rtlCol="0" anchor="ctr">
+            <a:noAutofit/>
+          </a:bodyPr>
+          <a:lstStyle/>
+          <a:p>
+            <a:pPr algn="ctr"/>
+            <a:endParaRPr lang="en-US"/>
+          </a:p>
+        </p:txBody>
+      </p:sp>
+      <p:sp>
+        <p:nvSpPr>
+          <p:cNvPr id="23" name="Freeform: Shape 22">
+            <a:extLst>
+              <a:ext uri="{FF2B5EF4-FFF2-40B4-BE49-F238E27FC236}">
+                <a16:creationId xmlns:a16="http://schemas.microsoft.com/office/drawing/2014/main" id="{5566D6E1-03A1-4D73-A4E0-35D74D568A04}"/>
+              </a:ext>
+              <a:ext uri="{C183D7F6-B498-43B3-948B-1728B52AA6E4}">
+                <adec:decorative xmlns:adec="http://schemas.microsoft.com/office/drawing/2017/decorative" val="1"/>
+              </a:ext>
+            </a:extLst>
+          </p:cNvPr>
+          <p:cNvSpPr>
+            <a:spLocks noGrp="1" noRot="1" noChangeAspect="1" noMove="1" noResize="1" noEditPoints="1" noAdjustHandles="1" noChangeArrowheads="1" noChangeShapeType="1" noTextEdit="1"/>
+          </p:cNvSpPr>
+          <p:nvPr>
+            <p:extLst>
+              <p:ext uri="{386F3935-93C4-4BCD-93E2-E3B085C9AB24}">
+                <p16:designElem xmlns:p16="http://schemas.microsoft.com/office/powerpoint/2015/main" val="1"/>
+              </p:ext>
+            </p:extLst>
+          </p:nvPr>
+        </p:nvSpPr>
+        <p:spPr>
+          <a:xfrm flipH="1">
+            <a:off x="3961511" y="-1"/>
+            <a:ext cx="1737401" cy="959536"/>
+          </a:xfrm>
+          <a:custGeom>
+            <a:avLst/>
+            <a:gdLst>
+              <a:gd name="connsiteX0" fmla="*/ 0 w 1737401"/>
+              <a:gd name="connsiteY0" fmla="*/ 0 h 959536"/>
+              <a:gd name="connsiteX1" fmla="*/ 123825 w 1737401"/>
+              <a:gd name="connsiteY1" fmla="*/ 0 h 959536"/>
+              <a:gd name="connsiteX2" fmla="*/ 123825 w 1737401"/>
+              <a:gd name="connsiteY2" fmla="*/ 790277 h 959536"/>
+              <a:gd name="connsiteX3" fmla="*/ 1490095 w 1737401"/>
+              <a:gd name="connsiteY3" fmla="*/ 0 h 959536"/>
+              <a:gd name="connsiteX4" fmla="*/ 1737401 w 1737401"/>
+              <a:gd name="connsiteY4" fmla="*/ 0 h 959536"/>
+              <a:gd name="connsiteX5" fmla="*/ 92869 w 1737401"/>
+              <a:gd name="connsiteY5" fmla="*/ 951249 h 959536"/>
+              <a:gd name="connsiteX6" fmla="*/ 61913 w 1737401"/>
+              <a:gd name="connsiteY6" fmla="*/ 959536 h 959536"/>
+              <a:gd name="connsiteX7" fmla="*/ 0 w 1737401"/>
+              <a:gd name="connsiteY7" fmla="*/ 897624 h 959536"/>
+            </a:gdLst>
+            <a:ahLst/>
+            <a:cxnLst>
+              <a:cxn ang="0">
+                <a:pos x="connsiteX0" y="connsiteY0"/>
+              </a:cxn>
+              <a:cxn ang="0">
+                <a:pos x="connsiteX1" y="connsiteY1"/>
+              </a:cxn>
+              <a:cxn ang="0">
+                <a:pos x="connsiteX2" y="connsiteY2"/>
+              </a:cxn>
+              <a:cxn ang="0">
+                <a:pos x="connsiteX3" y="connsiteY3"/>
+              </a:cxn>
+              <a:cxn ang="0">
+                <a:pos x="connsiteX4" y="connsiteY4"/>
+              </a:cxn>
+              <a:cxn ang="0">
+                <a:pos x="connsiteX5" y="connsiteY5"/>
+              </a:cxn>
+              <a:cxn ang="0">
+                <a:pos x="connsiteX6" y="connsiteY6"/>
+              </a:cxn>
+              <a:cxn ang="0">
+                <a:pos x="connsiteX7" y="connsiteY7"/>
+              </a:cxn>
+            </a:cxnLst>
+            <a:rect l="l" t="t" r="r" b="b"/>
+            <a:pathLst>
+              <a:path w="1737401" h="959536">
+                <a:moveTo>
+                  <a:pt x="0" y="0"/>
+                </a:moveTo>
+                <a:lnTo>
+                  <a:pt x="123825" y="0"/>
+                </a:lnTo>
+                <a:lnTo>
+                  <a:pt x="123825" y="790277"/>
+                </a:lnTo>
+                <a:lnTo>
+                  <a:pt x="1490095" y="0"/>
+                </a:lnTo>
+                <a:lnTo>
+                  <a:pt x="1737401" y="0"/>
+                </a:lnTo>
+                <a:lnTo>
+                  <a:pt x="92869" y="951249"/>
+                </a:lnTo>
+                <a:cubicBezTo>
+                  <a:pt x="83458" y="956688"/>
+                  <a:pt x="72780" y="959546"/>
+                  <a:pt x="61913" y="959536"/>
+                </a:cubicBezTo>
+                <a:cubicBezTo>
+                  <a:pt x="27719" y="959536"/>
+                  <a:pt x="0" y="931818"/>
+                  <a:pt x="0" y="897624"/>
+                </a:cubicBezTo>
+                <a:close/>
+              </a:path>
+            </a:pathLst>
+          </a:custGeom>
+          <a:solidFill>
+            <a:schemeClr val="accent6"/>
+          </a:solidFill>
+          <a:ln w="9525" cap="flat">
+            <a:noFill/>
+            <a:prstDash val="solid"/>
+            <a:miter/>
+          </a:ln>
+        </p:spPr>
+        <p:txBody>
+          <a:bodyPr rtlCol="0" anchor="ctr"/>
+          <a:lstStyle/>
+          <a:p>
+            <a:endParaRPr lang="en-US"/>
+          </a:p>
+        </p:txBody>
+      </p:sp>
+      <p:sp>
+        <p:nvSpPr>
+          <p:cNvPr id="25" name="Freeform: Shape 24">
+            <a:extLst>
+              <a:ext uri="{FF2B5EF4-FFF2-40B4-BE49-F238E27FC236}">
+                <a16:creationId xmlns:a16="http://schemas.microsoft.com/office/drawing/2014/main" id="{9F835A99-04AC-494A-A572-AFE8413CC938}"/>
+              </a:ext>
+              <a:ext uri="{C183D7F6-B498-43B3-948B-1728B52AA6E4}">
+                <adec:decorative xmlns:adec="http://schemas.microsoft.com/office/drawing/2017/decorative" val="1"/>
+              </a:ext>
+            </a:extLst>
+          </p:cNvPr>
+          <p:cNvSpPr>
+            <a:spLocks noGrp="1" noRot="1" noChangeAspect="1" noMove="1" noResize="1" noEditPoints="1" noAdjustHandles="1" noChangeArrowheads="1" noChangeShapeType="1" noTextEdit="1"/>
+          </p:cNvSpPr>
+          <p:nvPr>
+            <p:extLst>
+              <p:ext uri="{386F3935-93C4-4BCD-93E2-E3B085C9AB24}">
+                <p16:designElem xmlns:p16="http://schemas.microsoft.com/office/powerpoint/2015/main" val="1"/>
+              </p:ext>
+            </p:extLst>
+          </p:nvPr>
+        </p:nvSpPr>
+        <p:spPr>
+          <a:xfrm flipH="1">
+            <a:off x="0" y="2936831"/>
+            <a:ext cx="159741" cy="552996"/>
+          </a:xfrm>
+          <a:custGeom>
+            <a:avLst/>
+            <a:gdLst>
+              <a:gd name="connsiteX0" fmla="*/ 159741 w 159741"/>
+              <a:gd name="connsiteY0" fmla="*/ 0 h 552996"/>
+              <a:gd name="connsiteX1" fmla="*/ 159741 w 159741"/>
+              <a:gd name="connsiteY1" fmla="*/ 552996 h 552996"/>
+              <a:gd name="connsiteX2" fmla="*/ 141849 w 159741"/>
+              <a:gd name="connsiteY2" fmla="*/ 543285 h 552996"/>
+              <a:gd name="connsiteX3" fmla="*/ 0 w 159741"/>
+              <a:gd name="connsiteY3" fmla="*/ 276498 h 552996"/>
+              <a:gd name="connsiteX4" fmla="*/ 141849 w 159741"/>
+              <a:gd name="connsiteY4" fmla="*/ 9711 h 552996"/>
+            </a:gdLst>
+            <a:ahLst/>
+            <a:cxnLst>
+              <a:cxn ang="0">
+                <a:pos x="connsiteX0" y="connsiteY0"/>
+              </a:cxn>
+              <a:cxn ang="0">
+                <a:pos x="connsiteX1" y="connsiteY1"/>
+              </a:cxn>
+              <a:cxn ang="0">
+                <a:pos x="connsiteX2" y="connsiteY2"/>
+              </a:cxn>
+              <a:cxn ang="0">
+                <a:pos x="connsiteX3" y="connsiteY3"/>
+              </a:cxn>
+              <a:cxn ang="0">
+                <a:pos x="connsiteX4" y="connsiteY4"/>
+              </a:cxn>
+            </a:cxnLst>
+            <a:rect l="l" t="t" r="r" b="b"/>
+            <a:pathLst>
+              <a:path w="159741" h="552996">
+                <a:moveTo>
+                  <a:pt x="159741" y="0"/>
+                </a:moveTo>
+                <a:lnTo>
+                  <a:pt x="159741" y="552996"/>
+                </a:lnTo>
+                <a:lnTo>
+                  <a:pt x="141849" y="543285"/>
+                </a:lnTo>
+                <a:cubicBezTo>
+                  <a:pt x="56268" y="485467"/>
+                  <a:pt x="0" y="387554"/>
+                  <a:pt x="0" y="276498"/>
+                </a:cubicBezTo>
+                <a:cubicBezTo>
+                  <a:pt x="0" y="165443"/>
+                  <a:pt x="56268" y="67529"/>
+                  <a:pt x="141849" y="9711"/>
+                </a:cubicBezTo>
+                <a:close/>
+              </a:path>
+            </a:pathLst>
+          </a:custGeom>
+          <a:solidFill>
+            <a:schemeClr val="accent4"/>
+          </a:solidFill>
+          <a:ln w="127000">
+            <a:noFill/>
+          </a:ln>
+        </p:spPr>
+        <p:style>
+          <a:lnRef idx="2">
+            <a:schemeClr val="accent1">
+              <a:shade val="50000"/>
+            </a:schemeClr>
+          </a:lnRef>
+          <a:fillRef idx="1">
+            <a:schemeClr val="accent1"/>
+          </a:fillRef>
+          <a:effectRef idx="0">
+            <a:schemeClr val="accent1"/>
+          </a:effectRef>
+          <a:fontRef idx="minor">
+            <a:schemeClr val="lt1"/>
+          </a:fontRef>
+        </p:style>
+        <p:txBody>
+          <a:bodyPr wrap="square" rtlCol="0" anchor="ctr">
+            <a:noAutofit/>
+          </a:bodyPr>
+          <a:lstStyle/>
+          <a:p>
+            <a:pPr algn="ctr"/>
+            <a:endParaRPr lang="en-US"/>
+          </a:p>
+        </p:txBody>
+      </p:sp>
+      <p:sp>
+        <p:nvSpPr>
+          <p:cNvPr id="27" name="Freeform: Shape 26">
+            <a:extLst>
+              <a:ext uri="{FF2B5EF4-FFF2-40B4-BE49-F238E27FC236}">
+                <a16:creationId xmlns:a16="http://schemas.microsoft.com/office/drawing/2014/main" id="{7B786209-1B0B-4CA9-9BDD-F7327066A84D}"/>
+              </a:ext>
+              <a:ext uri="{C183D7F6-B498-43B3-948B-1728B52AA6E4}">
+                <adec:decorative xmlns:adec="http://schemas.microsoft.com/office/drawing/2017/decorative" val="1"/>
+              </a:ext>
+            </a:extLst>
+          </p:cNvPr>
+          <p:cNvSpPr>
+            <a:spLocks noGrp="1" noRot="1" noChangeAspect="1" noMove="1" noResize="1" noEditPoints="1" noAdjustHandles="1" noChangeArrowheads="1" noChangeShapeType="1" noTextEdit="1"/>
+          </p:cNvSpPr>
+          <p:nvPr>
+            <p:extLst>
+              <p:ext uri="{386F3935-93C4-4BCD-93E2-E3B085C9AB24}">
+                <p16:designElem xmlns:p16="http://schemas.microsoft.com/office/powerpoint/2015/main" val="1"/>
+              </p:ext>
+            </p:extLst>
+          </p:nvPr>
+        </p:nvSpPr>
+        <p:spPr>
+          <a:xfrm flipH="1">
+            <a:off x="0" y="5835649"/>
+            <a:ext cx="1548180" cy="1022351"/>
+          </a:xfrm>
+          <a:custGeom>
+            <a:avLst/>
+            <a:gdLst>
+              <a:gd name="connsiteX0" fmla="*/ 61913 w 1548180"/>
+              <a:gd name="connsiteY0" fmla="*/ 0 h 1022351"/>
+              <a:gd name="connsiteX1" fmla="*/ 1548180 w 1548180"/>
+              <a:gd name="connsiteY1" fmla="*/ 0 h 1022351"/>
+              <a:gd name="connsiteX2" fmla="*/ 1548180 w 1548180"/>
+              <a:gd name="connsiteY2" fmla="*/ 123825 h 1022351"/>
+              <a:gd name="connsiteX3" fmla="*/ 123825 w 1548180"/>
+              <a:gd name="connsiteY3" fmla="*/ 123825 h 1022351"/>
+              <a:gd name="connsiteX4" fmla="*/ 123825 w 1548180"/>
+              <a:gd name="connsiteY4" fmla="*/ 1022351 h 1022351"/>
+              <a:gd name="connsiteX5" fmla="*/ 0 w 1548180"/>
+              <a:gd name="connsiteY5" fmla="*/ 1022351 h 1022351"/>
+              <a:gd name="connsiteX6" fmla="*/ 0 w 1548180"/>
+              <a:gd name="connsiteY6" fmla="*/ 61913 h 1022351"/>
+              <a:gd name="connsiteX7" fmla="*/ 61913 w 1548180"/>
+              <a:gd name="connsiteY7" fmla="*/ 0 h 1022351"/>
+            </a:gdLst>
+            <a:ahLst/>
+            <a:cxnLst>
+              <a:cxn ang="0">
+                <a:pos x="connsiteX0" y="connsiteY0"/>
+              </a:cxn>
+              <a:cxn ang="0">
+                <a:pos x="connsiteX1" y="connsiteY1"/>
+              </a:cxn>
+              <a:cxn ang="0">
+                <a:pos x="connsiteX2" y="connsiteY2"/>
+              </a:cxn>
+              <a:cxn ang="0">
+                <a:pos x="connsiteX3" y="connsiteY3"/>
+              </a:cxn>
+              <a:cxn ang="0">
+                <a:pos x="connsiteX4" y="connsiteY4"/>
+              </a:cxn>
+              <a:cxn ang="0">
+                <a:pos x="connsiteX5" y="connsiteY5"/>
+              </a:cxn>
+              <a:cxn ang="0">
+                <a:pos x="connsiteX6" y="connsiteY6"/>
+              </a:cxn>
+              <a:cxn ang="0">
+                <a:pos x="connsiteX7" y="connsiteY7"/>
+              </a:cxn>
+            </a:cxnLst>
+            <a:rect l="l" t="t" r="r" b="b"/>
+            <a:pathLst>
+              <a:path w="1548180" h="1022351">
+                <a:moveTo>
+                  <a:pt x="61913" y="0"/>
+                </a:moveTo>
+                <a:lnTo>
+                  <a:pt x="1548180" y="0"/>
+                </a:lnTo>
+                <a:lnTo>
+                  <a:pt x="1548180" y="123825"/>
+                </a:lnTo>
+                <a:lnTo>
+                  <a:pt x="123825" y="123825"/>
+                </a:lnTo>
+                <a:lnTo>
+                  <a:pt x="123825" y="1022351"/>
+                </a:lnTo>
+                <a:lnTo>
+                  <a:pt x="0" y="1022351"/>
+                </a:lnTo>
+                <a:lnTo>
+                  <a:pt x="0" y="61913"/>
+                </a:lnTo>
+                <a:cubicBezTo>
+                  <a:pt x="0" y="27719"/>
+                  <a:pt x="27719" y="0"/>
+                  <a:pt x="61913" y="0"/>
+                </a:cubicBezTo>
+                <a:close/>
+              </a:path>
+            </a:pathLst>
+          </a:custGeom>
+          <a:solidFill>
+            <a:schemeClr val="accent6"/>
+          </a:solidFill>
+          <a:ln w="9525" cap="flat">
+            <a:noFill/>
+            <a:prstDash val="solid"/>
+            <a:miter/>
+          </a:ln>
+        </p:spPr>
+        <p:txBody>
+          <a:bodyPr rtlCol="0" anchor="ctr"/>
+          <a:lstStyle/>
+          <a:p>
+            <a:endParaRPr lang="en-US"/>
+          </a:p>
+        </p:txBody>
+      </p:sp>
+      <p:sp>
+        <p:nvSpPr>
+          <p:cNvPr id="29" name="Freeform: Shape 28">
+            <a:extLst>
+              <a:ext uri="{FF2B5EF4-FFF2-40B4-BE49-F238E27FC236}">
+                <a16:creationId xmlns:a16="http://schemas.microsoft.com/office/drawing/2014/main" id="{2D2964BB-484D-45AE-AD66-D407D0629652}"/>
+              </a:ext>
+              <a:ext uri="{C183D7F6-B498-43B3-948B-1728B52AA6E4}">
+                <adec:decorative xmlns:adec="http://schemas.microsoft.com/office/drawing/2017/decorative" val="1"/>
+              </a:ext>
+            </a:extLst>
+          </p:cNvPr>
+          <p:cNvSpPr>
+            <a:spLocks noGrp="1" noRot="1" noChangeAspect="1" noMove="1" noResize="1" noEditPoints="1" noAdjustHandles="1" noChangeArrowheads="1" noChangeShapeType="1" noTextEdit="1"/>
+          </p:cNvSpPr>
+          <p:nvPr>
+            <p:extLst>
+              <p:ext uri="{386F3935-93C4-4BCD-93E2-E3B085C9AB24}">
+                <p16:designElem xmlns:p16="http://schemas.microsoft.com/office/powerpoint/2015/main" val="1"/>
+              </p:ext>
+            </p:extLst>
+          </p:nvPr>
+        </p:nvSpPr>
+        <p:spPr>
+          <a:xfrm flipH="1">
+            <a:off x="3418308" y="5717905"/>
+            <a:ext cx="1771609" cy="1140095"/>
+          </a:xfrm>
+          <a:custGeom>
+            <a:avLst/>
+            <a:gdLst>
+              <a:gd name="connsiteX0" fmla="*/ 1561721 w 1771609"/>
+              <a:gd name="connsiteY0" fmla="*/ 763041 h 1140095"/>
+              <a:gd name="connsiteX1" fmla="*/ 1623024 w 1771609"/>
+              <a:gd name="connsiteY1" fmla="*/ 792810 h 1140095"/>
+              <a:gd name="connsiteX2" fmla="*/ 1711735 w 1771609"/>
+              <a:gd name="connsiteY2" fmla="*/ 970132 h 1140095"/>
+              <a:gd name="connsiteX3" fmla="*/ 1771609 w 1771609"/>
+              <a:gd name="connsiteY3" fmla="*/ 1140095 h 1140095"/>
+              <a:gd name="connsiteX4" fmla="*/ 1637225 w 1771609"/>
+              <a:gd name="connsiteY4" fmla="*/ 1140095 h 1140095"/>
+              <a:gd name="connsiteX5" fmla="*/ 1594820 w 1771609"/>
+              <a:gd name="connsiteY5" fmla="*/ 1019711 h 1140095"/>
+              <a:gd name="connsiteX6" fmla="*/ 1513200 w 1771609"/>
+              <a:gd name="connsiteY6" fmla="*/ 856627 h 1140095"/>
+              <a:gd name="connsiteX7" fmla="*/ 1538499 w 1771609"/>
+              <a:gd name="connsiteY7" fmla="*/ 770415 h 1140095"/>
+              <a:gd name="connsiteX8" fmla="*/ 1561721 w 1771609"/>
+              <a:gd name="connsiteY8" fmla="*/ 763041 h 1140095"/>
+              <a:gd name="connsiteX9" fmla="*/ 933455 w 1771609"/>
+              <a:gd name="connsiteY9" fmla="*/ 161309 h 1140095"/>
+              <a:gd name="connsiteX10" fmla="*/ 957797 w 1771609"/>
+              <a:gd name="connsiteY10" fmla="*/ 167970 h 1140095"/>
+              <a:gd name="connsiteX11" fmla="*/ 1286982 w 1771609"/>
+              <a:gd name="connsiteY11" fmla="*/ 387616 h 1140095"/>
+              <a:gd name="connsiteX12" fmla="*/ 1293725 w 1771609"/>
+              <a:gd name="connsiteY12" fmla="*/ 477075 h 1140095"/>
+              <a:gd name="connsiteX13" fmla="*/ 1245453 w 1771609"/>
+              <a:gd name="connsiteY13" fmla="*/ 499154 h 1140095"/>
+              <a:gd name="connsiteX14" fmla="*/ 1245167 w 1771609"/>
+              <a:gd name="connsiteY14" fmla="*/ 499154 h 1140095"/>
+              <a:gd name="connsiteX15" fmla="*/ 1203638 w 1771609"/>
+              <a:gd name="connsiteY15" fmla="*/ 484104 h 1140095"/>
+              <a:gd name="connsiteX16" fmla="*/ 900647 w 1771609"/>
+              <a:gd name="connsiteY16" fmla="*/ 281508 h 1140095"/>
+              <a:gd name="connsiteX17" fmla="*/ 872454 w 1771609"/>
+              <a:gd name="connsiteY17" fmla="*/ 196164 h 1140095"/>
+              <a:gd name="connsiteX18" fmla="*/ 933455 w 1771609"/>
+              <a:gd name="connsiteY18" fmla="*/ 161309 h 1140095"/>
+              <a:gd name="connsiteX19" fmla="*/ 256260 w 1771609"/>
+              <a:gd name="connsiteY19" fmla="*/ 29 h 1140095"/>
+              <a:gd name="connsiteX20" fmla="*/ 454020 w 1771609"/>
+              <a:gd name="connsiteY20" fmla="*/ 13474 h 1140095"/>
+              <a:gd name="connsiteX21" fmla="*/ 509236 w 1771609"/>
+              <a:gd name="connsiteY21" fmla="*/ 84182 h 1140095"/>
+              <a:gd name="connsiteX22" fmla="*/ 445829 w 1771609"/>
+              <a:gd name="connsiteY22" fmla="*/ 139871 h 1140095"/>
+              <a:gd name="connsiteX23" fmla="*/ 437447 w 1771609"/>
+              <a:gd name="connsiteY23" fmla="*/ 139395 h 1140095"/>
+              <a:gd name="connsiteX24" fmla="*/ 73211 w 1771609"/>
+              <a:gd name="connsiteY24" fmla="*/ 137204 h 1140095"/>
+              <a:gd name="connsiteX25" fmla="*/ 749 w 1771609"/>
+              <a:gd name="connsiteY25" fmla="*/ 84082 h 1140095"/>
+              <a:gd name="connsiteX26" fmla="*/ 53871 w 1771609"/>
+              <a:gd name="connsiteY26" fmla="*/ 11621 h 1140095"/>
+              <a:gd name="connsiteX27" fmla="*/ 58352 w 1771609"/>
+              <a:gd name="connsiteY27" fmla="*/ 11093 h 1140095"/>
+              <a:gd name="connsiteX28" fmla="*/ 256260 w 1771609"/>
+              <a:gd name="connsiteY28" fmla="*/ 29 h 1140095"/>
+            </a:gdLst>
+            <a:ahLst/>
+            <a:cxnLst>
+              <a:cxn ang="0">
+                <a:pos x="connsiteX0" y="connsiteY0"/>
+              </a:cxn>
+              <a:cxn ang="0">
+                <a:pos x="connsiteX1" y="connsiteY1"/>
+              </a:cxn>
+              <a:cxn ang="0">
+                <a:pos x="connsiteX2" y="connsiteY2"/>
+              </a:cxn>
+              <a:cxn ang="0">
+                <a:pos x="connsiteX3" y="connsiteY3"/>
+              </a:cxn>
+              <a:cxn ang="0">
+                <a:pos x="connsiteX4" y="connsiteY4"/>
+              </a:cxn>
+              <a:cxn ang="0">
+                <a:pos x="connsiteX5" y="connsiteY5"/>
+              </a:cxn>
+              <a:cxn ang="0">
+                <a:pos x="connsiteX6" y="connsiteY6"/>
+              </a:cxn>
+              <a:cxn ang="0">
+                <a:pos x="connsiteX7" y="connsiteY7"/>
+              </a:cxn>
+              <a:cxn ang="0">
+                <a:pos x="connsiteX8" y="connsiteY8"/>
+              </a:cxn>
+              <a:cxn ang="0">
+                <a:pos x="connsiteX9" y="connsiteY9"/>
+              </a:cxn>
+              <a:cxn ang="0">
+                <a:pos x="connsiteX10" y="connsiteY10"/>
+              </a:cxn>
+              <a:cxn ang="0">
+                <a:pos x="connsiteX11" y="connsiteY11"/>
+              </a:cxn>
+              <a:cxn ang="0">
+                <a:pos x="connsiteX12" y="connsiteY12"/>
+              </a:cxn>
+              <a:cxn ang="0">
+                <a:pos x="connsiteX13" y="connsiteY13"/>
+              </a:cxn>
+              <a:cxn ang="0">
+                <a:pos x="connsiteX14" y="connsiteY14"/>
+              </a:cxn>
+              <a:cxn ang="0">
+                <a:pos x="connsiteX15" y="connsiteY15"/>
+              </a:cxn>
+              <a:cxn ang="0">
+                <a:pos x="connsiteX16" y="connsiteY16"/>
+              </a:cxn>
+              <a:cxn ang="0">
+                <a:pos x="connsiteX17" y="connsiteY17"/>
+              </a:cxn>
+              <a:cxn ang="0">
+                <a:pos x="connsiteX18" y="connsiteY18"/>
+              </a:cxn>
+              <a:cxn ang="0">
+                <a:pos x="connsiteX19" y="connsiteY19"/>
+              </a:cxn>
+              <a:cxn ang="0">
+                <a:pos x="connsiteX20" y="connsiteY20"/>
+              </a:cxn>
+              <a:cxn ang="0">
+                <a:pos x="connsiteX21" y="connsiteY21"/>
+              </a:cxn>
+              <a:cxn ang="0">
+                <a:pos x="connsiteX22" y="connsiteY22"/>
+              </a:cxn>
+              <a:cxn ang="0">
+                <a:pos x="connsiteX23" y="connsiteY23"/>
+              </a:cxn>
+              <a:cxn ang="0">
+                <a:pos x="connsiteX24" y="connsiteY24"/>
+              </a:cxn>
+              <a:cxn ang="0">
+                <a:pos x="connsiteX25" y="connsiteY25"/>
+              </a:cxn>
+              <a:cxn ang="0">
+                <a:pos x="connsiteX26" y="connsiteY26"/>
+              </a:cxn>
+              <a:cxn ang="0">
+                <a:pos x="connsiteX27" y="connsiteY27"/>
+              </a:cxn>
+              <a:cxn ang="0">
+                <a:pos x="connsiteX28" y="connsiteY28"/>
+              </a:cxn>
+            </a:cxnLst>
+            <a:rect l="l" t="t" r="r" b="b"/>
+            <a:pathLst>
+              <a:path w="1771609" h="1140095">
+                <a:moveTo>
+                  <a:pt x="1561721" y="763041"/>
+                </a:moveTo>
+                <a:cubicBezTo>
+                  <a:pt x="1585506" y="760324"/>
+                  <a:pt x="1609722" y="771249"/>
+                  <a:pt x="1623024" y="792810"/>
+                </a:cubicBezTo>
+                <a:cubicBezTo>
+                  <a:pt x="1656300" y="850065"/>
+                  <a:pt x="1685920" y="909291"/>
+                  <a:pt x="1711735" y="970132"/>
+                </a:cubicBezTo>
+                <a:lnTo>
+                  <a:pt x="1771609" y="1140095"/>
+                </a:lnTo>
+                <a:lnTo>
+                  <a:pt x="1637225" y="1140095"/>
+                </a:lnTo>
+                <a:lnTo>
+                  <a:pt x="1594820" y="1019711"/>
+                </a:lnTo>
+                <a:cubicBezTo>
+                  <a:pt x="1571072" y="963753"/>
+                  <a:pt x="1543818" y="909282"/>
+                  <a:pt x="1513200" y="856627"/>
+                </a:cubicBezTo>
+                <a:cubicBezTo>
+                  <a:pt x="1496379" y="825834"/>
+                  <a:pt x="1507704" y="787236"/>
+                  <a:pt x="1538499" y="770415"/>
+                </a:cubicBezTo>
+                <a:cubicBezTo>
+                  <a:pt x="1545912" y="766367"/>
+                  <a:pt x="1553792" y="763946"/>
+                  <a:pt x="1561721" y="763041"/>
+                </a:cubicBezTo>
+                <a:close/>
+                <a:moveTo>
+                  <a:pt x="933455" y="161309"/>
+                </a:moveTo>
+                <a:cubicBezTo>
+                  <a:pt x="941693" y="161855"/>
+                  <a:pt x="949959" y="164025"/>
+                  <a:pt x="957797" y="167970"/>
+                </a:cubicBezTo>
+                <a:cubicBezTo>
+                  <a:pt x="1076184" y="227289"/>
+                  <a:pt x="1186759" y="301068"/>
+                  <a:pt x="1286982" y="387616"/>
+                </a:cubicBezTo>
+                <a:cubicBezTo>
+                  <a:pt x="1313547" y="410457"/>
+                  <a:pt x="1316566" y="450510"/>
+                  <a:pt x="1293725" y="477075"/>
+                </a:cubicBezTo>
+                <a:cubicBezTo>
+                  <a:pt x="1281638" y="491137"/>
+                  <a:pt x="1263998" y="499204"/>
+                  <a:pt x="1245453" y="499154"/>
+                </a:cubicBezTo>
+                <a:lnTo>
+                  <a:pt x="1245167" y="499154"/>
+                </a:lnTo>
+                <a:cubicBezTo>
+                  <a:pt x="1229965" y="499301"/>
+                  <a:pt x="1215220" y="493956"/>
+                  <a:pt x="1203638" y="484104"/>
+                </a:cubicBezTo>
+                <a:cubicBezTo>
+                  <a:pt x="1111407" y="404300"/>
+                  <a:pt x="1009633" y="336248"/>
+                  <a:pt x="900647" y="281508"/>
+                </a:cubicBezTo>
+                <a:cubicBezTo>
+                  <a:pt x="869295" y="265726"/>
+                  <a:pt x="856672" y="227516"/>
+                  <a:pt x="872454" y="196164"/>
+                </a:cubicBezTo>
+                <a:cubicBezTo>
+                  <a:pt x="884290" y="172650"/>
+                  <a:pt x="908742" y="159670"/>
+                  <a:pt x="933455" y="161309"/>
+                </a:cubicBezTo>
+                <a:close/>
+                <a:moveTo>
+                  <a:pt x="256260" y="29"/>
+                </a:moveTo>
+                <a:cubicBezTo>
+                  <a:pt x="322331" y="427"/>
+                  <a:pt x="388378" y="4909"/>
+                  <a:pt x="454020" y="13474"/>
+                </a:cubicBezTo>
+                <a:cubicBezTo>
+                  <a:pt x="488793" y="17752"/>
+                  <a:pt x="513514" y="49409"/>
+                  <a:pt x="509236" y="84182"/>
+                </a:cubicBezTo>
+                <a:cubicBezTo>
+                  <a:pt x="505303" y="116151"/>
+                  <a:pt x="478038" y="140098"/>
+                  <a:pt x="445829" y="139871"/>
+                </a:cubicBezTo>
+                <a:cubicBezTo>
+                  <a:pt x="443027" y="139899"/>
+                  <a:pt x="440227" y="139740"/>
+                  <a:pt x="437447" y="139395"/>
+                </a:cubicBezTo>
+                <a:cubicBezTo>
+                  <a:pt x="316592" y="123615"/>
+                  <a:pt x="194247" y="122878"/>
+                  <a:pt x="73211" y="137204"/>
+                </a:cubicBezTo>
+                <a:cubicBezTo>
+                  <a:pt x="38532" y="142545"/>
+                  <a:pt x="6090" y="118762"/>
+                  <a:pt x="749" y="84082"/>
+                </a:cubicBezTo>
+                <a:cubicBezTo>
+                  <a:pt x="-4591" y="49403"/>
+                  <a:pt x="19192" y="16961"/>
+                  <a:pt x="53871" y="11621"/>
+                </a:cubicBezTo>
+                <a:cubicBezTo>
+                  <a:pt x="55358" y="11392"/>
+                  <a:pt x="56852" y="11216"/>
+                  <a:pt x="58352" y="11093"/>
+                </a:cubicBezTo>
+                <a:cubicBezTo>
+                  <a:pt x="124093" y="3319"/>
+                  <a:pt x="190189" y="-369"/>
+                  <a:pt x="256260" y="29"/>
+                </a:cubicBezTo>
+                <a:close/>
+              </a:path>
+            </a:pathLst>
+          </a:custGeom>
+          <a:solidFill>
+            <a:schemeClr val="accent4"/>
+          </a:solidFill>
+          <a:ln w="9525" cap="flat">
+            <a:noFill/>
+            <a:prstDash val="solid"/>
+            <a:miter/>
+          </a:ln>
+        </p:spPr>
+        <p:txBody>
+          <a:bodyPr rtlCol="0" anchor="ctr"/>
+          <a:lstStyle/>
+          <a:p>
+            <a:endParaRPr lang="en-US"/>
+          </a:p>
+        </p:txBody>
+      </p:sp>
+      <p:sp>
+        <p:nvSpPr>
+          <p:cNvPr id="31" name="Freeform: Shape 30">
+            <a:extLst>
+              <a:ext uri="{FF2B5EF4-FFF2-40B4-BE49-F238E27FC236}">
+                <a16:creationId xmlns:a16="http://schemas.microsoft.com/office/drawing/2014/main" id="{6691AC69-A76E-4DAB-B565-468B6B87ACF3}"/>
+              </a:ext>
+              <a:ext uri="{C183D7F6-B498-43B3-948B-1728B52AA6E4}">
+                <adec:decorative xmlns:adec="http://schemas.microsoft.com/office/drawing/2017/decorative" val="1"/>
+              </a:ext>
+            </a:extLst>
+          </p:cNvPr>
+          <p:cNvSpPr>
+            <a:spLocks noGrp="1" noRot="1" noChangeAspect="1" noMove="1" noResize="1" noEditPoints="1" noAdjustHandles="1" noChangeArrowheads="1" noChangeShapeType="1" noTextEdit="1"/>
+          </p:cNvSpPr>
+          <p:nvPr>
+            <p:extLst>
+              <p:ext uri="{386F3935-93C4-4BCD-93E2-E3B085C9AB24}">
+                <p16:designElem xmlns:p16="http://schemas.microsoft.com/office/powerpoint/2015/main" val="1"/>
+              </p:ext>
+            </p:extLst>
+          </p:nvPr>
+        </p:nvSpPr>
+        <p:spPr>
+          <a:xfrm flipH="1">
+            <a:off x="4132972" y="6258755"/>
+            <a:ext cx="1565940" cy="599245"/>
+          </a:xfrm>
+          <a:custGeom>
+            <a:avLst/>
+            <a:gdLst>
+              <a:gd name="connsiteX0" fmla="*/ 782970 w 1565940"/>
+              <a:gd name="connsiteY0" fmla="*/ 0 h 599245"/>
+              <a:gd name="connsiteX1" fmla="*/ 1528042 w 1565940"/>
+              <a:gd name="connsiteY1" fmla="*/ 480469 h 599245"/>
+              <a:gd name="connsiteX2" fmla="*/ 1565940 w 1565940"/>
+              <a:gd name="connsiteY2" fmla="*/ 599245 h 599245"/>
+              <a:gd name="connsiteX3" fmla="*/ 0 w 1565940"/>
+              <a:gd name="connsiteY3" fmla="*/ 599245 h 599245"/>
+              <a:gd name="connsiteX4" fmla="*/ 37898 w 1565940"/>
+              <a:gd name="connsiteY4" fmla="*/ 480469 h 599245"/>
+              <a:gd name="connsiteX5" fmla="*/ 782970 w 1565940"/>
+              <a:gd name="connsiteY5" fmla="*/ 0 h 599245"/>
+            </a:gdLst>
+            <a:ahLst/>
+            <a:cxnLst>
+              <a:cxn ang="0">
+                <a:pos x="connsiteX0" y="connsiteY0"/>
+              </a:cxn>
+              <a:cxn ang="0">
+                <a:pos x="connsiteX1" y="connsiteY1"/>
+              </a:cxn>
+              <a:cxn ang="0">
+                <a:pos x="connsiteX2" y="connsiteY2"/>
+              </a:cxn>
+              <a:cxn ang="0">
+                <a:pos x="connsiteX3" y="connsiteY3"/>
+              </a:cxn>
+              <a:cxn ang="0">
+                <a:pos x="connsiteX4" y="connsiteY4"/>
+              </a:cxn>
+              <a:cxn ang="0">
+                <a:pos x="connsiteX5" y="connsiteY5"/>
+              </a:cxn>
+            </a:cxnLst>
+            <a:rect l="l" t="t" r="r" b="b"/>
+            <a:pathLst>
+              <a:path w="1565940" h="599245">
+                <a:moveTo>
+                  <a:pt x="782970" y="0"/>
+                </a:moveTo>
+                <a:cubicBezTo>
+                  <a:pt x="1117910" y="0"/>
+                  <a:pt x="1405287" y="198118"/>
+                  <a:pt x="1528042" y="480469"/>
+                </a:cubicBezTo>
+                <a:lnTo>
+                  <a:pt x="1565940" y="599245"/>
+                </a:lnTo>
+                <a:lnTo>
+                  <a:pt x="0" y="599245"/>
+                </a:lnTo>
+                <a:lnTo>
+                  <a:pt x="37898" y="480469"/>
+                </a:lnTo>
+                <a:cubicBezTo>
+                  <a:pt x="160653" y="198118"/>
+                  <a:pt x="448030" y="0"/>
+                  <a:pt x="782970" y="0"/>
+                </a:cubicBezTo>
+                <a:close/>
+              </a:path>
+            </a:pathLst>
+          </a:custGeom>
+          <a:solidFill>
+            <a:schemeClr val="accent2"/>
+          </a:solidFill>
+          <a:ln>
+            <a:noFill/>
+          </a:ln>
+        </p:spPr>
+        <p:style>
+          <a:lnRef idx="2">
+            <a:schemeClr val="accent1">
+              <a:shade val="50000"/>
+            </a:schemeClr>
+          </a:lnRef>
+          <a:fillRef idx="1">
+            <a:schemeClr val="accent1"/>
+          </a:fillRef>
+          <a:effectRef idx="0">
+            <a:schemeClr val="accent1"/>
+          </a:effectRef>
+          <a:fontRef idx="minor">
+            <a:schemeClr val="lt1"/>
+          </a:fontRef>
+        </p:style>
+        <p:txBody>
+          <a:bodyPr wrap="square" rtlCol="0" anchor="ctr">
+            <a:noAutofit/>
+          </a:bodyPr>
+          <a:lstStyle/>
+          <a:p>
+            <a:pPr algn="ctr"/>
+            <a:endParaRPr lang="en-US" dirty="0"/>
+          </a:p>
+        </p:txBody>
+      </p:sp>
+      <p:pic>
+        <p:nvPicPr>
+          <p:cNvPr id="5" name="Picture 4" descr="A close up of text on a white background&#10;&#10;Description automatically generated">
+            <a:extLst>
+              <a:ext uri="{FF2B5EF4-FFF2-40B4-BE49-F238E27FC236}">
+                <a16:creationId xmlns:a16="http://schemas.microsoft.com/office/drawing/2014/main" id="{06A97E0A-0D2C-42D5-8B87-875F78E9BAC4}"/>
+              </a:ext>
+            </a:extLst>
+          </p:cNvPr>
+          <p:cNvPicPr>
+            <a:picLocks noChangeAspect="1"/>
+          </p:cNvPicPr>
+          <p:nvPr/>
+        </p:nvPicPr>
+        <p:blipFill>
+          <a:blip r:embed="rId2">
+            <a:extLst>
+              <a:ext uri="{28A0092B-C50C-407E-A947-70E740481C1C}">
+                <a14:useLocalDpi xmlns:a14="http://schemas.microsoft.com/office/drawing/2010/main" val="0"/>
+              </a:ext>
+            </a:extLst>
+          </a:blip>
+          <a:stretch>
+            <a:fillRect/>
+          </a:stretch>
+        </p:blipFill>
+        <p:spPr>
+          <a:xfrm>
+            <a:off x="6083076" y="-130628"/>
+            <a:ext cx="5414108" cy="7772400"/>
+          </a:xfrm>
+          <a:prstGeom prst="rect">
+            <a:avLst/>
+          </a:prstGeom>
+        </p:spPr>
+      </p:pic>
+    </p:spTree>
+    <p:extLst>
+      <p:ext uri="{BB962C8B-B14F-4D97-AF65-F5344CB8AC3E}">
+        <p14:creationId xmlns:p14="http://schemas.microsoft.com/office/powerpoint/2010/main" val="2991211486"/>
       </p:ext>
     </p:extLst>
   </p:cSld>
@@ -18369,6 +21183,3677 @@
     <p:extLst>
       <p:ext uri="{BB962C8B-B14F-4D97-AF65-F5344CB8AC3E}">
         <p14:creationId xmlns:p14="http://schemas.microsoft.com/office/powerpoint/2010/main" val="935466902"/>
+      </p:ext>
+    </p:extLst>
+  </p:cSld>
+  <p:clrMapOvr>
+    <a:masterClrMapping/>
+  </p:clrMapOvr>
+</p:sld>
+</file>
+
+<file path=ppt/slides/slide30.xml><?xml version="1.0" encoding="utf-8"?>
+<p:sld xmlns:a="http://schemas.openxmlformats.org/drawingml/2006/main" xmlns:r="http://schemas.openxmlformats.org/officeDocument/2006/relationships" xmlns:p="http://schemas.openxmlformats.org/presentationml/2006/main">
+  <p:cSld>
+    <p:bg>
+      <p:bgPr>
+        <a:solidFill>
+          <a:schemeClr val="bg1"/>
+        </a:solidFill>
+        <a:effectLst/>
+      </p:bgPr>
+    </p:bg>
+    <p:spTree>
+      <p:nvGrpSpPr>
+        <p:cNvPr id="1" name=""/>
+        <p:cNvGrpSpPr/>
+        <p:nvPr/>
+      </p:nvGrpSpPr>
+      <p:grpSpPr>
+        <a:xfrm>
+          <a:off x="0" y="0"/>
+          <a:ext cx="0" cy="0"/>
+          <a:chOff x="0" y="0"/>
+          <a:chExt cx="0" cy="0"/>
+        </a:xfrm>
+      </p:grpSpPr>
+      <p:sp useBgFill="1">
+        <p:nvSpPr>
+          <p:cNvPr id="26" name="Rectangle 7">
+            <a:extLst>
+              <a:ext uri="{FF2B5EF4-FFF2-40B4-BE49-F238E27FC236}">
+                <a16:creationId xmlns:a16="http://schemas.microsoft.com/office/drawing/2014/main" id="{C2554CA6-288E-4202-BC52-2E5A8F0C0AED}"/>
+              </a:ext>
+              <a:ext uri="{C183D7F6-B498-43B3-948B-1728B52AA6E4}">
+                <adec:decorative xmlns:adec="http://schemas.microsoft.com/office/drawing/2017/decorative" val="1"/>
+              </a:ext>
+            </a:extLst>
+          </p:cNvPr>
+          <p:cNvSpPr>
+            <a:spLocks noGrp="1" noRot="1" noChangeAspect="1" noMove="1" noResize="1" noEditPoints="1" noAdjustHandles="1" noChangeArrowheads="1" noChangeShapeType="1" noTextEdit="1"/>
+          </p:cNvSpPr>
+          <p:nvPr>
+            <p:extLst>
+              <p:ext uri="{386F3935-93C4-4BCD-93E2-E3B085C9AB24}">
+                <p16:designElem xmlns:p16="http://schemas.microsoft.com/office/powerpoint/2015/main" val="1"/>
+              </p:ext>
+            </p:extLst>
+          </p:nvPr>
+        </p:nvSpPr>
+        <p:spPr>
+          <a:xfrm>
+            <a:off x="3048" y="0"/>
+            <a:ext cx="12188952" cy="6858000"/>
+          </a:xfrm>
+          <a:prstGeom prst="rect">
+            <a:avLst/>
+          </a:prstGeom>
+          <a:ln>
+            <a:noFill/>
+          </a:ln>
+        </p:spPr>
+        <p:style>
+          <a:lnRef idx="2">
+            <a:schemeClr val="accent1">
+              <a:shade val="50000"/>
+            </a:schemeClr>
+          </a:lnRef>
+          <a:fillRef idx="1">
+            <a:schemeClr val="accent1"/>
+          </a:fillRef>
+          <a:effectRef idx="0">
+            <a:schemeClr val="accent1"/>
+          </a:effectRef>
+          <a:fontRef idx="minor">
+            <a:schemeClr val="lt1"/>
+          </a:fontRef>
+        </p:style>
+        <p:txBody>
+          <a:bodyPr rtlCol="0" anchor="ctr"/>
+          <a:lstStyle/>
+          <a:p>
+            <a:pPr algn="ctr"/>
+            <a:endParaRPr lang="en-US"/>
+          </a:p>
+        </p:txBody>
+      </p:sp>
+      <p:sp>
+        <p:nvSpPr>
+          <p:cNvPr id="27" name="Oval 9">
+            <a:extLst>
+              <a:ext uri="{FF2B5EF4-FFF2-40B4-BE49-F238E27FC236}">
+                <a16:creationId xmlns:a16="http://schemas.microsoft.com/office/drawing/2014/main" id="{B10BB131-AC8E-4A8E-A5D1-36260F720C3B}"/>
+              </a:ext>
+              <a:ext uri="{C183D7F6-B498-43B3-948B-1728B52AA6E4}">
+                <adec:decorative xmlns:adec="http://schemas.microsoft.com/office/drawing/2017/decorative" val="1"/>
+              </a:ext>
+            </a:extLst>
+          </p:cNvPr>
+          <p:cNvSpPr>
+            <a:spLocks noGrp="1" noRot="1" noChangeAspect="1" noMove="1" noResize="1" noEditPoints="1" noAdjustHandles="1" noChangeArrowheads="1" noChangeShapeType="1" noTextEdit="1"/>
+          </p:cNvSpPr>
+          <p:nvPr>
+            <p:extLst>
+              <p:ext uri="{386F3935-93C4-4BCD-93E2-E3B085C9AB24}">
+                <p16:designElem xmlns:p16="http://schemas.microsoft.com/office/powerpoint/2015/main" val="1"/>
+              </p:ext>
+            </p:extLst>
+          </p:nvPr>
+        </p:nvSpPr>
+        <p:spPr>
+          <a:xfrm>
+            <a:off x="489189" y="1119031"/>
+            <a:ext cx="4619938" cy="4619938"/>
+          </a:xfrm>
+          <a:prstGeom prst="ellipse">
+            <a:avLst/>
+          </a:prstGeom>
+          <a:solidFill>
+            <a:schemeClr val="accent2"/>
+          </a:solidFill>
+          <a:ln>
+            <a:noFill/>
+          </a:ln>
+        </p:spPr>
+        <p:style>
+          <a:lnRef idx="2">
+            <a:schemeClr val="accent1">
+              <a:shade val="50000"/>
+            </a:schemeClr>
+          </a:lnRef>
+          <a:fillRef idx="1">
+            <a:schemeClr val="accent1"/>
+          </a:fillRef>
+          <a:effectRef idx="0">
+            <a:schemeClr val="accent1"/>
+          </a:effectRef>
+          <a:fontRef idx="minor">
+            <a:schemeClr val="lt1"/>
+          </a:fontRef>
+        </p:style>
+        <p:txBody>
+          <a:bodyPr rtlCol="0" anchor="ctr"/>
+          <a:lstStyle/>
+          <a:p>
+            <a:pPr algn="ctr"/>
+            <a:endParaRPr lang="en-US"/>
+          </a:p>
+        </p:txBody>
+      </p:sp>
+      <p:sp>
+        <p:nvSpPr>
+          <p:cNvPr id="28" name="Arc 11">
+            <a:extLst>
+              <a:ext uri="{FF2B5EF4-FFF2-40B4-BE49-F238E27FC236}">
+                <a16:creationId xmlns:a16="http://schemas.microsoft.com/office/drawing/2014/main" id="{5B7778FC-632E-4DCA-A7CB-0D7731CCF970}"/>
+              </a:ext>
+              <a:ext uri="{C183D7F6-B498-43B3-948B-1728B52AA6E4}">
+                <adec:decorative xmlns:adec="http://schemas.microsoft.com/office/drawing/2017/decorative" val="1"/>
+              </a:ext>
+            </a:extLst>
+          </p:cNvPr>
+          <p:cNvSpPr>
+            <a:spLocks noGrp="1" noRot="1" noChangeAspect="1" noMove="1" noResize="1" noEditPoints="1" noAdjustHandles="1" noChangeArrowheads="1" noChangeShapeType="1" noTextEdit="1"/>
+          </p:cNvSpPr>
+          <p:nvPr>
+            <p:extLst>
+              <p:ext uri="{386F3935-93C4-4BCD-93E2-E3B085C9AB24}">
+                <p16:designElem xmlns:p16="http://schemas.microsoft.com/office/powerpoint/2015/main" val="1"/>
+              </p:ext>
+            </p:extLst>
+          </p:nvPr>
+        </p:nvSpPr>
+        <p:spPr>
+          <a:xfrm rot="19809111">
+            <a:off x="8683720" y="941148"/>
+            <a:ext cx="2987899" cy="2987899"/>
+          </a:xfrm>
+          <a:prstGeom prst="arc">
+            <a:avLst>
+              <a:gd name="adj1" fmla="val 15817365"/>
+              <a:gd name="adj2" fmla="val 1781380"/>
+            </a:avLst>
+          </a:prstGeom>
+          <a:ln w="127000" cap="rnd">
+            <a:solidFill>
+              <a:schemeClr val="accent4"/>
+            </a:solidFill>
+            <a:prstDash val="dash"/>
+            <a:miter lim="800000"/>
+          </a:ln>
+        </p:spPr>
+        <p:style>
+          <a:lnRef idx="1">
+            <a:schemeClr val="accent1"/>
+          </a:lnRef>
+          <a:fillRef idx="0">
+            <a:schemeClr val="accent1"/>
+          </a:fillRef>
+          <a:effectRef idx="0">
+            <a:schemeClr val="accent1"/>
+          </a:effectRef>
+          <a:fontRef idx="minor">
+            <a:schemeClr val="tx1"/>
+          </a:fontRef>
+        </p:style>
+        <p:txBody>
+          <a:bodyPr rtlCol="0" anchor="ctr"/>
+          <a:lstStyle/>
+          <a:p>
+            <a:pPr marL="0" marR="0" lvl="0" indent="0" algn="ctr" defTabSz="914400" rtl="0" eaLnBrk="1" fontAlgn="auto" latinLnBrk="0" hangingPunct="1">
+              <a:lnSpc>
+                <a:spcPct val="100000"/>
+              </a:lnSpc>
+              <a:spcBef>
+                <a:spcPts val="0"/>
+              </a:spcBef>
+              <a:spcAft>
+                <a:spcPts val="0"/>
+              </a:spcAft>
+              <a:buClrTx/>
+              <a:buSzTx/>
+              <a:buFontTx/>
+              <a:buNone/>
+              <a:tabLst/>
+              <a:defRPr/>
+            </a:pPr>
+            <a:endParaRPr kumimoji="0" lang="en-US" sz="1800" b="0" i="0" u="none" strike="noStrike" kern="1200" cap="none" spc="0" normalizeH="0" baseline="0" noProof="0">
+              <a:ln>
+                <a:noFill/>
+              </a:ln>
+              <a:solidFill>
+                <a:srgbClr val="000000"/>
+              </a:solidFill>
+              <a:effectLst/>
+              <a:uLnTx/>
+              <a:uFillTx/>
+              <a:latin typeface="Calibri" panose="020F0502020204030204"/>
+              <a:ea typeface="+mn-ea"/>
+              <a:cs typeface="+mn-cs"/>
+            </a:endParaRPr>
+          </a:p>
+        </p:txBody>
+      </p:sp>
+      <p:sp>
+        <p:nvSpPr>
+          <p:cNvPr id="29" name="Oval 13">
+            <a:extLst>
+              <a:ext uri="{FF2B5EF4-FFF2-40B4-BE49-F238E27FC236}">
+                <a16:creationId xmlns:a16="http://schemas.microsoft.com/office/drawing/2014/main" id="{FA23A907-97FB-4A8F-880A-DD77401C4296}"/>
+              </a:ext>
+              <a:ext uri="{C183D7F6-B498-43B3-948B-1728B52AA6E4}">
+                <adec:decorative xmlns:adec="http://schemas.microsoft.com/office/drawing/2017/decorative" val="1"/>
+              </a:ext>
+            </a:extLst>
+          </p:cNvPr>
+          <p:cNvSpPr>
+            <a:spLocks noGrp="1" noRot="1" noChangeAspect="1" noMove="1" noResize="1" noEditPoints="1" noAdjustHandles="1" noChangeArrowheads="1" noChangeShapeType="1" noTextEdit="1"/>
+          </p:cNvSpPr>
+          <p:nvPr>
+            <p:extLst>
+              <p:ext uri="{386F3935-93C4-4BCD-93E2-E3B085C9AB24}">
+                <p16:designElem xmlns:p16="http://schemas.microsoft.com/office/powerpoint/2015/main" val="1"/>
+              </p:ext>
+            </p:extLst>
+          </p:nvPr>
+        </p:nvSpPr>
+        <p:spPr>
+          <a:xfrm>
+            <a:off x="910048" y="4780992"/>
+            <a:ext cx="546100" cy="546100"/>
+          </a:xfrm>
+          <a:prstGeom prst="ellipse">
+            <a:avLst/>
+          </a:prstGeom>
+          <a:solidFill>
+            <a:schemeClr val="accent5"/>
+          </a:solidFill>
+          <a:ln>
+            <a:noFill/>
+          </a:ln>
+        </p:spPr>
+        <p:style>
+          <a:lnRef idx="2">
+            <a:schemeClr val="accent1">
+              <a:shade val="50000"/>
+            </a:schemeClr>
+          </a:lnRef>
+          <a:fillRef idx="1">
+            <a:schemeClr val="accent1"/>
+          </a:fillRef>
+          <a:effectRef idx="0">
+            <a:schemeClr val="accent1"/>
+          </a:effectRef>
+          <a:fontRef idx="minor">
+            <a:schemeClr val="lt1"/>
+          </a:fontRef>
+        </p:style>
+        <p:txBody>
+          <a:bodyPr rtlCol="0" anchor="ctr"/>
+          <a:lstStyle/>
+          <a:p>
+            <a:pPr marL="0" marR="0" lvl="0" indent="0" algn="ctr" defTabSz="914400" rtl="0" eaLnBrk="1" fontAlgn="auto" latinLnBrk="0" hangingPunct="1">
+              <a:lnSpc>
+                <a:spcPct val="100000"/>
+              </a:lnSpc>
+              <a:spcBef>
+                <a:spcPts val="0"/>
+              </a:spcBef>
+              <a:spcAft>
+                <a:spcPts val="0"/>
+              </a:spcAft>
+              <a:buClrTx/>
+              <a:buSzTx/>
+              <a:buFontTx/>
+              <a:buNone/>
+              <a:tabLst/>
+              <a:defRPr/>
+            </a:pPr>
+            <a:endParaRPr kumimoji="0" lang="en-US" sz="1800" b="0" i="0" u="none" strike="noStrike" kern="1200" cap="none" spc="0" normalizeH="0" baseline="0" noProof="0">
+              <a:ln>
+                <a:noFill/>
+              </a:ln>
+              <a:solidFill>
+                <a:srgbClr val="FFFFFF"/>
+              </a:solidFill>
+              <a:effectLst/>
+              <a:uLnTx/>
+              <a:uFillTx/>
+              <a:latin typeface="Calibri" panose="020F0502020204030204"/>
+              <a:ea typeface="+mn-ea"/>
+              <a:cs typeface="+mn-cs"/>
+            </a:endParaRPr>
+          </a:p>
+        </p:txBody>
+      </p:sp>
+      <p:pic>
+        <p:nvPicPr>
+          <p:cNvPr id="5" name="Content Placeholder 4" descr="A close up of text on a white background&#10;&#10;Description automatically generated">
+            <a:extLst>
+              <a:ext uri="{FF2B5EF4-FFF2-40B4-BE49-F238E27FC236}">
+                <a16:creationId xmlns:a16="http://schemas.microsoft.com/office/drawing/2014/main" id="{BE60DB60-61B8-4722-BD17-B40273126FE9}"/>
+              </a:ext>
+            </a:extLst>
+          </p:cNvPr>
+          <p:cNvPicPr>
+            <a:picLocks noGrp="1" noChangeAspect="1"/>
+          </p:cNvPicPr>
+          <p:nvPr>
+            <p:ph idx="1"/>
+          </p:nvPr>
+        </p:nvPicPr>
+        <p:blipFill>
+          <a:blip r:embed="rId2">
+            <a:extLst>
+              <a:ext uri="{28A0092B-C50C-407E-A947-70E740481C1C}">
+                <a14:useLocalDpi xmlns:a14="http://schemas.microsoft.com/office/drawing/2010/main" val="0"/>
+              </a:ext>
+            </a:extLst>
+          </a:blip>
+          <a:stretch>
+            <a:fillRect/>
+          </a:stretch>
+        </p:blipFill>
+        <p:spPr>
+          <a:xfrm>
+            <a:off x="3568343" y="-116634"/>
+            <a:ext cx="5055313" cy="7257321"/>
+          </a:xfrm>
+        </p:spPr>
+      </p:pic>
+    </p:spTree>
+    <p:extLst>
+      <p:ext uri="{BB962C8B-B14F-4D97-AF65-F5344CB8AC3E}">
+        <p14:creationId xmlns:p14="http://schemas.microsoft.com/office/powerpoint/2010/main" val="309520611"/>
+      </p:ext>
+    </p:extLst>
+  </p:cSld>
+  <p:clrMapOvr>
+    <a:masterClrMapping/>
+  </p:clrMapOvr>
+</p:sld>
+</file>
+
+<file path=ppt/slides/slide31.xml><?xml version="1.0" encoding="utf-8"?>
+<p:sld xmlns:a="http://schemas.openxmlformats.org/drawingml/2006/main" xmlns:r="http://schemas.openxmlformats.org/officeDocument/2006/relationships" xmlns:p="http://schemas.openxmlformats.org/presentationml/2006/main">
+  <p:cSld>
+    <p:bg>
+      <p:bgPr>
+        <a:solidFill>
+          <a:schemeClr val="bg1"/>
+        </a:solidFill>
+        <a:effectLst/>
+      </p:bgPr>
+    </p:bg>
+    <p:spTree>
+      <p:nvGrpSpPr>
+        <p:cNvPr id="1" name=""/>
+        <p:cNvGrpSpPr/>
+        <p:nvPr/>
+      </p:nvGrpSpPr>
+      <p:grpSpPr>
+        <a:xfrm>
+          <a:off x="0" y="0"/>
+          <a:ext cx="0" cy="0"/>
+          <a:chOff x="0" y="0"/>
+          <a:chExt cx="0" cy="0"/>
+        </a:xfrm>
+      </p:grpSpPr>
+      <p:sp useBgFill="1">
+        <p:nvSpPr>
+          <p:cNvPr id="8" name="Rectangle 7">
+            <a:extLst>
+              <a:ext uri="{FF2B5EF4-FFF2-40B4-BE49-F238E27FC236}">
+                <a16:creationId xmlns:a16="http://schemas.microsoft.com/office/drawing/2014/main" id="{F837543A-6020-4505-A233-C9DB4BF74011}"/>
+              </a:ext>
+              <a:ext uri="{C183D7F6-B498-43B3-948B-1728B52AA6E4}">
+                <adec:decorative xmlns:adec="http://schemas.microsoft.com/office/drawing/2017/decorative" val="1"/>
+              </a:ext>
+            </a:extLst>
+          </p:cNvPr>
+          <p:cNvSpPr>
+            <a:spLocks noGrp="1" noRot="1" noChangeAspect="1" noMove="1" noResize="1" noEditPoints="1" noAdjustHandles="1" noChangeArrowheads="1" noChangeShapeType="1" noTextEdit="1"/>
+          </p:cNvSpPr>
+          <p:nvPr>
+            <p:extLst>
+              <p:ext uri="{386F3935-93C4-4BCD-93E2-E3B085C9AB24}">
+                <p16:designElem xmlns:p16="http://schemas.microsoft.com/office/powerpoint/2015/main" val="1"/>
+              </p:ext>
+            </p:extLst>
+          </p:nvPr>
+        </p:nvSpPr>
+        <p:spPr>
+          <a:xfrm>
+            <a:off x="3048" y="0"/>
+            <a:ext cx="12188952" cy="6858000"/>
+          </a:xfrm>
+          <a:prstGeom prst="rect">
+            <a:avLst/>
+          </a:prstGeom>
+          <a:ln>
+            <a:noFill/>
+          </a:ln>
+        </p:spPr>
+        <p:style>
+          <a:lnRef idx="2">
+            <a:schemeClr val="accent1">
+              <a:shade val="50000"/>
+            </a:schemeClr>
+          </a:lnRef>
+          <a:fillRef idx="1">
+            <a:schemeClr val="accent1"/>
+          </a:fillRef>
+          <a:effectRef idx="0">
+            <a:schemeClr val="accent1"/>
+          </a:effectRef>
+          <a:fontRef idx="minor">
+            <a:schemeClr val="lt1"/>
+          </a:fontRef>
+        </p:style>
+        <p:txBody>
+          <a:bodyPr rtlCol="0" anchor="ctr"/>
+          <a:lstStyle/>
+          <a:p>
+            <a:pPr algn="ctr"/>
+            <a:endParaRPr lang="en-US"/>
+          </a:p>
+        </p:txBody>
+      </p:sp>
+      <p:sp>
+        <p:nvSpPr>
+          <p:cNvPr id="10" name="Freeform: Shape 9">
+            <a:extLst>
+              <a:ext uri="{FF2B5EF4-FFF2-40B4-BE49-F238E27FC236}">
+                <a16:creationId xmlns:a16="http://schemas.microsoft.com/office/drawing/2014/main" id="{35B16301-FB18-48BA-A6DD-C37CAF6F9A18}"/>
+              </a:ext>
+              <a:ext uri="{C183D7F6-B498-43B3-948B-1728B52AA6E4}">
+                <adec:decorative xmlns:adec="http://schemas.microsoft.com/office/drawing/2017/decorative" val="1"/>
+              </a:ext>
+            </a:extLst>
+          </p:cNvPr>
+          <p:cNvSpPr>
+            <a:spLocks noGrp="1" noRot="1" noChangeAspect="1" noMove="1" noResize="1" noEditPoints="1" noAdjustHandles="1" noChangeArrowheads="1" noChangeShapeType="1" noTextEdit="1"/>
+          </p:cNvSpPr>
+          <p:nvPr>
+            <p:extLst>
+              <p:ext uri="{386F3935-93C4-4BCD-93E2-E3B085C9AB24}">
+                <p16:designElem xmlns:p16="http://schemas.microsoft.com/office/powerpoint/2015/main" val="1"/>
+              </p:ext>
+            </p:extLst>
+          </p:nvPr>
+        </p:nvSpPr>
+        <p:spPr>
+          <a:xfrm>
+            <a:off x="10208695" y="1"/>
+            <a:ext cx="1135066" cy="477997"/>
+          </a:xfrm>
+          <a:custGeom>
+            <a:avLst/>
+            <a:gdLst>
+              <a:gd name="connsiteX0" fmla="*/ 0 w 1135066"/>
+              <a:gd name="connsiteY0" fmla="*/ 0 h 477997"/>
+              <a:gd name="connsiteX1" fmla="*/ 1135066 w 1135066"/>
+              <a:gd name="connsiteY1" fmla="*/ 0 h 477997"/>
+              <a:gd name="connsiteX2" fmla="*/ 1133370 w 1135066"/>
+              <a:gd name="connsiteY2" fmla="*/ 16827 h 477997"/>
+              <a:gd name="connsiteX3" fmla="*/ 567533 w 1135066"/>
+              <a:gd name="connsiteY3" fmla="*/ 477997 h 477997"/>
+              <a:gd name="connsiteX4" fmla="*/ 1696 w 1135066"/>
+              <a:gd name="connsiteY4" fmla="*/ 16827 h 477997"/>
+            </a:gdLst>
+            <a:ahLst/>
+            <a:cxnLst>
+              <a:cxn ang="0">
+                <a:pos x="connsiteX0" y="connsiteY0"/>
+              </a:cxn>
+              <a:cxn ang="0">
+                <a:pos x="connsiteX1" y="connsiteY1"/>
+              </a:cxn>
+              <a:cxn ang="0">
+                <a:pos x="connsiteX2" y="connsiteY2"/>
+              </a:cxn>
+              <a:cxn ang="0">
+                <a:pos x="connsiteX3" y="connsiteY3"/>
+              </a:cxn>
+              <a:cxn ang="0">
+                <a:pos x="connsiteX4" y="connsiteY4"/>
+              </a:cxn>
+            </a:cxnLst>
+            <a:rect l="l" t="t" r="r" b="b"/>
+            <a:pathLst>
+              <a:path w="1135066" h="477997">
+                <a:moveTo>
+                  <a:pt x="0" y="0"/>
+                </a:moveTo>
+                <a:lnTo>
+                  <a:pt x="1135066" y="0"/>
+                </a:lnTo>
+                <a:lnTo>
+                  <a:pt x="1133370" y="16827"/>
+                </a:lnTo>
+                <a:cubicBezTo>
+                  <a:pt x="1079514" y="280016"/>
+                  <a:pt x="846644" y="477997"/>
+                  <a:pt x="567533" y="477997"/>
+                </a:cubicBezTo>
+                <a:cubicBezTo>
+                  <a:pt x="288422" y="477997"/>
+                  <a:pt x="55552" y="280016"/>
+                  <a:pt x="1696" y="16827"/>
+                </a:cubicBezTo>
+                <a:close/>
+              </a:path>
+            </a:pathLst>
+          </a:custGeom>
+          <a:solidFill>
+            <a:schemeClr val="accent5"/>
+          </a:solidFill>
+          <a:ln>
+            <a:noFill/>
+          </a:ln>
+        </p:spPr>
+        <p:style>
+          <a:lnRef idx="2">
+            <a:schemeClr val="accent1">
+              <a:shade val="50000"/>
+            </a:schemeClr>
+          </a:lnRef>
+          <a:fillRef idx="1">
+            <a:schemeClr val="accent1"/>
+          </a:fillRef>
+          <a:effectRef idx="0">
+            <a:schemeClr val="accent1"/>
+          </a:effectRef>
+          <a:fontRef idx="minor">
+            <a:schemeClr val="lt1"/>
+          </a:fontRef>
+        </p:style>
+        <p:txBody>
+          <a:bodyPr wrap="square" rtlCol="0" anchor="ctr">
+            <a:noAutofit/>
+          </a:bodyPr>
+          <a:lstStyle/>
+          <a:p>
+            <a:pPr algn="ctr"/>
+            <a:endParaRPr lang="en-US"/>
+          </a:p>
+        </p:txBody>
+      </p:sp>
+      <p:pic>
+        <p:nvPicPr>
+          <p:cNvPr id="5" name="Content Placeholder 4" descr="A close up of a map&#10;&#10;Description automatically generated">
+            <a:extLst>
+              <a:ext uri="{FF2B5EF4-FFF2-40B4-BE49-F238E27FC236}">
+                <a16:creationId xmlns:a16="http://schemas.microsoft.com/office/drawing/2014/main" id="{2057263E-7CD6-4D89-9E50-B925B69C6AEF}"/>
+              </a:ext>
+            </a:extLst>
+          </p:cNvPr>
+          <p:cNvPicPr>
+            <a:picLocks noGrp="1" noChangeAspect="1"/>
+          </p:cNvPicPr>
+          <p:nvPr>
+            <p:ph idx="1"/>
+          </p:nvPr>
+        </p:nvPicPr>
+        <p:blipFill>
+          <a:blip r:embed="rId2">
+            <a:extLst>
+              <a:ext uri="{28A0092B-C50C-407E-A947-70E740481C1C}">
+                <a14:useLocalDpi xmlns:a14="http://schemas.microsoft.com/office/drawing/2010/main" val="0"/>
+              </a:ext>
+            </a:extLst>
+          </a:blip>
+          <a:stretch>
+            <a:fillRect/>
+          </a:stretch>
+        </p:blipFill>
+        <p:spPr>
+          <a:xfrm>
+            <a:off x="1278204" y="-20376"/>
+            <a:ext cx="4975334" cy="6898752"/>
+          </a:xfrm>
+        </p:spPr>
+      </p:pic>
+      <p:sp>
+        <p:nvSpPr>
+          <p:cNvPr id="12" name="Oval 11">
+            <a:extLst>
+              <a:ext uri="{FF2B5EF4-FFF2-40B4-BE49-F238E27FC236}">
+                <a16:creationId xmlns:a16="http://schemas.microsoft.com/office/drawing/2014/main" id="{C3C0D90E-074A-4F52-9B11-B52BEF4BCBE5}"/>
+              </a:ext>
+              <a:ext uri="{C183D7F6-B498-43B3-948B-1728B52AA6E4}">
+                <adec:decorative xmlns:adec="http://schemas.microsoft.com/office/drawing/2017/decorative" val="1"/>
+              </a:ext>
+            </a:extLst>
+          </p:cNvPr>
+          <p:cNvSpPr>
+            <a:spLocks noGrp="1" noRot="1" noChangeAspect="1" noMove="1" noResize="1" noEditPoints="1" noAdjustHandles="1" noChangeArrowheads="1" noChangeShapeType="1" noTextEdit="1"/>
+          </p:cNvSpPr>
+          <p:nvPr>
+            <p:extLst>
+              <p:ext uri="{386F3935-93C4-4BCD-93E2-E3B085C9AB24}">
+                <p16:designElem xmlns:p16="http://schemas.microsoft.com/office/powerpoint/2015/main" val="1"/>
+              </p:ext>
+            </p:extLst>
+          </p:nvPr>
+        </p:nvSpPr>
+        <p:spPr>
+          <a:xfrm>
+            <a:off x="6821310" y="2624479"/>
+            <a:ext cx="812427" cy="812427"/>
+          </a:xfrm>
+          <a:prstGeom prst="ellipse">
+            <a:avLst/>
+          </a:prstGeom>
+          <a:noFill/>
+          <a:ln w="127000">
+            <a:solidFill>
+              <a:schemeClr val="accent5"/>
+            </a:solidFill>
+          </a:ln>
+        </p:spPr>
+        <p:style>
+          <a:lnRef idx="2">
+            <a:schemeClr val="accent1">
+              <a:shade val="50000"/>
+            </a:schemeClr>
+          </a:lnRef>
+          <a:fillRef idx="1">
+            <a:schemeClr val="accent1"/>
+          </a:fillRef>
+          <a:effectRef idx="0">
+            <a:schemeClr val="accent1"/>
+          </a:effectRef>
+          <a:fontRef idx="minor">
+            <a:schemeClr val="lt1"/>
+          </a:fontRef>
+        </p:style>
+        <p:txBody>
+          <a:bodyPr rtlCol="0" anchor="ctr"/>
+          <a:lstStyle/>
+          <a:p>
+            <a:pPr algn="ctr"/>
+            <a:endParaRPr lang="en-US" dirty="0"/>
+          </a:p>
+        </p:txBody>
+      </p:sp>
+      <p:sp>
+        <p:nvSpPr>
+          <p:cNvPr id="14" name="Block Arc 13">
+            <a:extLst>
+              <a:ext uri="{FF2B5EF4-FFF2-40B4-BE49-F238E27FC236}">
+                <a16:creationId xmlns:a16="http://schemas.microsoft.com/office/drawing/2014/main" id="{CABBD4C1-E6F8-46F6-8152-A8A97490BF4D}"/>
+              </a:ext>
+              <a:ext uri="{C183D7F6-B498-43B3-948B-1728B52AA6E4}">
+                <adec:decorative xmlns:adec="http://schemas.microsoft.com/office/drawing/2017/decorative" val="1"/>
+              </a:ext>
+            </a:extLst>
+          </p:cNvPr>
+          <p:cNvSpPr>
+            <a:spLocks noGrp="1" noRot="1" noChangeAspect="1" noMove="1" noResize="1" noEditPoints="1" noAdjustHandles="1" noChangeArrowheads="1" noChangeShapeType="1" noTextEdit="1"/>
+          </p:cNvSpPr>
+          <p:nvPr>
+            <p:extLst>
+              <p:ext uri="{386F3935-93C4-4BCD-93E2-E3B085C9AB24}">
+                <p16:designElem xmlns:p16="http://schemas.microsoft.com/office/powerpoint/2015/main" val="1"/>
+              </p:ext>
+            </p:extLst>
+          </p:nvPr>
+        </p:nvSpPr>
+        <p:spPr>
+          <a:xfrm rot="16200000">
+            <a:off x="8912417" y="1218531"/>
+            <a:ext cx="2387600" cy="2387600"/>
+          </a:xfrm>
+          <a:prstGeom prst="blockArc">
+            <a:avLst/>
+          </a:prstGeom>
+          <a:solidFill>
+            <a:schemeClr val="accent2"/>
+          </a:solidFill>
+          <a:ln>
+            <a:noFill/>
+          </a:ln>
+        </p:spPr>
+        <p:style>
+          <a:lnRef idx="2">
+            <a:schemeClr val="accent1">
+              <a:shade val="50000"/>
+            </a:schemeClr>
+          </a:lnRef>
+          <a:fillRef idx="1">
+            <a:schemeClr val="accent1"/>
+          </a:fillRef>
+          <a:effectRef idx="0">
+            <a:schemeClr val="accent1"/>
+          </a:effectRef>
+          <a:fontRef idx="minor">
+            <a:schemeClr val="lt1"/>
+          </a:fontRef>
+        </p:style>
+        <p:txBody>
+          <a:bodyPr rtlCol="0" anchor="ctr"/>
+          <a:lstStyle/>
+          <a:p>
+            <a:pPr algn="ctr"/>
+            <a:endParaRPr lang="en-US">
+              <a:solidFill>
+                <a:schemeClr val="tx1"/>
+              </a:solidFill>
+            </a:endParaRPr>
+          </a:p>
+        </p:txBody>
+      </p:sp>
+      <p:sp>
+        <p:nvSpPr>
+          <p:cNvPr id="16" name="Freeform: Shape 15">
+            <a:extLst>
+              <a:ext uri="{FF2B5EF4-FFF2-40B4-BE49-F238E27FC236}">
+                <a16:creationId xmlns:a16="http://schemas.microsoft.com/office/drawing/2014/main" id="{83BA5EF5-1FE9-4BF9-83BB-269BCDDF6156}"/>
+              </a:ext>
+              <a:ext uri="{C183D7F6-B498-43B3-948B-1728B52AA6E4}">
+                <adec:decorative xmlns:adec="http://schemas.microsoft.com/office/drawing/2017/decorative" val="1"/>
+              </a:ext>
+            </a:extLst>
+          </p:cNvPr>
+          <p:cNvSpPr>
+            <a:spLocks noGrp="1" noRot="1" noChangeAspect="1" noMove="1" noResize="1" noEditPoints="1" noAdjustHandles="1" noChangeArrowheads="1" noChangeShapeType="1" noTextEdit="1"/>
+          </p:cNvSpPr>
+          <p:nvPr>
+            <p:extLst>
+              <p:ext uri="{386F3935-93C4-4BCD-93E2-E3B085C9AB24}">
+                <p16:designElem xmlns:p16="http://schemas.microsoft.com/office/powerpoint/2015/main" val="1"/>
+              </p:ext>
+            </p:extLst>
+          </p:nvPr>
+        </p:nvSpPr>
+        <p:spPr>
+          <a:xfrm>
+            <a:off x="6821310" y="0"/>
+            <a:ext cx="2315251" cy="1550992"/>
+          </a:xfrm>
+          <a:custGeom>
+            <a:avLst/>
+            <a:gdLst>
+              <a:gd name="connsiteX0" fmla="*/ 0 w 2315251"/>
+              <a:gd name="connsiteY0" fmla="*/ 0 h 1550992"/>
+              <a:gd name="connsiteX1" fmla="*/ 138700 w 2315251"/>
+              <a:gd name="connsiteY1" fmla="*/ 0 h 1550992"/>
+              <a:gd name="connsiteX2" fmla="*/ 138700 w 2315251"/>
+              <a:gd name="connsiteY2" fmla="*/ 1361400 h 1550992"/>
+              <a:gd name="connsiteX3" fmla="*/ 2107387 w 2315251"/>
+              <a:gd name="connsiteY3" fmla="*/ 222673 h 1550992"/>
+              <a:gd name="connsiteX4" fmla="*/ 1722420 w 2315251"/>
+              <a:gd name="connsiteY4" fmla="*/ 0 h 1550992"/>
+              <a:gd name="connsiteX5" fmla="*/ 1999436 w 2315251"/>
+              <a:gd name="connsiteY5" fmla="*/ 0 h 1550992"/>
+              <a:gd name="connsiteX6" fmla="*/ 2280549 w 2315251"/>
+              <a:gd name="connsiteY6" fmla="*/ 162605 h 1550992"/>
+              <a:gd name="connsiteX7" fmla="*/ 2305953 w 2315251"/>
+              <a:gd name="connsiteY7" fmla="*/ 257336 h 1550992"/>
+              <a:gd name="connsiteX8" fmla="*/ 2280549 w 2315251"/>
+              <a:gd name="connsiteY8" fmla="*/ 282740 h 1550992"/>
+              <a:gd name="connsiteX9" fmla="*/ 104026 w 2315251"/>
+              <a:gd name="connsiteY9" fmla="*/ 1541710 h 1550992"/>
+              <a:gd name="connsiteX10" fmla="*/ 69351 w 2315251"/>
+              <a:gd name="connsiteY10" fmla="*/ 1550992 h 1550992"/>
+              <a:gd name="connsiteX11" fmla="*/ 0 w 2315251"/>
+              <a:gd name="connsiteY11" fmla="*/ 1481643 h 1550992"/>
+            </a:gdLst>
+            <a:ahLst/>
+            <a:cxnLst>
+              <a:cxn ang="0">
+                <a:pos x="connsiteX0" y="connsiteY0"/>
+              </a:cxn>
+              <a:cxn ang="0">
+                <a:pos x="connsiteX1" y="connsiteY1"/>
+              </a:cxn>
+              <a:cxn ang="0">
+                <a:pos x="connsiteX2" y="connsiteY2"/>
+              </a:cxn>
+              <a:cxn ang="0">
+                <a:pos x="connsiteX3" y="connsiteY3"/>
+              </a:cxn>
+              <a:cxn ang="0">
+                <a:pos x="connsiteX4" y="connsiteY4"/>
+              </a:cxn>
+              <a:cxn ang="0">
+                <a:pos x="connsiteX5" y="connsiteY5"/>
+              </a:cxn>
+              <a:cxn ang="0">
+                <a:pos x="connsiteX6" y="connsiteY6"/>
+              </a:cxn>
+              <a:cxn ang="0">
+                <a:pos x="connsiteX7" y="connsiteY7"/>
+              </a:cxn>
+              <a:cxn ang="0">
+                <a:pos x="connsiteX8" y="connsiteY8"/>
+              </a:cxn>
+              <a:cxn ang="0">
+                <a:pos x="connsiteX9" y="connsiteY9"/>
+              </a:cxn>
+              <a:cxn ang="0">
+                <a:pos x="connsiteX10" y="connsiteY10"/>
+              </a:cxn>
+              <a:cxn ang="0">
+                <a:pos x="connsiteX11" y="connsiteY11"/>
+              </a:cxn>
+            </a:cxnLst>
+            <a:rect l="l" t="t" r="r" b="b"/>
+            <a:pathLst>
+              <a:path w="2315251" h="1550992">
+                <a:moveTo>
+                  <a:pt x="0" y="0"/>
+                </a:moveTo>
+                <a:lnTo>
+                  <a:pt x="138700" y="0"/>
+                </a:lnTo>
+                <a:lnTo>
+                  <a:pt x="138700" y="1361400"/>
+                </a:lnTo>
+                <a:lnTo>
+                  <a:pt x="2107387" y="222673"/>
+                </a:lnTo>
+                <a:lnTo>
+                  <a:pt x="1722420" y="0"/>
+                </a:lnTo>
+                <a:lnTo>
+                  <a:pt x="1999436" y="0"/>
+                </a:lnTo>
+                <a:lnTo>
+                  <a:pt x="2280549" y="162605"/>
+                </a:lnTo>
+                <a:cubicBezTo>
+                  <a:pt x="2313720" y="181745"/>
+                  <a:pt x="2325104" y="224155"/>
+                  <a:pt x="2305953" y="257336"/>
+                </a:cubicBezTo>
+                <a:cubicBezTo>
+                  <a:pt x="2299872" y="267889"/>
+                  <a:pt x="2291101" y="276648"/>
+                  <a:pt x="2280549" y="282740"/>
+                </a:cubicBezTo>
+                <a:lnTo>
+                  <a:pt x="104026" y="1541710"/>
+                </a:lnTo>
+                <a:cubicBezTo>
+                  <a:pt x="93484" y="1547802"/>
+                  <a:pt x="81523" y="1551003"/>
+                  <a:pt x="69351" y="1550992"/>
+                </a:cubicBezTo>
+                <a:cubicBezTo>
+                  <a:pt x="31049" y="1550992"/>
+                  <a:pt x="0" y="1519944"/>
+                  <a:pt x="0" y="1481643"/>
+                </a:cubicBezTo>
+                <a:close/>
+              </a:path>
+            </a:pathLst>
+          </a:custGeom>
+          <a:solidFill>
+            <a:schemeClr val="accent6"/>
+          </a:solidFill>
+          <a:ln w="9525" cap="flat">
+            <a:noFill/>
+            <a:prstDash val="solid"/>
+            <a:miter/>
+          </a:ln>
+        </p:spPr>
+        <p:txBody>
+          <a:bodyPr rtlCol="0" anchor="ctr"/>
+          <a:lstStyle/>
+          <a:p>
+            <a:endParaRPr lang="en-US" dirty="0"/>
+          </a:p>
+        </p:txBody>
+      </p:sp>
+      <p:cxnSp>
+        <p:nvCxnSpPr>
+          <p:cNvPr id="18" name="Straight Connector 17">
+            <a:extLst>
+              <a:ext uri="{FF2B5EF4-FFF2-40B4-BE49-F238E27FC236}">
+                <a16:creationId xmlns:a16="http://schemas.microsoft.com/office/drawing/2014/main" id="{4B3BCACB-5880-460B-9606-8C433A9AF99D}"/>
+              </a:ext>
+              <a:ext uri="{C183D7F6-B498-43B3-948B-1728B52AA6E4}">
+                <adec:decorative xmlns:adec="http://schemas.microsoft.com/office/drawing/2017/decorative" val="1"/>
+              </a:ext>
+            </a:extLst>
+          </p:cNvPr>
+          <p:cNvCxnSpPr>
+            <a:cxnSpLocks noGrp="1" noRot="1" noChangeAspect="1" noMove="1" noResize="1" noEditPoints="1" noAdjustHandles="1" noChangeArrowheads="1" noChangeShapeType="1"/>
+          </p:cNvCxnSpPr>
+          <p:nvPr>
+            <p:extLst>
+              <p:ext uri="{386F3935-93C4-4BCD-93E2-E3B085C9AB24}">
+                <p16:designElem xmlns:p16="http://schemas.microsoft.com/office/powerpoint/2015/main" val="1"/>
+              </p:ext>
+            </p:extLst>
+          </p:nvPr>
+        </p:nvCxnSpPr>
+        <p:spPr>
+          <a:xfrm>
+            <a:off x="11724638" y="1331572"/>
+            <a:ext cx="0" cy="1597708"/>
+          </a:xfrm>
+          <a:prstGeom prst="line">
+            <a:avLst/>
+          </a:prstGeom>
+          <a:ln w="127000" cap="rnd">
+            <a:solidFill>
+              <a:schemeClr val="accent4"/>
+            </a:solidFill>
+            <a:prstDash val="dash"/>
+          </a:ln>
+        </p:spPr>
+        <p:style>
+          <a:lnRef idx="1">
+            <a:schemeClr val="accent1"/>
+          </a:lnRef>
+          <a:fillRef idx="0">
+            <a:schemeClr val="accent1"/>
+          </a:fillRef>
+          <a:effectRef idx="0">
+            <a:schemeClr val="accent1"/>
+          </a:effectRef>
+          <a:fontRef idx="minor">
+            <a:schemeClr val="tx1"/>
+          </a:fontRef>
+        </p:style>
+      </p:cxnSp>
+      <p:sp>
+        <p:nvSpPr>
+          <p:cNvPr id="20" name="Freeform: Shape 19">
+            <a:extLst>
+              <a:ext uri="{FF2B5EF4-FFF2-40B4-BE49-F238E27FC236}">
+                <a16:creationId xmlns:a16="http://schemas.microsoft.com/office/drawing/2014/main" id="{88853921-7BC9-4BDE-ACAB-133C683C82D6}"/>
+              </a:ext>
+              <a:ext uri="{C183D7F6-B498-43B3-948B-1728B52AA6E4}">
+                <adec:decorative xmlns:adec="http://schemas.microsoft.com/office/drawing/2017/decorative" val="1"/>
+              </a:ext>
+            </a:extLst>
+          </p:cNvPr>
+          <p:cNvSpPr>
+            <a:spLocks noGrp="1" noRot="1" noChangeAspect="1" noMove="1" noResize="1" noEditPoints="1" noAdjustHandles="1" noChangeArrowheads="1" noChangeShapeType="1" noTextEdit="1"/>
+          </p:cNvSpPr>
+          <p:nvPr>
+            <p:extLst>
+              <p:ext uri="{386F3935-93C4-4BCD-93E2-E3B085C9AB24}">
+                <p16:designElem xmlns:p16="http://schemas.microsoft.com/office/powerpoint/2015/main" val="1"/>
+              </p:ext>
+            </p:extLst>
+          </p:nvPr>
+        </p:nvSpPr>
+        <p:spPr>
+          <a:xfrm>
+            <a:off x="11005550" y="4112081"/>
+            <a:ext cx="1186451" cy="1771650"/>
+          </a:xfrm>
+          <a:custGeom>
+            <a:avLst/>
+            <a:gdLst>
+              <a:gd name="connsiteX0" fmla="*/ 61913 w 1186451"/>
+              <a:gd name="connsiteY0" fmla="*/ 0 h 1771650"/>
+              <a:gd name="connsiteX1" fmla="*/ 1186451 w 1186451"/>
+              <a:gd name="connsiteY1" fmla="*/ 0 h 1771650"/>
+              <a:gd name="connsiteX2" fmla="*/ 1186451 w 1186451"/>
+              <a:gd name="connsiteY2" fmla="*/ 123825 h 1771650"/>
+              <a:gd name="connsiteX3" fmla="*/ 123825 w 1186451"/>
+              <a:gd name="connsiteY3" fmla="*/ 123825 h 1771650"/>
+              <a:gd name="connsiteX4" fmla="*/ 123825 w 1186451"/>
+              <a:gd name="connsiteY4" fmla="*/ 1647825 h 1771650"/>
+              <a:gd name="connsiteX5" fmla="*/ 1186451 w 1186451"/>
+              <a:gd name="connsiteY5" fmla="*/ 1647825 h 1771650"/>
+              <a:gd name="connsiteX6" fmla="*/ 1186451 w 1186451"/>
+              <a:gd name="connsiteY6" fmla="*/ 1771650 h 1771650"/>
+              <a:gd name="connsiteX7" fmla="*/ 61913 w 1186451"/>
+              <a:gd name="connsiteY7" fmla="*/ 1771650 h 1771650"/>
+              <a:gd name="connsiteX8" fmla="*/ 0 w 1186451"/>
+              <a:gd name="connsiteY8" fmla="*/ 1709738 h 1771650"/>
+              <a:gd name="connsiteX9" fmla="*/ 0 w 1186451"/>
+              <a:gd name="connsiteY9" fmla="*/ 61913 h 1771650"/>
+              <a:gd name="connsiteX10" fmla="*/ 61913 w 1186451"/>
+              <a:gd name="connsiteY10" fmla="*/ 0 h 1771650"/>
+            </a:gdLst>
+            <a:ahLst/>
+            <a:cxnLst>
+              <a:cxn ang="0">
+                <a:pos x="connsiteX0" y="connsiteY0"/>
+              </a:cxn>
+              <a:cxn ang="0">
+                <a:pos x="connsiteX1" y="connsiteY1"/>
+              </a:cxn>
+              <a:cxn ang="0">
+                <a:pos x="connsiteX2" y="connsiteY2"/>
+              </a:cxn>
+              <a:cxn ang="0">
+                <a:pos x="connsiteX3" y="connsiteY3"/>
+              </a:cxn>
+              <a:cxn ang="0">
+                <a:pos x="connsiteX4" y="connsiteY4"/>
+              </a:cxn>
+              <a:cxn ang="0">
+                <a:pos x="connsiteX5" y="connsiteY5"/>
+              </a:cxn>
+              <a:cxn ang="0">
+                <a:pos x="connsiteX6" y="connsiteY6"/>
+              </a:cxn>
+              <a:cxn ang="0">
+                <a:pos x="connsiteX7" y="connsiteY7"/>
+              </a:cxn>
+              <a:cxn ang="0">
+                <a:pos x="connsiteX8" y="connsiteY8"/>
+              </a:cxn>
+              <a:cxn ang="0">
+                <a:pos x="connsiteX9" y="connsiteY9"/>
+              </a:cxn>
+              <a:cxn ang="0">
+                <a:pos x="connsiteX10" y="connsiteY10"/>
+              </a:cxn>
+            </a:cxnLst>
+            <a:rect l="l" t="t" r="r" b="b"/>
+            <a:pathLst>
+              <a:path w="1186451" h="1771650">
+                <a:moveTo>
+                  <a:pt x="61913" y="0"/>
+                </a:moveTo>
+                <a:lnTo>
+                  <a:pt x="1186451" y="0"/>
+                </a:lnTo>
+                <a:lnTo>
+                  <a:pt x="1186451" y="123825"/>
+                </a:lnTo>
+                <a:lnTo>
+                  <a:pt x="123825" y="123825"/>
+                </a:lnTo>
+                <a:lnTo>
+                  <a:pt x="123825" y="1647825"/>
+                </a:lnTo>
+                <a:lnTo>
+                  <a:pt x="1186451" y="1647825"/>
+                </a:lnTo>
+                <a:lnTo>
+                  <a:pt x="1186451" y="1771650"/>
+                </a:lnTo>
+                <a:lnTo>
+                  <a:pt x="61913" y="1771650"/>
+                </a:lnTo>
+                <a:cubicBezTo>
+                  <a:pt x="27719" y="1771650"/>
+                  <a:pt x="0" y="1743932"/>
+                  <a:pt x="0" y="1709738"/>
+                </a:cubicBezTo>
+                <a:lnTo>
+                  <a:pt x="0" y="61913"/>
+                </a:lnTo>
+                <a:cubicBezTo>
+                  <a:pt x="0" y="27719"/>
+                  <a:pt x="27719" y="0"/>
+                  <a:pt x="61913" y="0"/>
+                </a:cubicBezTo>
+                <a:close/>
+              </a:path>
+            </a:pathLst>
+          </a:custGeom>
+          <a:solidFill>
+            <a:schemeClr val="accent6"/>
+          </a:solidFill>
+          <a:ln w="9525" cap="flat">
+            <a:noFill/>
+            <a:prstDash val="solid"/>
+            <a:miter/>
+          </a:ln>
+        </p:spPr>
+        <p:txBody>
+          <a:bodyPr rtlCol="0" anchor="ctr"/>
+          <a:lstStyle/>
+          <a:p>
+            <a:endParaRPr lang="en-US"/>
+          </a:p>
+        </p:txBody>
+      </p:sp>
+      <p:sp>
+        <p:nvSpPr>
+          <p:cNvPr id="22" name="Arc 21">
+            <a:extLst>
+              <a:ext uri="{FF2B5EF4-FFF2-40B4-BE49-F238E27FC236}">
+                <a16:creationId xmlns:a16="http://schemas.microsoft.com/office/drawing/2014/main" id="{09192968-3AE7-4470-A61C-97294BB92731}"/>
+              </a:ext>
+              <a:ext uri="{C183D7F6-B498-43B3-948B-1728B52AA6E4}">
+                <adec:decorative xmlns:adec="http://schemas.microsoft.com/office/drawing/2017/decorative" val="1"/>
+              </a:ext>
+            </a:extLst>
+          </p:cNvPr>
+          <p:cNvSpPr>
+            <a:spLocks noGrp="1" noRot="1" noChangeAspect="1" noMove="1" noResize="1" noEditPoints="1" noAdjustHandles="1" noChangeArrowheads="1" noChangeShapeType="1" noTextEdit="1"/>
+          </p:cNvSpPr>
+          <p:nvPr>
+            <p:extLst>
+              <p:ext uri="{386F3935-93C4-4BCD-93E2-E3B085C9AB24}">
+                <p16:designElem xmlns:p16="http://schemas.microsoft.com/office/powerpoint/2015/main" val="1"/>
+              </p:ext>
+            </p:extLst>
+          </p:nvPr>
+        </p:nvSpPr>
+        <p:spPr>
+          <a:xfrm rot="20992895">
+            <a:off x="6086940" y="4145122"/>
+            <a:ext cx="4083433" cy="4083433"/>
+          </a:xfrm>
+          <a:prstGeom prst="arc">
+            <a:avLst/>
+          </a:prstGeom>
+          <a:ln w="127000" cap="rnd">
+            <a:solidFill>
+              <a:schemeClr val="accent4"/>
+            </a:solidFill>
+            <a:prstDash val="dash"/>
+          </a:ln>
+        </p:spPr>
+        <p:style>
+          <a:lnRef idx="1">
+            <a:schemeClr val="accent1"/>
+          </a:lnRef>
+          <a:fillRef idx="0">
+            <a:schemeClr val="accent1"/>
+          </a:fillRef>
+          <a:effectRef idx="0">
+            <a:schemeClr val="accent1"/>
+          </a:effectRef>
+          <a:fontRef idx="minor">
+            <a:schemeClr val="tx1"/>
+          </a:fontRef>
+        </p:style>
+        <p:txBody>
+          <a:bodyPr rtlCol="0" anchor="ctr"/>
+          <a:lstStyle/>
+          <a:p>
+            <a:pPr algn="ctr"/>
+            <a:endParaRPr lang="en-US" dirty="0"/>
+          </a:p>
+        </p:txBody>
+      </p:sp>
+      <p:sp>
+        <p:nvSpPr>
+          <p:cNvPr id="24" name="Freeform: Shape 23">
+            <a:extLst>
+              <a:ext uri="{FF2B5EF4-FFF2-40B4-BE49-F238E27FC236}">
+                <a16:creationId xmlns:a16="http://schemas.microsoft.com/office/drawing/2014/main" id="{3AB72E55-43E4-4356-BFE8-E2102CB0B505}"/>
+              </a:ext>
+              <a:ext uri="{C183D7F6-B498-43B3-948B-1728B52AA6E4}">
+                <adec:decorative xmlns:adec="http://schemas.microsoft.com/office/drawing/2017/decorative" val="1"/>
+              </a:ext>
+            </a:extLst>
+          </p:cNvPr>
+          <p:cNvSpPr>
+            <a:spLocks noGrp="1" noRot="1" noChangeAspect="1" noMove="1" noResize="1" noEditPoints="1" noAdjustHandles="1" noChangeArrowheads="1" noChangeShapeType="1" noTextEdit="1"/>
+          </p:cNvSpPr>
+          <p:nvPr>
+            <p:extLst>
+              <p:ext uri="{386F3935-93C4-4BCD-93E2-E3B085C9AB24}">
+                <p16:designElem xmlns:p16="http://schemas.microsoft.com/office/powerpoint/2015/main" val="1"/>
+              </p:ext>
+            </p:extLst>
+          </p:nvPr>
+        </p:nvSpPr>
+        <p:spPr>
+          <a:xfrm>
+            <a:off x="6821310" y="4962670"/>
+            <a:ext cx="2643352" cy="1895331"/>
+          </a:xfrm>
+          <a:custGeom>
+            <a:avLst/>
+            <a:gdLst>
+              <a:gd name="connsiteX0" fmla="*/ 1321676 w 2643352"/>
+              <a:gd name="connsiteY0" fmla="*/ 0 h 1895331"/>
+              <a:gd name="connsiteX1" fmla="*/ 2643352 w 2643352"/>
+              <a:gd name="connsiteY1" fmla="*/ 1321676 h 1895331"/>
+              <a:gd name="connsiteX2" fmla="*/ 2539488 w 2643352"/>
+              <a:gd name="connsiteY2" fmla="*/ 1836132 h 1895331"/>
+              <a:gd name="connsiteX3" fmla="*/ 2510970 w 2643352"/>
+              <a:gd name="connsiteY3" fmla="*/ 1895331 h 1895331"/>
+              <a:gd name="connsiteX4" fmla="*/ 132382 w 2643352"/>
+              <a:gd name="connsiteY4" fmla="*/ 1895331 h 1895331"/>
+              <a:gd name="connsiteX5" fmla="*/ 103864 w 2643352"/>
+              <a:gd name="connsiteY5" fmla="*/ 1836132 h 1895331"/>
+              <a:gd name="connsiteX6" fmla="*/ 0 w 2643352"/>
+              <a:gd name="connsiteY6" fmla="*/ 1321676 h 1895331"/>
+              <a:gd name="connsiteX7" fmla="*/ 1321676 w 2643352"/>
+              <a:gd name="connsiteY7" fmla="*/ 0 h 1895331"/>
+            </a:gdLst>
+            <a:ahLst/>
+            <a:cxnLst>
+              <a:cxn ang="0">
+                <a:pos x="connsiteX0" y="connsiteY0"/>
+              </a:cxn>
+              <a:cxn ang="0">
+                <a:pos x="connsiteX1" y="connsiteY1"/>
+              </a:cxn>
+              <a:cxn ang="0">
+                <a:pos x="connsiteX2" y="connsiteY2"/>
+              </a:cxn>
+              <a:cxn ang="0">
+                <a:pos x="connsiteX3" y="connsiteY3"/>
+              </a:cxn>
+              <a:cxn ang="0">
+                <a:pos x="connsiteX4" y="connsiteY4"/>
+              </a:cxn>
+              <a:cxn ang="0">
+                <a:pos x="connsiteX5" y="connsiteY5"/>
+              </a:cxn>
+              <a:cxn ang="0">
+                <a:pos x="connsiteX6" y="connsiteY6"/>
+              </a:cxn>
+              <a:cxn ang="0">
+                <a:pos x="connsiteX7" y="connsiteY7"/>
+              </a:cxn>
+            </a:cxnLst>
+            <a:rect l="l" t="t" r="r" b="b"/>
+            <a:pathLst>
+              <a:path w="2643352" h="1895331">
+                <a:moveTo>
+                  <a:pt x="1321676" y="0"/>
+                </a:moveTo>
+                <a:cubicBezTo>
+                  <a:pt x="2051617" y="0"/>
+                  <a:pt x="2643352" y="591735"/>
+                  <a:pt x="2643352" y="1321676"/>
+                </a:cubicBezTo>
+                <a:cubicBezTo>
+                  <a:pt x="2643352" y="1504161"/>
+                  <a:pt x="2606369" y="1678009"/>
+                  <a:pt x="2539488" y="1836132"/>
+                </a:cubicBezTo>
+                <a:lnTo>
+                  <a:pt x="2510970" y="1895331"/>
+                </a:lnTo>
+                <a:lnTo>
+                  <a:pt x="132382" y="1895331"/>
+                </a:lnTo>
+                <a:lnTo>
+                  <a:pt x="103864" y="1836132"/>
+                </a:lnTo>
+                <a:cubicBezTo>
+                  <a:pt x="36984" y="1678009"/>
+                  <a:pt x="0" y="1504161"/>
+                  <a:pt x="0" y="1321676"/>
+                </a:cubicBezTo>
+                <a:cubicBezTo>
+                  <a:pt x="0" y="591735"/>
+                  <a:pt x="591735" y="0"/>
+                  <a:pt x="1321676" y="0"/>
+                </a:cubicBezTo>
+                <a:close/>
+              </a:path>
+            </a:pathLst>
+          </a:custGeom>
+          <a:solidFill>
+            <a:schemeClr val="accent2"/>
+          </a:solidFill>
+          <a:ln>
+            <a:noFill/>
+          </a:ln>
+        </p:spPr>
+        <p:style>
+          <a:lnRef idx="2">
+            <a:schemeClr val="accent1">
+              <a:shade val="50000"/>
+            </a:schemeClr>
+          </a:lnRef>
+          <a:fillRef idx="1">
+            <a:schemeClr val="accent1"/>
+          </a:fillRef>
+          <a:effectRef idx="0">
+            <a:schemeClr val="accent1"/>
+          </a:effectRef>
+          <a:fontRef idx="minor">
+            <a:schemeClr val="lt1"/>
+          </a:fontRef>
+        </p:style>
+        <p:txBody>
+          <a:bodyPr rtlCol="0" anchor="ctr"/>
+          <a:lstStyle/>
+          <a:p>
+            <a:pPr algn="ctr"/>
+            <a:endParaRPr lang="en-US"/>
+          </a:p>
+        </p:txBody>
+      </p:sp>
+    </p:spTree>
+    <p:extLst>
+      <p:ext uri="{BB962C8B-B14F-4D97-AF65-F5344CB8AC3E}">
+        <p14:creationId xmlns:p14="http://schemas.microsoft.com/office/powerpoint/2010/main" val="3094188733"/>
+      </p:ext>
+    </p:extLst>
+  </p:cSld>
+  <p:clrMapOvr>
+    <a:masterClrMapping/>
+  </p:clrMapOvr>
+</p:sld>
+</file>
+
+<file path=ppt/slides/slide32.xml><?xml version="1.0" encoding="utf-8"?>
+<p:sld xmlns:a="http://schemas.openxmlformats.org/drawingml/2006/main" xmlns:r="http://schemas.openxmlformats.org/officeDocument/2006/relationships" xmlns:p="http://schemas.openxmlformats.org/presentationml/2006/main">
+  <p:cSld>
+    <p:bg>
+      <p:bgPr>
+        <a:solidFill>
+          <a:schemeClr val="bg1"/>
+        </a:solidFill>
+        <a:effectLst/>
+      </p:bgPr>
+    </p:bg>
+    <p:spTree>
+      <p:nvGrpSpPr>
+        <p:cNvPr id="1" name=""/>
+        <p:cNvGrpSpPr/>
+        <p:nvPr/>
+      </p:nvGrpSpPr>
+      <p:grpSpPr>
+        <a:xfrm>
+          <a:off x="0" y="0"/>
+          <a:ext cx="0" cy="0"/>
+          <a:chOff x="0" y="0"/>
+          <a:chExt cx="0" cy="0"/>
+        </a:xfrm>
+      </p:grpSpPr>
+      <p:sp useBgFill="1">
+        <p:nvSpPr>
+          <p:cNvPr id="8" name="Rectangle 7">
+            <a:extLst>
+              <a:ext uri="{FF2B5EF4-FFF2-40B4-BE49-F238E27FC236}">
+                <a16:creationId xmlns:a16="http://schemas.microsoft.com/office/drawing/2014/main" id="{1BB867FF-FC45-48F7-8104-F89BE54909F1}"/>
+              </a:ext>
+              <a:ext uri="{C183D7F6-B498-43B3-948B-1728B52AA6E4}">
+                <adec:decorative xmlns:adec="http://schemas.microsoft.com/office/drawing/2017/decorative" val="1"/>
+              </a:ext>
+            </a:extLst>
+          </p:cNvPr>
+          <p:cNvSpPr>
+            <a:spLocks noGrp="1" noRot="1" noChangeAspect="1" noMove="1" noResize="1" noEditPoints="1" noAdjustHandles="1" noChangeArrowheads="1" noChangeShapeType="1" noTextEdit="1"/>
+          </p:cNvSpPr>
+          <p:nvPr>
+            <p:extLst>
+              <p:ext uri="{386F3935-93C4-4BCD-93E2-E3B085C9AB24}">
+                <p16:designElem xmlns:p16="http://schemas.microsoft.com/office/powerpoint/2015/main" val="1"/>
+              </p:ext>
+            </p:extLst>
+          </p:nvPr>
+        </p:nvSpPr>
+        <p:spPr>
+          <a:xfrm>
+            <a:off x="3048" y="0"/>
+            <a:ext cx="12188952" cy="6858000"/>
+          </a:xfrm>
+          <a:prstGeom prst="rect">
+            <a:avLst/>
+          </a:prstGeom>
+          <a:ln>
+            <a:noFill/>
+          </a:ln>
+        </p:spPr>
+        <p:style>
+          <a:lnRef idx="2">
+            <a:schemeClr val="accent1">
+              <a:shade val="50000"/>
+            </a:schemeClr>
+          </a:lnRef>
+          <a:fillRef idx="1">
+            <a:schemeClr val="accent1"/>
+          </a:fillRef>
+          <a:effectRef idx="0">
+            <a:schemeClr val="accent1"/>
+          </a:effectRef>
+          <a:fontRef idx="minor">
+            <a:schemeClr val="lt1"/>
+          </a:fontRef>
+        </p:style>
+        <p:txBody>
+          <a:bodyPr rtlCol="0" anchor="ctr"/>
+          <a:lstStyle/>
+          <a:p>
+            <a:pPr algn="ctr"/>
+            <a:endParaRPr lang="en-US"/>
+          </a:p>
+        </p:txBody>
+      </p:sp>
+      <p:sp>
+        <p:nvSpPr>
+          <p:cNvPr id="10" name="Freeform: Shape 9">
+            <a:extLst>
+              <a:ext uri="{FF2B5EF4-FFF2-40B4-BE49-F238E27FC236}">
+                <a16:creationId xmlns:a16="http://schemas.microsoft.com/office/drawing/2014/main" id="{8BB56887-D0D5-4F0C-9E19-7247EB83C8B7}"/>
+              </a:ext>
+              <a:ext uri="{C183D7F6-B498-43B3-948B-1728B52AA6E4}">
+                <adec:decorative xmlns:adec="http://schemas.microsoft.com/office/drawing/2017/decorative" val="1"/>
+              </a:ext>
+            </a:extLst>
+          </p:cNvPr>
+          <p:cNvSpPr>
+            <a:spLocks noGrp="1" noRot="1" noChangeAspect="1" noMove="1" noResize="1" noEditPoints="1" noAdjustHandles="1" noChangeArrowheads="1" noChangeShapeType="1" noTextEdit="1"/>
+          </p:cNvSpPr>
+          <p:nvPr>
+            <p:extLst>
+              <p:ext uri="{386F3935-93C4-4BCD-93E2-E3B085C9AB24}">
+                <p16:designElem xmlns:p16="http://schemas.microsoft.com/office/powerpoint/2015/main" val="1"/>
+              </p:ext>
+            </p:extLst>
+          </p:nvPr>
+        </p:nvSpPr>
+        <p:spPr>
+          <a:xfrm>
+            <a:off x="10208695" y="1"/>
+            <a:ext cx="1135066" cy="477997"/>
+          </a:xfrm>
+          <a:custGeom>
+            <a:avLst/>
+            <a:gdLst>
+              <a:gd name="connsiteX0" fmla="*/ 0 w 1135066"/>
+              <a:gd name="connsiteY0" fmla="*/ 0 h 477997"/>
+              <a:gd name="connsiteX1" fmla="*/ 1135066 w 1135066"/>
+              <a:gd name="connsiteY1" fmla="*/ 0 h 477997"/>
+              <a:gd name="connsiteX2" fmla="*/ 1133370 w 1135066"/>
+              <a:gd name="connsiteY2" fmla="*/ 16827 h 477997"/>
+              <a:gd name="connsiteX3" fmla="*/ 567533 w 1135066"/>
+              <a:gd name="connsiteY3" fmla="*/ 477997 h 477997"/>
+              <a:gd name="connsiteX4" fmla="*/ 1696 w 1135066"/>
+              <a:gd name="connsiteY4" fmla="*/ 16827 h 477997"/>
+            </a:gdLst>
+            <a:ahLst/>
+            <a:cxnLst>
+              <a:cxn ang="0">
+                <a:pos x="connsiteX0" y="connsiteY0"/>
+              </a:cxn>
+              <a:cxn ang="0">
+                <a:pos x="connsiteX1" y="connsiteY1"/>
+              </a:cxn>
+              <a:cxn ang="0">
+                <a:pos x="connsiteX2" y="connsiteY2"/>
+              </a:cxn>
+              <a:cxn ang="0">
+                <a:pos x="connsiteX3" y="connsiteY3"/>
+              </a:cxn>
+              <a:cxn ang="0">
+                <a:pos x="connsiteX4" y="connsiteY4"/>
+              </a:cxn>
+            </a:cxnLst>
+            <a:rect l="l" t="t" r="r" b="b"/>
+            <a:pathLst>
+              <a:path w="1135066" h="477997">
+                <a:moveTo>
+                  <a:pt x="0" y="0"/>
+                </a:moveTo>
+                <a:lnTo>
+                  <a:pt x="1135066" y="0"/>
+                </a:lnTo>
+                <a:lnTo>
+                  <a:pt x="1133370" y="16827"/>
+                </a:lnTo>
+                <a:cubicBezTo>
+                  <a:pt x="1079514" y="280016"/>
+                  <a:pt x="846644" y="477997"/>
+                  <a:pt x="567533" y="477997"/>
+                </a:cubicBezTo>
+                <a:cubicBezTo>
+                  <a:pt x="288422" y="477997"/>
+                  <a:pt x="55552" y="280016"/>
+                  <a:pt x="1696" y="16827"/>
+                </a:cubicBezTo>
+                <a:close/>
+              </a:path>
+            </a:pathLst>
+          </a:custGeom>
+          <a:solidFill>
+            <a:schemeClr val="accent4"/>
+          </a:solidFill>
+          <a:ln>
+            <a:noFill/>
+          </a:ln>
+        </p:spPr>
+        <p:style>
+          <a:lnRef idx="2">
+            <a:schemeClr val="accent1">
+              <a:shade val="50000"/>
+            </a:schemeClr>
+          </a:lnRef>
+          <a:fillRef idx="1">
+            <a:schemeClr val="accent1"/>
+          </a:fillRef>
+          <a:effectRef idx="0">
+            <a:schemeClr val="accent1"/>
+          </a:effectRef>
+          <a:fontRef idx="minor">
+            <a:schemeClr val="lt1"/>
+          </a:fontRef>
+        </p:style>
+        <p:txBody>
+          <a:bodyPr wrap="square" rtlCol="0" anchor="ctr">
+            <a:noAutofit/>
+          </a:bodyPr>
+          <a:lstStyle/>
+          <a:p>
+            <a:pPr algn="ctr"/>
+            <a:endParaRPr lang="en-US"/>
+          </a:p>
+        </p:txBody>
+      </p:sp>
+      <p:sp>
+        <p:nvSpPr>
+          <p:cNvPr id="12" name="Arc 11">
+            <a:extLst>
+              <a:ext uri="{FF2B5EF4-FFF2-40B4-BE49-F238E27FC236}">
+                <a16:creationId xmlns:a16="http://schemas.microsoft.com/office/drawing/2014/main" id="{081E4A58-353D-44AE-B2FC-2A74E2E400F7}"/>
+              </a:ext>
+              <a:ext uri="{C183D7F6-B498-43B3-948B-1728B52AA6E4}">
+                <adec:decorative xmlns:adec="http://schemas.microsoft.com/office/drawing/2017/decorative" val="1"/>
+              </a:ext>
+            </a:extLst>
+          </p:cNvPr>
+          <p:cNvSpPr>
+            <a:spLocks noGrp="1" noRot="1" noChangeAspect="1" noMove="1" noResize="1" noEditPoints="1" noAdjustHandles="1" noChangeArrowheads="1" noChangeShapeType="1" noTextEdit="1"/>
+          </p:cNvSpPr>
+          <p:nvPr>
+            <p:extLst>
+              <p:ext uri="{386F3935-93C4-4BCD-93E2-E3B085C9AB24}">
+                <p16:designElem xmlns:p16="http://schemas.microsoft.com/office/powerpoint/2015/main" val="1"/>
+              </p:ext>
+            </p:extLst>
+          </p:nvPr>
+        </p:nvSpPr>
+        <p:spPr>
+          <a:xfrm rot="5400000" flipV="1">
+            <a:off x="555710" y="2183223"/>
+            <a:ext cx="4083433" cy="4083433"/>
+          </a:xfrm>
+          <a:prstGeom prst="arc">
+            <a:avLst/>
+          </a:prstGeom>
+          <a:ln w="127000" cap="rnd">
+            <a:solidFill>
+              <a:schemeClr val="accent4"/>
+            </a:solidFill>
+            <a:prstDash val="dash"/>
+          </a:ln>
+        </p:spPr>
+        <p:style>
+          <a:lnRef idx="1">
+            <a:schemeClr val="accent1"/>
+          </a:lnRef>
+          <a:fillRef idx="0">
+            <a:schemeClr val="accent1"/>
+          </a:fillRef>
+          <a:effectRef idx="0">
+            <a:schemeClr val="accent1"/>
+          </a:effectRef>
+          <a:fontRef idx="minor">
+            <a:schemeClr val="tx1"/>
+          </a:fontRef>
+        </p:style>
+        <p:txBody>
+          <a:bodyPr rtlCol="0" anchor="ctr"/>
+          <a:lstStyle/>
+          <a:p>
+            <a:pPr algn="ctr"/>
+            <a:endParaRPr lang="en-US" dirty="0"/>
+          </a:p>
+        </p:txBody>
+      </p:sp>
+      <p:pic>
+        <p:nvPicPr>
+          <p:cNvPr id="7" name="Content Placeholder 6" descr="A close up of a map&#10;&#10;Description automatically generated">
+            <a:extLst>
+              <a:ext uri="{FF2B5EF4-FFF2-40B4-BE49-F238E27FC236}">
+                <a16:creationId xmlns:a16="http://schemas.microsoft.com/office/drawing/2014/main" id="{181ADCD9-EE8F-4492-8AC7-4199B98FF34D}"/>
+              </a:ext>
+            </a:extLst>
+          </p:cNvPr>
+          <p:cNvPicPr>
+            <a:picLocks noGrp="1" noChangeAspect="1"/>
+          </p:cNvPicPr>
+          <p:nvPr>
+            <p:ph idx="1"/>
+          </p:nvPr>
+        </p:nvPicPr>
+        <p:blipFill>
+          <a:blip r:embed="rId2">
+            <a:extLst>
+              <a:ext uri="{28A0092B-C50C-407E-A947-70E740481C1C}">
+                <a14:useLocalDpi xmlns:a14="http://schemas.microsoft.com/office/drawing/2010/main" val="0"/>
+              </a:ext>
+            </a:extLst>
+          </a:blip>
+          <a:stretch>
+            <a:fillRect/>
+          </a:stretch>
+        </p:blipFill>
+        <p:spPr>
+          <a:xfrm>
+            <a:off x="4110579" y="-111969"/>
+            <a:ext cx="3970842" cy="6969969"/>
+          </a:xfrm>
+        </p:spPr>
+      </p:pic>
+    </p:spTree>
+    <p:extLst>
+      <p:ext uri="{BB962C8B-B14F-4D97-AF65-F5344CB8AC3E}">
+        <p14:creationId xmlns:p14="http://schemas.microsoft.com/office/powerpoint/2010/main" val="3155422192"/>
+      </p:ext>
+    </p:extLst>
+  </p:cSld>
+  <p:clrMapOvr>
+    <a:masterClrMapping/>
+  </p:clrMapOvr>
+</p:sld>
+</file>
+
+<file path=ppt/slides/slide33.xml><?xml version="1.0" encoding="utf-8"?>
+<p:sld xmlns:a="http://schemas.openxmlformats.org/drawingml/2006/main" xmlns:r="http://schemas.openxmlformats.org/officeDocument/2006/relationships" xmlns:p="http://schemas.openxmlformats.org/presentationml/2006/main">
+  <p:cSld>
+    <p:bg>
+      <p:bgPr>
+        <a:solidFill>
+          <a:schemeClr val="bg1"/>
+        </a:solidFill>
+        <a:effectLst/>
+      </p:bgPr>
+    </p:bg>
+    <p:spTree>
+      <p:nvGrpSpPr>
+        <p:cNvPr id="1" name=""/>
+        <p:cNvGrpSpPr/>
+        <p:nvPr/>
+      </p:nvGrpSpPr>
+      <p:grpSpPr>
+        <a:xfrm>
+          <a:off x="0" y="0"/>
+          <a:ext cx="0" cy="0"/>
+          <a:chOff x="0" y="0"/>
+          <a:chExt cx="0" cy="0"/>
+        </a:xfrm>
+      </p:grpSpPr>
+      <p:sp useBgFill="1">
+        <p:nvSpPr>
+          <p:cNvPr id="8" name="Rectangle 7">
+            <a:extLst>
+              <a:ext uri="{FF2B5EF4-FFF2-40B4-BE49-F238E27FC236}">
+                <a16:creationId xmlns:a16="http://schemas.microsoft.com/office/drawing/2014/main" id="{1709F1D5-B0F1-4714-A239-E5B61C161915}"/>
+              </a:ext>
+              <a:ext uri="{C183D7F6-B498-43B3-948B-1728B52AA6E4}">
+                <adec:decorative xmlns:adec="http://schemas.microsoft.com/office/drawing/2017/decorative" val="1"/>
+              </a:ext>
+            </a:extLst>
+          </p:cNvPr>
+          <p:cNvSpPr>
+            <a:spLocks noGrp="1" noRot="1" noChangeAspect="1" noMove="1" noResize="1" noEditPoints="1" noAdjustHandles="1" noChangeArrowheads="1" noChangeShapeType="1" noTextEdit="1"/>
+          </p:cNvSpPr>
+          <p:nvPr>
+            <p:extLst>
+              <p:ext uri="{386F3935-93C4-4BCD-93E2-E3B085C9AB24}">
+                <p16:designElem xmlns:p16="http://schemas.microsoft.com/office/powerpoint/2015/main" val="1"/>
+              </p:ext>
+            </p:extLst>
+          </p:nvPr>
+        </p:nvSpPr>
+        <p:spPr>
+          <a:xfrm>
+            <a:off x="3048" y="0"/>
+            <a:ext cx="12188952" cy="6858000"/>
+          </a:xfrm>
+          <a:prstGeom prst="rect">
+            <a:avLst/>
+          </a:prstGeom>
+          <a:ln>
+            <a:noFill/>
+          </a:ln>
+        </p:spPr>
+        <p:style>
+          <a:lnRef idx="2">
+            <a:schemeClr val="accent1">
+              <a:shade val="50000"/>
+            </a:schemeClr>
+          </a:lnRef>
+          <a:fillRef idx="1">
+            <a:schemeClr val="accent1"/>
+          </a:fillRef>
+          <a:effectRef idx="0">
+            <a:schemeClr val="accent1"/>
+          </a:effectRef>
+          <a:fontRef idx="minor">
+            <a:schemeClr val="lt1"/>
+          </a:fontRef>
+        </p:style>
+        <p:txBody>
+          <a:bodyPr rtlCol="0" anchor="ctr"/>
+          <a:lstStyle/>
+          <a:p>
+            <a:pPr algn="ctr"/>
+            <a:endParaRPr lang="en-US"/>
+          </a:p>
+        </p:txBody>
+      </p:sp>
+      <p:sp>
+        <p:nvSpPr>
+          <p:cNvPr id="10" name="Rectangle: Rounded Corners 9">
+            <a:extLst>
+              <a:ext uri="{FF2B5EF4-FFF2-40B4-BE49-F238E27FC236}">
+                <a16:creationId xmlns:a16="http://schemas.microsoft.com/office/drawing/2014/main" id="{228FB460-D3FF-4440-A020-05982A09E517}"/>
+              </a:ext>
+              <a:ext uri="{C183D7F6-B498-43B3-948B-1728B52AA6E4}">
+                <adec:decorative xmlns:adec="http://schemas.microsoft.com/office/drawing/2017/decorative" val="1"/>
+              </a:ext>
+            </a:extLst>
+          </p:cNvPr>
+          <p:cNvSpPr>
+            <a:spLocks noGrp="1" noRot="1" noChangeAspect="1" noMove="1" noResize="1" noEditPoints="1" noAdjustHandles="1" noChangeArrowheads="1" noChangeShapeType="1" noTextEdit="1"/>
+          </p:cNvSpPr>
+          <p:nvPr>
+            <p:extLst>
+              <p:ext uri="{386F3935-93C4-4BCD-93E2-E3B085C9AB24}">
+                <p16:designElem xmlns:p16="http://schemas.microsoft.com/office/powerpoint/2015/main" val="1"/>
+              </p:ext>
+            </p:extLst>
+          </p:nvPr>
+        </p:nvSpPr>
+        <p:spPr>
+          <a:xfrm>
+            <a:off x="740546" y="1011045"/>
+            <a:ext cx="4369859" cy="4369859"/>
+          </a:xfrm>
+          <a:prstGeom prst="roundRect">
+            <a:avLst>
+              <a:gd name="adj" fmla="val 2757"/>
+            </a:avLst>
+          </a:prstGeom>
+          <a:solidFill>
+            <a:schemeClr val="accent2"/>
+          </a:solidFill>
+          <a:ln>
+            <a:noFill/>
+          </a:ln>
+        </p:spPr>
+        <p:style>
+          <a:lnRef idx="2">
+            <a:schemeClr val="accent1">
+              <a:shade val="50000"/>
+            </a:schemeClr>
+          </a:lnRef>
+          <a:fillRef idx="1">
+            <a:schemeClr val="accent1"/>
+          </a:fillRef>
+          <a:effectRef idx="0">
+            <a:schemeClr val="accent1"/>
+          </a:effectRef>
+          <a:fontRef idx="minor">
+            <a:schemeClr val="lt1"/>
+          </a:fontRef>
+        </p:style>
+        <p:txBody>
+          <a:bodyPr rtlCol="0" anchor="ctr"/>
+          <a:lstStyle/>
+          <a:p>
+            <a:pPr algn="ctr"/>
+            <a:endParaRPr lang="en-US"/>
+          </a:p>
+        </p:txBody>
+      </p:sp>
+      <p:sp>
+        <p:nvSpPr>
+          <p:cNvPr id="12" name="Freeform: Shape 11">
+            <a:extLst>
+              <a:ext uri="{FF2B5EF4-FFF2-40B4-BE49-F238E27FC236}">
+                <a16:creationId xmlns:a16="http://schemas.microsoft.com/office/drawing/2014/main" id="{14847E93-7DC1-4D4B-8829-B19AA7137C50}"/>
+              </a:ext>
+              <a:ext uri="{C183D7F6-B498-43B3-948B-1728B52AA6E4}">
+                <adec:decorative xmlns:adec="http://schemas.microsoft.com/office/drawing/2017/decorative" val="1"/>
+              </a:ext>
+            </a:extLst>
+          </p:cNvPr>
+          <p:cNvSpPr>
+            <a:spLocks noGrp="1" noRot="1" noChangeAspect="1" noMove="1" noResize="1" noEditPoints="1" noAdjustHandles="1" noChangeArrowheads="1" noChangeShapeType="1" noTextEdit="1"/>
+          </p:cNvSpPr>
+          <p:nvPr>
+            <p:extLst>
+              <p:ext uri="{386F3935-93C4-4BCD-93E2-E3B085C9AB24}">
+                <p16:designElem xmlns:p16="http://schemas.microsoft.com/office/powerpoint/2015/main" val="1"/>
+              </p:ext>
+            </p:extLst>
+          </p:nvPr>
+        </p:nvSpPr>
+        <p:spPr>
+          <a:xfrm flipH="1">
+            <a:off x="530529" y="0"/>
+            <a:ext cx="1155142" cy="591009"/>
+          </a:xfrm>
+          <a:custGeom>
+            <a:avLst/>
+            <a:gdLst>
+              <a:gd name="connsiteX0" fmla="*/ 1355 w 1155142"/>
+              <a:gd name="connsiteY0" fmla="*/ 0 h 591009"/>
+              <a:gd name="connsiteX1" fmla="*/ 1153787 w 1155142"/>
+              <a:gd name="connsiteY1" fmla="*/ 0 h 591009"/>
+              <a:gd name="connsiteX2" fmla="*/ 1155142 w 1155142"/>
+              <a:gd name="connsiteY2" fmla="*/ 13438 h 591009"/>
+              <a:gd name="connsiteX3" fmla="*/ 577571 w 1155142"/>
+              <a:gd name="connsiteY3" fmla="*/ 591009 h 591009"/>
+              <a:gd name="connsiteX4" fmla="*/ 0 w 1155142"/>
+              <a:gd name="connsiteY4" fmla="*/ 13438 h 591009"/>
+            </a:gdLst>
+            <a:ahLst/>
+            <a:cxnLst>
+              <a:cxn ang="0">
+                <a:pos x="connsiteX0" y="connsiteY0"/>
+              </a:cxn>
+              <a:cxn ang="0">
+                <a:pos x="connsiteX1" y="connsiteY1"/>
+              </a:cxn>
+              <a:cxn ang="0">
+                <a:pos x="connsiteX2" y="connsiteY2"/>
+              </a:cxn>
+              <a:cxn ang="0">
+                <a:pos x="connsiteX3" y="connsiteY3"/>
+              </a:cxn>
+              <a:cxn ang="0">
+                <a:pos x="connsiteX4" y="connsiteY4"/>
+              </a:cxn>
+            </a:cxnLst>
+            <a:rect l="l" t="t" r="r" b="b"/>
+            <a:pathLst>
+              <a:path w="1155142" h="591009">
+                <a:moveTo>
+                  <a:pt x="1355" y="0"/>
+                </a:moveTo>
+                <a:lnTo>
+                  <a:pt x="1153787" y="0"/>
+                </a:lnTo>
+                <a:lnTo>
+                  <a:pt x="1155142" y="13438"/>
+                </a:lnTo>
+                <a:cubicBezTo>
+                  <a:pt x="1155142" y="332422"/>
+                  <a:pt x="896555" y="591009"/>
+                  <a:pt x="577571" y="591009"/>
+                </a:cubicBezTo>
+                <a:cubicBezTo>
+                  <a:pt x="258587" y="591009"/>
+                  <a:pt x="0" y="332422"/>
+                  <a:pt x="0" y="13438"/>
+                </a:cubicBezTo>
+                <a:close/>
+              </a:path>
+            </a:pathLst>
+          </a:custGeom>
+          <a:solidFill>
+            <a:schemeClr val="accent5"/>
+          </a:solidFill>
+          <a:ln>
+            <a:noFill/>
+          </a:ln>
+        </p:spPr>
+        <p:style>
+          <a:lnRef idx="2">
+            <a:schemeClr val="accent1">
+              <a:shade val="50000"/>
+            </a:schemeClr>
+          </a:lnRef>
+          <a:fillRef idx="1">
+            <a:schemeClr val="accent1"/>
+          </a:fillRef>
+          <a:effectRef idx="0">
+            <a:schemeClr val="accent1"/>
+          </a:effectRef>
+          <a:fontRef idx="minor">
+            <a:schemeClr val="lt1"/>
+          </a:fontRef>
+        </p:style>
+        <p:txBody>
+          <a:bodyPr wrap="square" rtlCol="0" anchor="ctr">
+            <a:noAutofit/>
+          </a:bodyPr>
+          <a:lstStyle/>
+          <a:p>
+            <a:pPr algn="ctr"/>
+            <a:endParaRPr lang="en-US"/>
+          </a:p>
+        </p:txBody>
+      </p:sp>
+      <p:sp>
+        <p:nvSpPr>
+          <p:cNvPr id="14" name="Freeform: Shape 13">
+            <a:extLst>
+              <a:ext uri="{FF2B5EF4-FFF2-40B4-BE49-F238E27FC236}">
+                <a16:creationId xmlns:a16="http://schemas.microsoft.com/office/drawing/2014/main" id="{5566D6E1-03A1-4D73-A4E0-35D74D568A04}"/>
+              </a:ext>
+              <a:ext uri="{C183D7F6-B498-43B3-948B-1728B52AA6E4}">
+                <adec:decorative xmlns:adec="http://schemas.microsoft.com/office/drawing/2017/decorative" val="1"/>
+              </a:ext>
+            </a:extLst>
+          </p:cNvPr>
+          <p:cNvSpPr>
+            <a:spLocks noGrp="1" noRot="1" noChangeAspect="1" noMove="1" noResize="1" noEditPoints="1" noAdjustHandles="1" noChangeArrowheads="1" noChangeShapeType="1" noTextEdit="1"/>
+          </p:cNvSpPr>
+          <p:nvPr>
+            <p:extLst>
+              <p:ext uri="{386F3935-93C4-4BCD-93E2-E3B085C9AB24}">
+                <p16:designElem xmlns:p16="http://schemas.microsoft.com/office/powerpoint/2015/main" val="1"/>
+              </p:ext>
+            </p:extLst>
+          </p:nvPr>
+        </p:nvSpPr>
+        <p:spPr>
+          <a:xfrm flipH="1">
+            <a:off x="3961511" y="-1"/>
+            <a:ext cx="1737401" cy="959536"/>
+          </a:xfrm>
+          <a:custGeom>
+            <a:avLst/>
+            <a:gdLst>
+              <a:gd name="connsiteX0" fmla="*/ 0 w 1737401"/>
+              <a:gd name="connsiteY0" fmla="*/ 0 h 959536"/>
+              <a:gd name="connsiteX1" fmla="*/ 123825 w 1737401"/>
+              <a:gd name="connsiteY1" fmla="*/ 0 h 959536"/>
+              <a:gd name="connsiteX2" fmla="*/ 123825 w 1737401"/>
+              <a:gd name="connsiteY2" fmla="*/ 790277 h 959536"/>
+              <a:gd name="connsiteX3" fmla="*/ 1490095 w 1737401"/>
+              <a:gd name="connsiteY3" fmla="*/ 0 h 959536"/>
+              <a:gd name="connsiteX4" fmla="*/ 1737401 w 1737401"/>
+              <a:gd name="connsiteY4" fmla="*/ 0 h 959536"/>
+              <a:gd name="connsiteX5" fmla="*/ 92869 w 1737401"/>
+              <a:gd name="connsiteY5" fmla="*/ 951249 h 959536"/>
+              <a:gd name="connsiteX6" fmla="*/ 61913 w 1737401"/>
+              <a:gd name="connsiteY6" fmla="*/ 959536 h 959536"/>
+              <a:gd name="connsiteX7" fmla="*/ 0 w 1737401"/>
+              <a:gd name="connsiteY7" fmla="*/ 897624 h 959536"/>
+            </a:gdLst>
+            <a:ahLst/>
+            <a:cxnLst>
+              <a:cxn ang="0">
+                <a:pos x="connsiteX0" y="connsiteY0"/>
+              </a:cxn>
+              <a:cxn ang="0">
+                <a:pos x="connsiteX1" y="connsiteY1"/>
+              </a:cxn>
+              <a:cxn ang="0">
+                <a:pos x="connsiteX2" y="connsiteY2"/>
+              </a:cxn>
+              <a:cxn ang="0">
+                <a:pos x="connsiteX3" y="connsiteY3"/>
+              </a:cxn>
+              <a:cxn ang="0">
+                <a:pos x="connsiteX4" y="connsiteY4"/>
+              </a:cxn>
+              <a:cxn ang="0">
+                <a:pos x="connsiteX5" y="connsiteY5"/>
+              </a:cxn>
+              <a:cxn ang="0">
+                <a:pos x="connsiteX6" y="connsiteY6"/>
+              </a:cxn>
+              <a:cxn ang="0">
+                <a:pos x="connsiteX7" y="connsiteY7"/>
+              </a:cxn>
+            </a:cxnLst>
+            <a:rect l="l" t="t" r="r" b="b"/>
+            <a:pathLst>
+              <a:path w="1737401" h="959536">
+                <a:moveTo>
+                  <a:pt x="0" y="0"/>
+                </a:moveTo>
+                <a:lnTo>
+                  <a:pt x="123825" y="0"/>
+                </a:lnTo>
+                <a:lnTo>
+                  <a:pt x="123825" y="790277"/>
+                </a:lnTo>
+                <a:lnTo>
+                  <a:pt x="1490095" y="0"/>
+                </a:lnTo>
+                <a:lnTo>
+                  <a:pt x="1737401" y="0"/>
+                </a:lnTo>
+                <a:lnTo>
+                  <a:pt x="92869" y="951249"/>
+                </a:lnTo>
+                <a:cubicBezTo>
+                  <a:pt x="83458" y="956688"/>
+                  <a:pt x="72780" y="959546"/>
+                  <a:pt x="61913" y="959536"/>
+                </a:cubicBezTo>
+                <a:cubicBezTo>
+                  <a:pt x="27719" y="959536"/>
+                  <a:pt x="0" y="931818"/>
+                  <a:pt x="0" y="897624"/>
+                </a:cubicBezTo>
+                <a:close/>
+              </a:path>
+            </a:pathLst>
+          </a:custGeom>
+          <a:solidFill>
+            <a:schemeClr val="accent6"/>
+          </a:solidFill>
+          <a:ln w="9525" cap="flat">
+            <a:noFill/>
+            <a:prstDash val="solid"/>
+            <a:miter/>
+          </a:ln>
+        </p:spPr>
+        <p:txBody>
+          <a:bodyPr rtlCol="0" anchor="ctr"/>
+          <a:lstStyle/>
+          <a:p>
+            <a:endParaRPr lang="en-US"/>
+          </a:p>
+        </p:txBody>
+      </p:sp>
+      <p:sp>
+        <p:nvSpPr>
+          <p:cNvPr id="16" name="Freeform: Shape 15">
+            <a:extLst>
+              <a:ext uri="{FF2B5EF4-FFF2-40B4-BE49-F238E27FC236}">
+                <a16:creationId xmlns:a16="http://schemas.microsoft.com/office/drawing/2014/main" id="{9F835A99-04AC-494A-A572-AFE8413CC938}"/>
+              </a:ext>
+              <a:ext uri="{C183D7F6-B498-43B3-948B-1728B52AA6E4}">
+                <adec:decorative xmlns:adec="http://schemas.microsoft.com/office/drawing/2017/decorative" val="1"/>
+              </a:ext>
+            </a:extLst>
+          </p:cNvPr>
+          <p:cNvSpPr>
+            <a:spLocks noGrp="1" noRot="1" noChangeAspect="1" noMove="1" noResize="1" noEditPoints="1" noAdjustHandles="1" noChangeArrowheads="1" noChangeShapeType="1" noTextEdit="1"/>
+          </p:cNvSpPr>
+          <p:nvPr>
+            <p:extLst>
+              <p:ext uri="{386F3935-93C4-4BCD-93E2-E3B085C9AB24}">
+                <p16:designElem xmlns:p16="http://schemas.microsoft.com/office/powerpoint/2015/main" val="1"/>
+              </p:ext>
+            </p:extLst>
+          </p:nvPr>
+        </p:nvSpPr>
+        <p:spPr>
+          <a:xfrm flipH="1">
+            <a:off x="0" y="2936831"/>
+            <a:ext cx="159741" cy="552996"/>
+          </a:xfrm>
+          <a:custGeom>
+            <a:avLst/>
+            <a:gdLst>
+              <a:gd name="connsiteX0" fmla="*/ 159741 w 159741"/>
+              <a:gd name="connsiteY0" fmla="*/ 0 h 552996"/>
+              <a:gd name="connsiteX1" fmla="*/ 159741 w 159741"/>
+              <a:gd name="connsiteY1" fmla="*/ 552996 h 552996"/>
+              <a:gd name="connsiteX2" fmla="*/ 141849 w 159741"/>
+              <a:gd name="connsiteY2" fmla="*/ 543285 h 552996"/>
+              <a:gd name="connsiteX3" fmla="*/ 0 w 159741"/>
+              <a:gd name="connsiteY3" fmla="*/ 276498 h 552996"/>
+              <a:gd name="connsiteX4" fmla="*/ 141849 w 159741"/>
+              <a:gd name="connsiteY4" fmla="*/ 9711 h 552996"/>
+            </a:gdLst>
+            <a:ahLst/>
+            <a:cxnLst>
+              <a:cxn ang="0">
+                <a:pos x="connsiteX0" y="connsiteY0"/>
+              </a:cxn>
+              <a:cxn ang="0">
+                <a:pos x="connsiteX1" y="connsiteY1"/>
+              </a:cxn>
+              <a:cxn ang="0">
+                <a:pos x="connsiteX2" y="connsiteY2"/>
+              </a:cxn>
+              <a:cxn ang="0">
+                <a:pos x="connsiteX3" y="connsiteY3"/>
+              </a:cxn>
+              <a:cxn ang="0">
+                <a:pos x="connsiteX4" y="connsiteY4"/>
+              </a:cxn>
+            </a:cxnLst>
+            <a:rect l="l" t="t" r="r" b="b"/>
+            <a:pathLst>
+              <a:path w="159741" h="552996">
+                <a:moveTo>
+                  <a:pt x="159741" y="0"/>
+                </a:moveTo>
+                <a:lnTo>
+                  <a:pt x="159741" y="552996"/>
+                </a:lnTo>
+                <a:lnTo>
+                  <a:pt x="141849" y="543285"/>
+                </a:lnTo>
+                <a:cubicBezTo>
+                  <a:pt x="56268" y="485467"/>
+                  <a:pt x="0" y="387554"/>
+                  <a:pt x="0" y="276498"/>
+                </a:cubicBezTo>
+                <a:cubicBezTo>
+                  <a:pt x="0" y="165443"/>
+                  <a:pt x="56268" y="67529"/>
+                  <a:pt x="141849" y="9711"/>
+                </a:cubicBezTo>
+                <a:close/>
+              </a:path>
+            </a:pathLst>
+          </a:custGeom>
+          <a:solidFill>
+            <a:schemeClr val="accent4"/>
+          </a:solidFill>
+          <a:ln w="127000">
+            <a:noFill/>
+          </a:ln>
+        </p:spPr>
+        <p:style>
+          <a:lnRef idx="2">
+            <a:schemeClr val="accent1">
+              <a:shade val="50000"/>
+            </a:schemeClr>
+          </a:lnRef>
+          <a:fillRef idx="1">
+            <a:schemeClr val="accent1"/>
+          </a:fillRef>
+          <a:effectRef idx="0">
+            <a:schemeClr val="accent1"/>
+          </a:effectRef>
+          <a:fontRef idx="minor">
+            <a:schemeClr val="lt1"/>
+          </a:fontRef>
+        </p:style>
+        <p:txBody>
+          <a:bodyPr wrap="square" rtlCol="0" anchor="ctr">
+            <a:noAutofit/>
+          </a:bodyPr>
+          <a:lstStyle/>
+          <a:p>
+            <a:pPr algn="ctr"/>
+            <a:endParaRPr lang="en-US"/>
+          </a:p>
+        </p:txBody>
+      </p:sp>
+      <p:sp>
+        <p:nvSpPr>
+          <p:cNvPr id="18" name="Freeform: Shape 17">
+            <a:extLst>
+              <a:ext uri="{FF2B5EF4-FFF2-40B4-BE49-F238E27FC236}">
+                <a16:creationId xmlns:a16="http://schemas.microsoft.com/office/drawing/2014/main" id="{7B786209-1B0B-4CA9-9BDD-F7327066A84D}"/>
+              </a:ext>
+              <a:ext uri="{C183D7F6-B498-43B3-948B-1728B52AA6E4}">
+                <adec:decorative xmlns:adec="http://schemas.microsoft.com/office/drawing/2017/decorative" val="1"/>
+              </a:ext>
+            </a:extLst>
+          </p:cNvPr>
+          <p:cNvSpPr>
+            <a:spLocks noGrp="1" noRot="1" noChangeAspect="1" noMove="1" noResize="1" noEditPoints="1" noAdjustHandles="1" noChangeArrowheads="1" noChangeShapeType="1" noTextEdit="1"/>
+          </p:cNvSpPr>
+          <p:nvPr>
+            <p:extLst>
+              <p:ext uri="{386F3935-93C4-4BCD-93E2-E3B085C9AB24}">
+                <p16:designElem xmlns:p16="http://schemas.microsoft.com/office/powerpoint/2015/main" val="1"/>
+              </p:ext>
+            </p:extLst>
+          </p:nvPr>
+        </p:nvSpPr>
+        <p:spPr>
+          <a:xfrm flipH="1">
+            <a:off x="0" y="5835649"/>
+            <a:ext cx="1548180" cy="1022351"/>
+          </a:xfrm>
+          <a:custGeom>
+            <a:avLst/>
+            <a:gdLst>
+              <a:gd name="connsiteX0" fmla="*/ 61913 w 1548180"/>
+              <a:gd name="connsiteY0" fmla="*/ 0 h 1022351"/>
+              <a:gd name="connsiteX1" fmla="*/ 1548180 w 1548180"/>
+              <a:gd name="connsiteY1" fmla="*/ 0 h 1022351"/>
+              <a:gd name="connsiteX2" fmla="*/ 1548180 w 1548180"/>
+              <a:gd name="connsiteY2" fmla="*/ 123825 h 1022351"/>
+              <a:gd name="connsiteX3" fmla="*/ 123825 w 1548180"/>
+              <a:gd name="connsiteY3" fmla="*/ 123825 h 1022351"/>
+              <a:gd name="connsiteX4" fmla="*/ 123825 w 1548180"/>
+              <a:gd name="connsiteY4" fmla="*/ 1022351 h 1022351"/>
+              <a:gd name="connsiteX5" fmla="*/ 0 w 1548180"/>
+              <a:gd name="connsiteY5" fmla="*/ 1022351 h 1022351"/>
+              <a:gd name="connsiteX6" fmla="*/ 0 w 1548180"/>
+              <a:gd name="connsiteY6" fmla="*/ 61913 h 1022351"/>
+              <a:gd name="connsiteX7" fmla="*/ 61913 w 1548180"/>
+              <a:gd name="connsiteY7" fmla="*/ 0 h 1022351"/>
+            </a:gdLst>
+            <a:ahLst/>
+            <a:cxnLst>
+              <a:cxn ang="0">
+                <a:pos x="connsiteX0" y="connsiteY0"/>
+              </a:cxn>
+              <a:cxn ang="0">
+                <a:pos x="connsiteX1" y="connsiteY1"/>
+              </a:cxn>
+              <a:cxn ang="0">
+                <a:pos x="connsiteX2" y="connsiteY2"/>
+              </a:cxn>
+              <a:cxn ang="0">
+                <a:pos x="connsiteX3" y="connsiteY3"/>
+              </a:cxn>
+              <a:cxn ang="0">
+                <a:pos x="connsiteX4" y="connsiteY4"/>
+              </a:cxn>
+              <a:cxn ang="0">
+                <a:pos x="connsiteX5" y="connsiteY5"/>
+              </a:cxn>
+              <a:cxn ang="0">
+                <a:pos x="connsiteX6" y="connsiteY6"/>
+              </a:cxn>
+              <a:cxn ang="0">
+                <a:pos x="connsiteX7" y="connsiteY7"/>
+              </a:cxn>
+            </a:cxnLst>
+            <a:rect l="l" t="t" r="r" b="b"/>
+            <a:pathLst>
+              <a:path w="1548180" h="1022351">
+                <a:moveTo>
+                  <a:pt x="61913" y="0"/>
+                </a:moveTo>
+                <a:lnTo>
+                  <a:pt x="1548180" y="0"/>
+                </a:lnTo>
+                <a:lnTo>
+                  <a:pt x="1548180" y="123825"/>
+                </a:lnTo>
+                <a:lnTo>
+                  <a:pt x="123825" y="123825"/>
+                </a:lnTo>
+                <a:lnTo>
+                  <a:pt x="123825" y="1022351"/>
+                </a:lnTo>
+                <a:lnTo>
+                  <a:pt x="0" y="1022351"/>
+                </a:lnTo>
+                <a:lnTo>
+                  <a:pt x="0" y="61913"/>
+                </a:lnTo>
+                <a:cubicBezTo>
+                  <a:pt x="0" y="27719"/>
+                  <a:pt x="27719" y="0"/>
+                  <a:pt x="61913" y="0"/>
+                </a:cubicBezTo>
+                <a:close/>
+              </a:path>
+            </a:pathLst>
+          </a:custGeom>
+          <a:solidFill>
+            <a:schemeClr val="accent6"/>
+          </a:solidFill>
+          <a:ln w="9525" cap="flat">
+            <a:noFill/>
+            <a:prstDash val="solid"/>
+            <a:miter/>
+          </a:ln>
+        </p:spPr>
+        <p:txBody>
+          <a:bodyPr rtlCol="0" anchor="ctr"/>
+          <a:lstStyle/>
+          <a:p>
+            <a:endParaRPr lang="en-US"/>
+          </a:p>
+        </p:txBody>
+      </p:sp>
+      <p:sp>
+        <p:nvSpPr>
+          <p:cNvPr id="20" name="Freeform: Shape 19">
+            <a:extLst>
+              <a:ext uri="{FF2B5EF4-FFF2-40B4-BE49-F238E27FC236}">
+                <a16:creationId xmlns:a16="http://schemas.microsoft.com/office/drawing/2014/main" id="{2D2964BB-484D-45AE-AD66-D407D0629652}"/>
+              </a:ext>
+              <a:ext uri="{C183D7F6-B498-43B3-948B-1728B52AA6E4}">
+                <adec:decorative xmlns:adec="http://schemas.microsoft.com/office/drawing/2017/decorative" val="1"/>
+              </a:ext>
+            </a:extLst>
+          </p:cNvPr>
+          <p:cNvSpPr>
+            <a:spLocks noGrp="1" noRot="1" noChangeAspect="1" noMove="1" noResize="1" noEditPoints="1" noAdjustHandles="1" noChangeArrowheads="1" noChangeShapeType="1" noTextEdit="1"/>
+          </p:cNvSpPr>
+          <p:nvPr>
+            <p:extLst>
+              <p:ext uri="{386F3935-93C4-4BCD-93E2-E3B085C9AB24}">
+                <p16:designElem xmlns:p16="http://schemas.microsoft.com/office/powerpoint/2015/main" val="1"/>
+              </p:ext>
+            </p:extLst>
+          </p:nvPr>
+        </p:nvSpPr>
+        <p:spPr>
+          <a:xfrm flipH="1">
+            <a:off x="3418308" y="5717905"/>
+            <a:ext cx="1771609" cy="1140095"/>
+          </a:xfrm>
+          <a:custGeom>
+            <a:avLst/>
+            <a:gdLst>
+              <a:gd name="connsiteX0" fmla="*/ 1561721 w 1771609"/>
+              <a:gd name="connsiteY0" fmla="*/ 763041 h 1140095"/>
+              <a:gd name="connsiteX1" fmla="*/ 1623024 w 1771609"/>
+              <a:gd name="connsiteY1" fmla="*/ 792810 h 1140095"/>
+              <a:gd name="connsiteX2" fmla="*/ 1711735 w 1771609"/>
+              <a:gd name="connsiteY2" fmla="*/ 970132 h 1140095"/>
+              <a:gd name="connsiteX3" fmla="*/ 1771609 w 1771609"/>
+              <a:gd name="connsiteY3" fmla="*/ 1140095 h 1140095"/>
+              <a:gd name="connsiteX4" fmla="*/ 1637225 w 1771609"/>
+              <a:gd name="connsiteY4" fmla="*/ 1140095 h 1140095"/>
+              <a:gd name="connsiteX5" fmla="*/ 1594820 w 1771609"/>
+              <a:gd name="connsiteY5" fmla="*/ 1019711 h 1140095"/>
+              <a:gd name="connsiteX6" fmla="*/ 1513200 w 1771609"/>
+              <a:gd name="connsiteY6" fmla="*/ 856627 h 1140095"/>
+              <a:gd name="connsiteX7" fmla="*/ 1538499 w 1771609"/>
+              <a:gd name="connsiteY7" fmla="*/ 770415 h 1140095"/>
+              <a:gd name="connsiteX8" fmla="*/ 1561721 w 1771609"/>
+              <a:gd name="connsiteY8" fmla="*/ 763041 h 1140095"/>
+              <a:gd name="connsiteX9" fmla="*/ 933455 w 1771609"/>
+              <a:gd name="connsiteY9" fmla="*/ 161309 h 1140095"/>
+              <a:gd name="connsiteX10" fmla="*/ 957797 w 1771609"/>
+              <a:gd name="connsiteY10" fmla="*/ 167970 h 1140095"/>
+              <a:gd name="connsiteX11" fmla="*/ 1286982 w 1771609"/>
+              <a:gd name="connsiteY11" fmla="*/ 387616 h 1140095"/>
+              <a:gd name="connsiteX12" fmla="*/ 1293725 w 1771609"/>
+              <a:gd name="connsiteY12" fmla="*/ 477075 h 1140095"/>
+              <a:gd name="connsiteX13" fmla="*/ 1245453 w 1771609"/>
+              <a:gd name="connsiteY13" fmla="*/ 499154 h 1140095"/>
+              <a:gd name="connsiteX14" fmla="*/ 1245167 w 1771609"/>
+              <a:gd name="connsiteY14" fmla="*/ 499154 h 1140095"/>
+              <a:gd name="connsiteX15" fmla="*/ 1203638 w 1771609"/>
+              <a:gd name="connsiteY15" fmla="*/ 484104 h 1140095"/>
+              <a:gd name="connsiteX16" fmla="*/ 900647 w 1771609"/>
+              <a:gd name="connsiteY16" fmla="*/ 281508 h 1140095"/>
+              <a:gd name="connsiteX17" fmla="*/ 872454 w 1771609"/>
+              <a:gd name="connsiteY17" fmla="*/ 196164 h 1140095"/>
+              <a:gd name="connsiteX18" fmla="*/ 933455 w 1771609"/>
+              <a:gd name="connsiteY18" fmla="*/ 161309 h 1140095"/>
+              <a:gd name="connsiteX19" fmla="*/ 256260 w 1771609"/>
+              <a:gd name="connsiteY19" fmla="*/ 29 h 1140095"/>
+              <a:gd name="connsiteX20" fmla="*/ 454020 w 1771609"/>
+              <a:gd name="connsiteY20" fmla="*/ 13474 h 1140095"/>
+              <a:gd name="connsiteX21" fmla="*/ 509236 w 1771609"/>
+              <a:gd name="connsiteY21" fmla="*/ 84182 h 1140095"/>
+              <a:gd name="connsiteX22" fmla="*/ 445829 w 1771609"/>
+              <a:gd name="connsiteY22" fmla="*/ 139871 h 1140095"/>
+              <a:gd name="connsiteX23" fmla="*/ 437447 w 1771609"/>
+              <a:gd name="connsiteY23" fmla="*/ 139395 h 1140095"/>
+              <a:gd name="connsiteX24" fmla="*/ 73211 w 1771609"/>
+              <a:gd name="connsiteY24" fmla="*/ 137204 h 1140095"/>
+              <a:gd name="connsiteX25" fmla="*/ 749 w 1771609"/>
+              <a:gd name="connsiteY25" fmla="*/ 84082 h 1140095"/>
+              <a:gd name="connsiteX26" fmla="*/ 53871 w 1771609"/>
+              <a:gd name="connsiteY26" fmla="*/ 11621 h 1140095"/>
+              <a:gd name="connsiteX27" fmla="*/ 58352 w 1771609"/>
+              <a:gd name="connsiteY27" fmla="*/ 11093 h 1140095"/>
+              <a:gd name="connsiteX28" fmla="*/ 256260 w 1771609"/>
+              <a:gd name="connsiteY28" fmla="*/ 29 h 1140095"/>
+            </a:gdLst>
+            <a:ahLst/>
+            <a:cxnLst>
+              <a:cxn ang="0">
+                <a:pos x="connsiteX0" y="connsiteY0"/>
+              </a:cxn>
+              <a:cxn ang="0">
+                <a:pos x="connsiteX1" y="connsiteY1"/>
+              </a:cxn>
+              <a:cxn ang="0">
+                <a:pos x="connsiteX2" y="connsiteY2"/>
+              </a:cxn>
+              <a:cxn ang="0">
+                <a:pos x="connsiteX3" y="connsiteY3"/>
+              </a:cxn>
+              <a:cxn ang="0">
+                <a:pos x="connsiteX4" y="connsiteY4"/>
+              </a:cxn>
+              <a:cxn ang="0">
+                <a:pos x="connsiteX5" y="connsiteY5"/>
+              </a:cxn>
+              <a:cxn ang="0">
+                <a:pos x="connsiteX6" y="connsiteY6"/>
+              </a:cxn>
+              <a:cxn ang="0">
+                <a:pos x="connsiteX7" y="connsiteY7"/>
+              </a:cxn>
+              <a:cxn ang="0">
+                <a:pos x="connsiteX8" y="connsiteY8"/>
+              </a:cxn>
+              <a:cxn ang="0">
+                <a:pos x="connsiteX9" y="connsiteY9"/>
+              </a:cxn>
+              <a:cxn ang="0">
+                <a:pos x="connsiteX10" y="connsiteY10"/>
+              </a:cxn>
+              <a:cxn ang="0">
+                <a:pos x="connsiteX11" y="connsiteY11"/>
+              </a:cxn>
+              <a:cxn ang="0">
+                <a:pos x="connsiteX12" y="connsiteY12"/>
+              </a:cxn>
+              <a:cxn ang="0">
+                <a:pos x="connsiteX13" y="connsiteY13"/>
+              </a:cxn>
+              <a:cxn ang="0">
+                <a:pos x="connsiteX14" y="connsiteY14"/>
+              </a:cxn>
+              <a:cxn ang="0">
+                <a:pos x="connsiteX15" y="connsiteY15"/>
+              </a:cxn>
+              <a:cxn ang="0">
+                <a:pos x="connsiteX16" y="connsiteY16"/>
+              </a:cxn>
+              <a:cxn ang="0">
+                <a:pos x="connsiteX17" y="connsiteY17"/>
+              </a:cxn>
+              <a:cxn ang="0">
+                <a:pos x="connsiteX18" y="connsiteY18"/>
+              </a:cxn>
+              <a:cxn ang="0">
+                <a:pos x="connsiteX19" y="connsiteY19"/>
+              </a:cxn>
+              <a:cxn ang="0">
+                <a:pos x="connsiteX20" y="connsiteY20"/>
+              </a:cxn>
+              <a:cxn ang="0">
+                <a:pos x="connsiteX21" y="connsiteY21"/>
+              </a:cxn>
+              <a:cxn ang="0">
+                <a:pos x="connsiteX22" y="connsiteY22"/>
+              </a:cxn>
+              <a:cxn ang="0">
+                <a:pos x="connsiteX23" y="connsiteY23"/>
+              </a:cxn>
+              <a:cxn ang="0">
+                <a:pos x="connsiteX24" y="connsiteY24"/>
+              </a:cxn>
+              <a:cxn ang="0">
+                <a:pos x="connsiteX25" y="connsiteY25"/>
+              </a:cxn>
+              <a:cxn ang="0">
+                <a:pos x="connsiteX26" y="connsiteY26"/>
+              </a:cxn>
+              <a:cxn ang="0">
+                <a:pos x="connsiteX27" y="connsiteY27"/>
+              </a:cxn>
+              <a:cxn ang="0">
+                <a:pos x="connsiteX28" y="connsiteY28"/>
+              </a:cxn>
+            </a:cxnLst>
+            <a:rect l="l" t="t" r="r" b="b"/>
+            <a:pathLst>
+              <a:path w="1771609" h="1140095">
+                <a:moveTo>
+                  <a:pt x="1561721" y="763041"/>
+                </a:moveTo>
+                <a:cubicBezTo>
+                  <a:pt x="1585506" y="760324"/>
+                  <a:pt x="1609722" y="771249"/>
+                  <a:pt x="1623024" y="792810"/>
+                </a:cubicBezTo>
+                <a:cubicBezTo>
+                  <a:pt x="1656300" y="850065"/>
+                  <a:pt x="1685920" y="909291"/>
+                  <a:pt x="1711735" y="970132"/>
+                </a:cubicBezTo>
+                <a:lnTo>
+                  <a:pt x="1771609" y="1140095"/>
+                </a:lnTo>
+                <a:lnTo>
+                  <a:pt x="1637225" y="1140095"/>
+                </a:lnTo>
+                <a:lnTo>
+                  <a:pt x="1594820" y="1019711"/>
+                </a:lnTo>
+                <a:cubicBezTo>
+                  <a:pt x="1571072" y="963753"/>
+                  <a:pt x="1543818" y="909282"/>
+                  <a:pt x="1513200" y="856627"/>
+                </a:cubicBezTo>
+                <a:cubicBezTo>
+                  <a:pt x="1496379" y="825834"/>
+                  <a:pt x="1507704" y="787236"/>
+                  <a:pt x="1538499" y="770415"/>
+                </a:cubicBezTo>
+                <a:cubicBezTo>
+                  <a:pt x="1545912" y="766367"/>
+                  <a:pt x="1553792" y="763946"/>
+                  <a:pt x="1561721" y="763041"/>
+                </a:cubicBezTo>
+                <a:close/>
+                <a:moveTo>
+                  <a:pt x="933455" y="161309"/>
+                </a:moveTo>
+                <a:cubicBezTo>
+                  <a:pt x="941693" y="161855"/>
+                  <a:pt x="949959" y="164025"/>
+                  <a:pt x="957797" y="167970"/>
+                </a:cubicBezTo>
+                <a:cubicBezTo>
+                  <a:pt x="1076184" y="227289"/>
+                  <a:pt x="1186759" y="301068"/>
+                  <a:pt x="1286982" y="387616"/>
+                </a:cubicBezTo>
+                <a:cubicBezTo>
+                  <a:pt x="1313547" y="410457"/>
+                  <a:pt x="1316566" y="450510"/>
+                  <a:pt x="1293725" y="477075"/>
+                </a:cubicBezTo>
+                <a:cubicBezTo>
+                  <a:pt x="1281638" y="491137"/>
+                  <a:pt x="1263998" y="499204"/>
+                  <a:pt x="1245453" y="499154"/>
+                </a:cubicBezTo>
+                <a:lnTo>
+                  <a:pt x="1245167" y="499154"/>
+                </a:lnTo>
+                <a:cubicBezTo>
+                  <a:pt x="1229965" y="499301"/>
+                  <a:pt x="1215220" y="493956"/>
+                  <a:pt x="1203638" y="484104"/>
+                </a:cubicBezTo>
+                <a:cubicBezTo>
+                  <a:pt x="1111407" y="404300"/>
+                  <a:pt x="1009633" y="336248"/>
+                  <a:pt x="900647" y="281508"/>
+                </a:cubicBezTo>
+                <a:cubicBezTo>
+                  <a:pt x="869295" y="265726"/>
+                  <a:pt x="856672" y="227516"/>
+                  <a:pt x="872454" y="196164"/>
+                </a:cubicBezTo>
+                <a:cubicBezTo>
+                  <a:pt x="884290" y="172650"/>
+                  <a:pt x="908742" y="159670"/>
+                  <a:pt x="933455" y="161309"/>
+                </a:cubicBezTo>
+                <a:close/>
+                <a:moveTo>
+                  <a:pt x="256260" y="29"/>
+                </a:moveTo>
+                <a:cubicBezTo>
+                  <a:pt x="322331" y="427"/>
+                  <a:pt x="388378" y="4909"/>
+                  <a:pt x="454020" y="13474"/>
+                </a:cubicBezTo>
+                <a:cubicBezTo>
+                  <a:pt x="488793" y="17752"/>
+                  <a:pt x="513514" y="49409"/>
+                  <a:pt x="509236" y="84182"/>
+                </a:cubicBezTo>
+                <a:cubicBezTo>
+                  <a:pt x="505303" y="116151"/>
+                  <a:pt x="478038" y="140098"/>
+                  <a:pt x="445829" y="139871"/>
+                </a:cubicBezTo>
+                <a:cubicBezTo>
+                  <a:pt x="443027" y="139899"/>
+                  <a:pt x="440227" y="139740"/>
+                  <a:pt x="437447" y="139395"/>
+                </a:cubicBezTo>
+                <a:cubicBezTo>
+                  <a:pt x="316592" y="123615"/>
+                  <a:pt x="194247" y="122878"/>
+                  <a:pt x="73211" y="137204"/>
+                </a:cubicBezTo>
+                <a:cubicBezTo>
+                  <a:pt x="38532" y="142545"/>
+                  <a:pt x="6090" y="118762"/>
+                  <a:pt x="749" y="84082"/>
+                </a:cubicBezTo>
+                <a:cubicBezTo>
+                  <a:pt x="-4591" y="49403"/>
+                  <a:pt x="19192" y="16961"/>
+                  <a:pt x="53871" y="11621"/>
+                </a:cubicBezTo>
+                <a:cubicBezTo>
+                  <a:pt x="55358" y="11392"/>
+                  <a:pt x="56852" y="11216"/>
+                  <a:pt x="58352" y="11093"/>
+                </a:cubicBezTo>
+                <a:cubicBezTo>
+                  <a:pt x="124093" y="3319"/>
+                  <a:pt x="190189" y="-369"/>
+                  <a:pt x="256260" y="29"/>
+                </a:cubicBezTo>
+                <a:close/>
+              </a:path>
+            </a:pathLst>
+          </a:custGeom>
+          <a:solidFill>
+            <a:schemeClr val="accent4"/>
+          </a:solidFill>
+          <a:ln w="9525" cap="flat">
+            <a:noFill/>
+            <a:prstDash val="solid"/>
+            <a:miter/>
+          </a:ln>
+        </p:spPr>
+        <p:txBody>
+          <a:bodyPr rtlCol="0" anchor="ctr"/>
+          <a:lstStyle/>
+          <a:p>
+            <a:endParaRPr lang="en-US"/>
+          </a:p>
+        </p:txBody>
+      </p:sp>
+      <p:sp>
+        <p:nvSpPr>
+          <p:cNvPr id="22" name="Freeform: Shape 21">
+            <a:extLst>
+              <a:ext uri="{FF2B5EF4-FFF2-40B4-BE49-F238E27FC236}">
+                <a16:creationId xmlns:a16="http://schemas.microsoft.com/office/drawing/2014/main" id="{6691AC69-A76E-4DAB-B565-468B6B87ACF3}"/>
+              </a:ext>
+              <a:ext uri="{C183D7F6-B498-43B3-948B-1728B52AA6E4}">
+                <adec:decorative xmlns:adec="http://schemas.microsoft.com/office/drawing/2017/decorative" val="1"/>
+              </a:ext>
+            </a:extLst>
+          </p:cNvPr>
+          <p:cNvSpPr>
+            <a:spLocks noGrp="1" noRot="1" noChangeAspect="1" noMove="1" noResize="1" noEditPoints="1" noAdjustHandles="1" noChangeArrowheads="1" noChangeShapeType="1" noTextEdit="1"/>
+          </p:cNvSpPr>
+          <p:nvPr>
+            <p:extLst>
+              <p:ext uri="{386F3935-93C4-4BCD-93E2-E3B085C9AB24}">
+                <p16:designElem xmlns:p16="http://schemas.microsoft.com/office/powerpoint/2015/main" val="1"/>
+              </p:ext>
+            </p:extLst>
+          </p:nvPr>
+        </p:nvSpPr>
+        <p:spPr>
+          <a:xfrm flipH="1">
+            <a:off x="4132972" y="6258755"/>
+            <a:ext cx="1565940" cy="599245"/>
+          </a:xfrm>
+          <a:custGeom>
+            <a:avLst/>
+            <a:gdLst>
+              <a:gd name="connsiteX0" fmla="*/ 782970 w 1565940"/>
+              <a:gd name="connsiteY0" fmla="*/ 0 h 599245"/>
+              <a:gd name="connsiteX1" fmla="*/ 1528042 w 1565940"/>
+              <a:gd name="connsiteY1" fmla="*/ 480469 h 599245"/>
+              <a:gd name="connsiteX2" fmla="*/ 1565940 w 1565940"/>
+              <a:gd name="connsiteY2" fmla="*/ 599245 h 599245"/>
+              <a:gd name="connsiteX3" fmla="*/ 0 w 1565940"/>
+              <a:gd name="connsiteY3" fmla="*/ 599245 h 599245"/>
+              <a:gd name="connsiteX4" fmla="*/ 37898 w 1565940"/>
+              <a:gd name="connsiteY4" fmla="*/ 480469 h 599245"/>
+              <a:gd name="connsiteX5" fmla="*/ 782970 w 1565940"/>
+              <a:gd name="connsiteY5" fmla="*/ 0 h 599245"/>
+            </a:gdLst>
+            <a:ahLst/>
+            <a:cxnLst>
+              <a:cxn ang="0">
+                <a:pos x="connsiteX0" y="connsiteY0"/>
+              </a:cxn>
+              <a:cxn ang="0">
+                <a:pos x="connsiteX1" y="connsiteY1"/>
+              </a:cxn>
+              <a:cxn ang="0">
+                <a:pos x="connsiteX2" y="connsiteY2"/>
+              </a:cxn>
+              <a:cxn ang="0">
+                <a:pos x="connsiteX3" y="connsiteY3"/>
+              </a:cxn>
+              <a:cxn ang="0">
+                <a:pos x="connsiteX4" y="connsiteY4"/>
+              </a:cxn>
+              <a:cxn ang="0">
+                <a:pos x="connsiteX5" y="connsiteY5"/>
+              </a:cxn>
+            </a:cxnLst>
+            <a:rect l="l" t="t" r="r" b="b"/>
+            <a:pathLst>
+              <a:path w="1565940" h="599245">
+                <a:moveTo>
+                  <a:pt x="782970" y="0"/>
+                </a:moveTo>
+                <a:cubicBezTo>
+                  <a:pt x="1117910" y="0"/>
+                  <a:pt x="1405287" y="198118"/>
+                  <a:pt x="1528042" y="480469"/>
+                </a:cubicBezTo>
+                <a:lnTo>
+                  <a:pt x="1565940" y="599245"/>
+                </a:lnTo>
+                <a:lnTo>
+                  <a:pt x="0" y="599245"/>
+                </a:lnTo>
+                <a:lnTo>
+                  <a:pt x="37898" y="480469"/>
+                </a:lnTo>
+                <a:cubicBezTo>
+                  <a:pt x="160653" y="198118"/>
+                  <a:pt x="448030" y="0"/>
+                  <a:pt x="782970" y="0"/>
+                </a:cubicBezTo>
+                <a:close/>
+              </a:path>
+            </a:pathLst>
+          </a:custGeom>
+          <a:solidFill>
+            <a:schemeClr val="accent2"/>
+          </a:solidFill>
+          <a:ln>
+            <a:noFill/>
+          </a:ln>
+        </p:spPr>
+        <p:style>
+          <a:lnRef idx="2">
+            <a:schemeClr val="accent1">
+              <a:shade val="50000"/>
+            </a:schemeClr>
+          </a:lnRef>
+          <a:fillRef idx="1">
+            <a:schemeClr val="accent1"/>
+          </a:fillRef>
+          <a:effectRef idx="0">
+            <a:schemeClr val="accent1"/>
+          </a:effectRef>
+          <a:fontRef idx="minor">
+            <a:schemeClr val="lt1"/>
+          </a:fontRef>
+        </p:style>
+        <p:txBody>
+          <a:bodyPr wrap="square" rtlCol="0" anchor="ctr">
+            <a:noAutofit/>
+          </a:bodyPr>
+          <a:lstStyle/>
+          <a:p>
+            <a:pPr algn="ctr"/>
+            <a:endParaRPr lang="en-US" dirty="0"/>
+          </a:p>
+        </p:txBody>
+      </p:sp>
+      <p:pic>
+        <p:nvPicPr>
+          <p:cNvPr id="5" name="Picture 4" descr="A close up of a map&#10;&#10;Description automatically generated">
+            <a:extLst>
+              <a:ext uri="{FF2B5EF4-FFF2-40B4-BE49-F238E27FC236}">
+                <a16:creationId xmlns:a16="http://schemas.microsoft.com/office/drawing/2014/main" id="{3CD790A5-682F-4968-9C37-CB9A5C5571CB}"/>
+              </a:ext>
+            </a:extLst>
+          </p:cNvPr>
+          <p:cNvPicPr>
+            <a:picLocks noChangeAspect="1"/>
+          </p:cNvPicPr>
+          <p:nvPr/>
+        </p:nvPicPr>
+        <p:blipFill rotWithShape="1">
+          <a:blip r:embed="rId2">
+            <a:extLst>
+              <a:ext uri="{28A0092B-C50C-407E-A947-70E740481C1C}">
+                <a14:useLocalDpi xmlns:a14="http://schemas.microsoft.com/office/drawing/2010/main" val="0"/>
+              </a:ext>
+            </a:extLst>
+          </a:blip>
+          <a:srcRect b="36281"/>
+          <a:stretch/>
+        </p:blipFill>
+        <p:spPr>
+          <a:xfrm>
+            <a:off x="6068782" y="-130628"/>
+            <a:ext cx="5753348" cy="6988628"/>
+          </a:xfrm>
+          <a:prstGeom prst="rect">
+            <a:avLst/>
+          </a:prstGeom>
+        </p:spPr>
+      </p:pic>
+      <p:pic>
+        <p:nvPicPr>
+          <p:cNvPr id="6" name="Picture 5" descr="A close up of a map&#10;&#10;Description automatically generated">
+            <a:extLst>
+              <a:ext uri="{FF2B5EF4-FFF2-40B4-BE49-F238E27FC236}">
+                <a16:creationId xmlns:a16="http://schemas.microsoft.com/office/drawing/2014/main" id="{B80E5C8B-24E7-4088-8878-0A624A80201F}"/>
+              </a:ext>
+            </a:extLst>
+          </p:cNvPr>
+          <p:cNvPicPr>
+            <a:picLocks noChangeAspect="1"/>
+          </p:cNvPicPr>
+          <p:nvPr/>
+        </p:nvPicPr>
+        <p:blipFill rotWithShape="1">
+          <a:blip r:embed="rId2">
+            <a:extLst>
+              <a:ext uri="{28A0092B-C50C-407E-A947-70E740481C1C}">
+                <a14:useLocalDpi xmlns:a14="http://schemas.microsoft.com/office/drawing/2010/main" val="0"/>
+              </a:ext>
+            </a:extLst>
+          </a:blip>
+          <a:srcRect l="2716" t="65734" r="-454" b="-3327"/>
+          <a:stretch/>
+        </p:blipFill>
+        <p:spPr>
+          <a:xfrm>
+            <a:off x="197732" y="1296536"/>
+            <a:ext cx="5623247" cy="4123086"/>
+          </a:xfrm>
+          <a:prstGeom prst="rect">
+            <a:avLst/>
+          </a:prstGeom>
+        </p:spPr>
+      </p:pic>
+    </p:spTree>
+    <p:extLst>
+      <p:ext uri="{BB962C8B-B14F-4D97-AF65-F5344CB8AC3E}">
+        <p14:creationId xmlns:p14="http://schemas.microsoft.com/office/powerpoint/2010/main" val="1748358058"/>
+      </p:ext>
+    </p:extLst>
+  </p:cSld>
+  <p:clrMapOvr>
+    <a:masterClrMapping/>
+  </p:clrMapOvr>
+</p:sld>
+</file>
+
+<file path=ppt/slides/slide34.xml><?xml version="1.0" encoding="utf-8"?>
+<p:sld xmlns:a="http://schemas.openxmlformats.org/drawingml/2006/main" xmlns:r="http://schemas.openxmlformats.org/officeDocument/2006/relationships" xmlns:p="http://schemas.openxmlformats.org/presentationml/2006/main">
+  <p:cSld>
+    <p:bg>
+      <p:bgPr>
+        <a:solidFill>
+          <a:schemeClr val="bg1"/>
+        </a:solidFill>
+        <a:effectLst/>
+      </p:bgPr>
+    </p:bg>
+    <p:spTree>
+      <p:nvGrpSpPr>
+        <p:cNvPr id="1" name=""/>
+        <p:cNvGrpSpPr/>
+        <p:nvPr/>
+      </p:nvGrpSpPr>
+      <p:grpSpPr>
+        <a:xfrm>
+          <a:off x="0" y="0"/>
+          <a:ext cx="0" cy="0"/>
+          <a:chOff x="0" y="0"/>
+          <a:chExt cx="0" cy="0"/>
+        </a:xfrm>
+      </p:grpSpPr>
+      <p:sp useBgFill="1">
+        <p:nvSpPr>
+          <p:cNvPr id="8" name="Rectangle 7">
+            <a:extLst>
+              <a:ext uri="{FF2B5EF4-FFF2-40B4-BE49-F238E27FC236}">
+                <a16:creationId xmlns:a16="http://schemas.microsoft.com/office/drawing/2014/main" id="{907EF6B7-1338-4443-8C46-6A318D952DFD}"/>
+              </a:ext>
+              <a:ext uri="{C183D7F6-B498-43B3-948B-1728B52AA6E4}">
+                <adec:decorative xmlns:adec="http://schemas.microsoft.com/office/drawing/2017/decorative" val="1"/>
+              </a:ext>
+            </a:extLst>
+          </p:cNvPr>
+          <p:cNvSpPr>
+            <a:spLocks noGrp="1" noRot="1" noChangeAspect="1" noMove="1" noResize="1" noEditPoints="1" noAdjustHandles="1" noChangeArrowheads="1" noChangeShapeType="1" noTextEdit="1"/>
+          </p:cNvSpPr>
+          <p:nvPr>
+            <p:extLst>
+              <p:ext uri="{386F3935-93C4-4BCD-93E2-E3B085C9AB24}">
+                <p16:designElem xmlns:p16="http://schemas.microsoft.com/office/powerpoint/2015/main" val="1"/>
+              </p:ext>
+            </p:extLst>
+          </p:nvPr>
+        </p:nvSpPr>
+        <p:spPr>
+          <a:xfrm>
+            <a:off x="3048" y="0"/>
+            <a:ext cx="12188952" cy="6858000"/>
+          </a:xfrm>
+          <a:prstGeom prst="rect">
+            <a:avLst/>
+          </a:prstGeom>
+          <a:ln>
+            <a:noFill/>
+          </a:ln>
+        </p:spPr>
+        <p:style>
+          <a:lnRef idx="2">
+            <a:schemeClr val="accent1">
+              <a:shade val="50000"/>
+            </a:schemeClr>
+          </a:lnRef>
+          <a:fillRef idx="1">
+            <a:schemeClr val="accent1"/>
+          </a:fillRef>
+          <a:effectRef idx="0">
+            <a:schemeClr val="accent1"/>
+          </a:effectRef>
+          <a:fontRef idx="minor">
+            <a:schemeClr val="lt1"/>
+          </a:fontRef>
+        </p:style>
+        <p:txBody>
+          <a:bodyPr rtlCol="0" anchor="ctr"/>
+          <a:lstStyle/>
+          <a:p>
+            <a:pPr algn="ctr"/>
+            <a:endParaRPr lang="en-US"/>
+          </a:p>
+        </p:txBody>
+      </p:sp>
+      <p:sp>
+        <p:nvSpPr>
+          <p:cNvPr id="10" name="Freeform: Shape 9">
+            <a:extLst>
+              <a:ext uri="{FF2B5EF4-FFF2-40B4-BE49-F238E27FC236}">
+                <a16:creationId xmlns:a16="http://schemas.microsoft.com/office/drawing/2014/main" id="{DAAE4CDD-124C-4DCF-9584-B6033B545DD5}"/>
+              </a:ext>
+              <a:ext uri="{C183D7F6-B498-43B3-948B-1728B52AA6E4}">
+                <adec:decorative xmlns:adec="http://schemas.microsoft.com/office/drawing/2017/decorative" val="1"/>
+              </a:ext>
+            </a:extLst>
+          </p:cNvPr>
+          <p:cNvSpPr>
+            <a:spLocks noGrp="1" noRot="1" noChangeAspect="1" noMove="1" noResize="1" noEditPoints="1" noAdjustHandles="1" noChangeArrowheads="1" noChangeShapeType="1" noTextEdit="1"/>
+          </p:cNvSpPr>
+          <p:nvPr>
+            <p:extLst>
+              <p:ext uri="{386F3935-93C4-4BCD-93E2-E3B085C9AB24}">
+                <p16:designElem xmlns:p16="http://schemas.microsoft.com/office/powerpoint/2015/main" val="1"/>
+              </p:ext>
+            </p:extLst>
+          </p:nvPr>
+        </p:nvSpPr>
+        <p:spPr>
+          <a:xfrm>
+            <a:off x="1" y="0"/>
+            <a:ext cx="4167271" cy="6858000"/>
+          </a:xfrm>
+          <a:custGeom>
+            <a:avLst/>
+            <a:gdLst>
+              <a:gd name="connsiteX0" fmla="*/ 0 w 4167271"/>
+              <a:gd name="connsiteY0" fmla="*/ 0 h 6858000"/>
+              <a:gd name="connsiteX1" fmla="*/ 2259550 w 4167271"/>
+              <a:gd name="connsiteY1" fmla="*/ 0 h 6858000"/>
+              <a:gd name="connsiteX2" fmla="*/ 2387803 w 4167271"/>
+              <a:gd name="connsiteY2" fmla="*/ 82222 h 6858000"/>
+              <a:gd name="connsiteX3" fmla="*/ 4167271 w 4167271"/>
+              <a:gd name="connsiteY3" fmla="*/ 3429000 h 6858000"/>
+              <a:gd name="connsiteX4" fmla="*/ 2387803 w 4167271"/>
+              <a:gd name="connsiteY4" fmla="*/ 6775779 h 6858000"/>
+              <a:gd name="connsiteX5" fmla="*/ 2259550 w 4167271"/>
+              <a:gd name="connsiteY5" fmla="*/ 6858000 h 6858000"/>
+              <a:gd name="connsiteX6" fmla="*/ 0 w 4167271"/>
+              <a:gd name="connsiteY6" fmla="*/ 6858000 h 6858000"/>
+            </a:gdLst>
+            <a:ahLst/>
+            <a:cxnLst>
+              <a:cxn ang="0">
+                <a:pos x="connsiteX0" y="connsiteY0"/>
+              </a:cxn>
+              <a:cxn ang="0">
+                <a:pos x="connsiteX1" y="connsiteY1"/>
+              </a:cxn>
+              <a:cxn ang="0">
+                <a:pos x="connsiteX2" y="connsiteY2"/>
+              </a:cxn>
+              <a:cxn ang="0">
+                <a:pos x="connsiteX3" y="connsiteY3"/>
+              </a:cxn>
+              <a:cxn ang="0">
+                <a:pos x="connsiteX4" y="connsiteY4"/>
+              </a:cxn>
+              <a:cxn ang="0">
+                <a:pos x="connsiteX5" y="connsiteY5"/>
+              </a:cxn>
+              <a:cxn ang="0">
+                <a:pos x="connsiteX6" y="connsiteY6"/>
+              </a:cxn>
+            </a:cxnLst>
+            <a:rect l="l" t="t" r="r" b="b"/>
+            <a:pathLst>
+              <a:path w="4167271" h="6858000">
+                <a:moveTo>
+                  <a:pt x="0" y="0"/>
+                </a:moveTo>
+                <a:lnTo>
+                  <a:pt x="2259550" y="0"/>
+                </a:lnTo>
+                <a:lnTo>
+                  <a:pt x="2387803" y="82222"/>
+                </a:lnTo>
+                <a:cubicBezTo>
+                  <a:pt x="3461407" y="807534"/>
+                  <a:pt x="4167271" y="2035835"/>
+                  <a:pt x="4167271" y="3429000"/>
+                </a:cubicBezTo>
+                <a:cubicBezTo>
+                  <a:pt x="4167271" y="4822165"/>
+                  <a:pt x="3461407" y="6050467"/>
+                  <a:pt x="2387803" y="6775779"/>
+                </a:cubicBezTo>
+                <a:lnTo>
+                  <a:pt x="2259550" y="6858000"/>
+                </a:lnTo>
+                <a:lnTo>
+                  <a:pt x="0" y="6858000"/>
+                </a:lnTo>
+                <a:close/>
+              </a:path>
+            </a:pathLst>
+          </a:custGeom>
+          <a:solidFill>
+            <a:schemeClr val="accent2"/>
+          </a:solidFill>
+          <a:ln>
+            <a:noFill/>
+          </a:ln>
+        </p:spPr>
+        <p:style>
+          <a:lnRef idx="2">
+            <a:schemeClr val="accent1">
+              <a:shade val="50000"/>
+            </a:schemeClr>
+          </a:lnRef>
+          <a:fillRef idx="1">
+            <a:schemeClr val="accent1"/>
+          </a:fillRef>
+          <a:effectRef idx="0">
+            <a:schemeClr val="accent1"/>
+          </a:effectRef>
+          <a:fontRef idx="minor">
+            <a:schemeClr val="lt1"/>
+          </a:fontRef>
+        </p:style>
+        <p:txBody>
+          <a:bodyPr rtlCol="0" anchor="ctr"/>
+          <a:lstStyle/>
+          <a:p>
+            <a:pPr algn="ctr"/>
+            <a:endParaRPr lang="en-US"/>
+          </a:p>
+        </p:txBody>
+      </p:sp>
+      <p:sp>
+        <p:nvSpPr>
+          <p:cNvPr id="12" name="Arc 11">
+            <a:extLst>
+              <a:ext uri="{FF2B5EF4-FFF2-40B4-BE49-F238E27FC236}">
+                <a16:creationId xmlns:a16="http://schemas.microsoft.com/office/drawing/2014/main" id="{081E4A58-353D-44AE-B2FC-2A74E2E400F7}"/>
+              </a:ext>
+              <a:ext uri="{C183D7F6-B498-43B3-948B-1728B52AA6E4}">
+                <adec:decorative xmlns:adec="http://schemas.microsoft.com/office/drawing/2017/decorative" val="1"/>
+              </a:ext>
+            </a:extLst>
+          </p:cNvPr>
+          <p:cNvSpPr>
+            <a:spLocks noGrp="1" noRot="1" noChangeAspect="1" noMove="1" noResize="1" noEditPoints="1" noAdjustHandles="1" noChangeArrowheads="1" noChangeShapeType="1" noTextEdit="1"/>
+          </p:cNvSpPr>
+          <p:nvPr>
+            <p:extLst>
+              <p:ext uri="{386F3935-93C4-4BCD-93E2-E3B085C9AB24}">
+                <p16:designElem xmlns:p16="http://schemas.microsoft.com/office/powerpoint/2015/main" val="1"/>
+              </p:ext>
+            </p:extLst>
+          </p:nvPr>
+        </p:nvSpPr>
+        <p:spPr>
+          <a:xfrm flipV="1">
+            <a:off x="7550402" y="2455479"/>
+            <a:ext cx="4083433" cy="4083433"/>
+          </a:xfrm>
+          <a:prstGeom prst="arc">
+            <a:avLst/>
+          </a:prstGeom>
+          <a:ln w="127000" cap="rnd">
+            <a:solidFill>
+              <a:schemeClr val="accent4"/>
+            </a:solidFill>
+            <a:prstDash val="dash"/>
+          </a:ln>
+        </p:spPr>
+        <p:style>
+          <a:lnRef idx="1">
+            <a:schemeClr val="accent1"/>
+          </a:lnRef>
+          <a:fillRef idx="0">
+            <a:schemeClr val="accent1"/>
+          </a:fillRef>
+          <a:effectRef idx="0">
+            <a:schemeClr val="accent1"/>
+          </a:effectRef>
+          <a:fontRef idx="minor">
+            <a:schemeClr val="tx1"/>
+          </a:fontRef>
+        </p:style>
+        <p:txBody>
+          <a:bodyPr rtlCol="0" anchor="ctr"/>
+          <a:lstStyle/>
+          <a:p>
+            <a:pPr algn="ctr"/>
+            <a:endParaRPr lang="en-US" dirty="0"/>
+          </a:p>
+        </p:txBody>
+      </p:sp>
+      <p:pic>
+        <p:nvPicPr>
+          <p:cNvPr id="6" name="Picture 5" descr="A close up of a piece of paper&#10;&#10;Description automatically generated">
+            <a:extLst>
+              <a:ext uri="{FF2B5EF4-FFF2-40B4-BE49-F238E27FC236}">
+                <a16:creationId xmlns:a16="http://schemas.microsoft.com/office/drawing/2014/main" id="{D0EE28A2-89B4-426D-993D-7728DC7241EF}"/>
+              </a:ext>
+            </a:extLst>
+          </p:cNvPr>
+          <p:cNvPicPr>
+            <a:picLocks noChangeAspect="1"/>
+          </p:cNvPicPr>
+          <p:nvPr/>
+        </p:nvPicPr>
+        <p:blipFill rotWithShape="1">
+          <a:blip r:embed="rId2">
+            <a:extLst>
+              <a:ext uri="{28A0092B-C50C-407E-A947-70E740481C1C}">
+                <a14:useLocalDpi xmlns:a14="http://schemas.microsoft.com/office/drawing/2010/main" val="0"/>
+              </a:ext>
+            </a:extLst>
+          </a:blip>
+          <a:srcRect t="62177"/>
+          <a:stretch/>
+        </p:blipFill>
+        <p:spPr>
+          <a:xfrm>
+            <a:off x="146777" y="1924093"/>
+            <a:ext cx="4494822" cy="3009813"/>
+          </a:xfrm>
+          <a:prstGeom prst="rect">
+            <a:avLst/>
+          </a:prstGeom>
+        </p:spPr>
+      </p:pic>
+      <p:pic>
+        <p:nvPicPr>
+          <p:cNvPr id="11" name="Picture 10" descr="A close up of a piece of paper&#10;&#10;Description automatically generated">
+            <a:extLst>
+              <a:ext uri="{FF2B5EF4-FFF2-40B4-BE49-F238E27FC236}">
+                <a16:creationId xmlns:a16="http://schemas.microsoft.com/office/drawing/2014/main" id="{47C0F5FC-6ED4-45E0-AFCB-A05C54AE4701}"/>
+              </a:ext>
+            </a:extLst>
+          </p:cNvPr>
+          <p:cNvPicPr>
+            <a:picLocks noChangeAspect="1"/>
+          </p:cNvPicPr>
+          <p:nvPr/>
+        </p:nvPicPr>
+        <p:blipFill rotWithShape="1">
+          <a:blip r:embed="rId2">
+            <a:extLst>
+              <a:ext uri="{28A0092B-C50C-407E-A947-70E740481C1C}">
+                <a14:useLocalDpi xmlns:a14="http://schemas.microsoft.com/office/drawing/2010/main" val="0"/>
+              </a:ext>
+            </a:extLst>
+          </a:blip>
+          <a:srcRect l="3920" b="38640"/>
+          <a:stretch/>
+        </p:blipFill>
+        <p:spPr>
+          <a:xfrm>
+            <a:off x="5404574" y="466530"/>
+            <a:ext cx="5240309" cy="5924939"/>
+          </a:xfrm>
+          <a:prstGeom prst="rect">
+            <a:avLst/>
+          </a:prstGeom>
+        </p:spPr>
+      </p:pic>
+    </p:spTree>
+    <p:extLst>
+      <p:ext uri="{BB962C8B-B14F-4D97-AF65-F5344CB8AC3E}">
+        <p14:creationId xmlns:p14="http://schemas.microsoft.com/office/powerpoint/2010/main" val="3826453583"/>
+      </p:ext>
+    </p:extLst>
+  </p:cSld>
+  <p:clrMapOvr>
+    <a:masterClrMapping/>
+  </p:clrMapOvr>
+</p:sld>
+</file>
+
+<file path=ppt/slides/slide35.xml><?xml version="1.0" encoding="utf-8"?>
+<p:sld xmlns:a="http://schemas.openxmlformats.org/drawingml/2006/main" xmlns:r="http://schemas.openxmlformats.org/officeDocument/2006/relationships" xmlns:p="http://schemas.openxmlformats.org/presentationml/2006/main">
+  <p:cSld>
+    <p:bg>
+      <p:bgPr>
+        <a:solidFill>
+          <a:schemeClr val="bg1"/>
+        </a:solidFill>
+        <a:effectLst/>
+      </p:bgPr>
+    </p:bg>
+    <p:spTree>
+      <p:nvGrpSpPr>
+        <p:cNvPr id="1" name=""/>
+        <p:cNvGrpSpPr/>
+        <p:nvPr/>
+      </p:nvGrpSpPr>
+      <p:grpSpPr>
+        <a:xfrm>
+          <a:off x="0" y="0"/>
+          <a:ext cx="0" cy="0"/>
+          <a:chOff x="0" y="0"/>
+          <a:chExt cx="0" cy="0"/>
+        </a:xfrm>
+      </p:grpSpPr>
+      <p:sp>
+        <p:nvSpPr>
+          <p:cNvPr id="26" name="Rectangle 25">
+            <a:extLst>
+              <a:ext uri="{FF2B5EF4-FFF2-40B4-BE49-F238E27FC236}">
+                <a16:creationId xmlns:a16="http://schemas.microsoft.com/office/drawing/2014/main" id="{AFA67CD3-AB4E-4A7A-BEB8-53C445D8C44E}"/>
+              </a:ext>
+              <a:ext uri="{C183D7F6-B498-43B3-948B-1728B52AA6E4}">
+                <adec:decorative xmlns:adec="http://schemas.microsoft.com/office/drawing/2017/decorative" val="1"/>
+              </a:ext>
+            </a:extLst>
+          </p:cNvPr>
+          <p:cNvSpPr>
+            <a:spLocks noGrp="1" noRot="1" noChangeAspect="1" noMove="1" noResize="1" noEditPoints="1" noAdjustHandles="1" noChangeArrowheads="1" noChangeShapeType="1" noTextEdit="1"/>
+          </p:cNvSpPr>
+          <p:nvPr>
+            <p:extLst>
+              <p:ext uri="{386F3935-93C4-4BCD-93E2-E3B085C9AB24}">
+                <p16:designElem xmlns:p16="http://schemas.microsoft.com/office/powerpoint/2015/main" val="1"/>
+              </p:ext>
+            </p:extLst>
+          </p:nvPr>
+        </p:nvSpPr>
+        <p:spPr>
+          <a:xfrm>
+            <a:off x="1" y="3726"/>
+            <a:ext cx="5614875" cy="6858000"/>
+          </a:xfrm>
+          <a:prstGeom prst="rect">
+            <a:avLst/>
+          </a:prstGeom>
+          <a:gradFill>
+            <a:gsLst>
+              <a:gs pos="0">
+                <a:schemeClr val="accent1">
+                  <a:lumMod val="100000"/>
+                  <a:alpha val="82000"/>
+                </a:schemeClr>
+              </a:gs>
+              <a:gs pos="25000">
+                <a:schemeClr val="accent1">
+                  <a:alpha val="60000"/>
+                </a:schemeClr>
+              </a:gs>
+              <a:gs pos="94000">
+                <a:schemeClr val="bg2">
+                  <a:lumMod val="75000"/>
+                </a:schemeClr>
+              </a:gs>
+              <a:gs pos="100000">
+                <a:schemeClr val="bg2">
+                  <a:lumMod val="75000"/>
+                </a:schemeClr>
+              </a:gs>
+            </a:gsLst>
+            <a:lin ang="4200000" scaled="0"/>
+          </a:gradFill>
+          <a:ln>
+            <a:noFill/>
+          </a:ln>
+        </p:spPr>
+        <p:style>
+          <a:lnRef idx="2">
+            <a:schemeClr val="accent1">
+              <a:shade val="50000"/>
+            </a:schemeClr>
+          </a:lnRef>
+          <a:fillRef idx="1">
+            <a:schemeClr val="accent1"/>
+          </a:fillRef>
+          <a:effectRef idx="0">
+            <a:schemeClr val="accent1"/>
+          </a:effectRef>
+          <a:fontRef idx="minor">
+            <a:schemeClr val="lt1"/>
+          </a:fontRef>
+        </p:style>
+        <p:txBody>
+          <a:bodyPr rtlCol="0" anchor="ctr"/>
+          <a:lstStyle/>
+          <a:p>
+            <a:pPr algn="ctr"/>
+            <a:endParaRPr lang="en-US"/>
+          </a:p>
+        </p:txBody>
+      </p:sp>
+      <p:pic>
+        <p:nvPicPr>
+          <p:cNvPr id="28" name="Picture 27">
+            <a:extLst>
+              <a:ext uri="{FF2B5EF4-FFF2-40B4-BE49-F238E27FC236}">
+                <a16:creationId xmlns:a16="http://schemas.microsoft.com/office/drawing/2014/main" id="{07CF545F-9C2E-4446-97CD-AD92990C2B68}"/>
+              </a:ext>
+              <a:ext uri="{C183D7F6-B498-43B3-948B-1728B52AA6E4}">
+                <adec:decorative xmlns:adec="http://schemas.microsoft.com/office/drawing/2017/decorative" val="1"/>
+              </a:ext>
+            </a:extLst>
+          </p:cNvPr>
+          <p:cNvPicPr>
+            <a:picLocks noGrp="1" noRot="1" noChangeAspect="1" noMove="1" noResize="1" noEditPoints="1" noAdjustHandles="1" noChangeArrowheads="1" noChangeShapeType="1" noCrop="1"/>
+          </p:cNvPicPr>
+          <p:nvPr>
+            <p:extLst>
+              <p:ext uri="{386F3935-93C4-4BCD-93E2-E3B085C9AB24}">
+                <p16:designElem xmlns:p16="http://schemas.microsoft.com/office/powerpoint/2015/main" val="1"/>
+              </p:ext>
+            </p:extLst>
+          </p:nvPr>
+        </p:nvPicPr>
+        <p:blipFill>
+          <a:blip r:embed="rId2">
+            <a:extLst>
+              <a:ext uri="{28A0092B-C50C-407E-A947-70E740481C1C}">
+                <a14:useLocalDpi xmlns:a14="http://schemas.microsoft.com/office/drawing/2010/main" val="0"/>
+              </a:ext>
+            </a:extLst>
+          </a:blip>
+          <a:stretch>
+            <a:fillRect/>
+          </a:stretch>
+        </p:blipFill>
+        <p:spPr>
+          <a:xfrm>
+            <a:off x="0" y="0"/>
+            <a:ext cx="12192000" cy="6858000"/>
+          </a:xfrm>
+          <a:prstGeom prst="rect">
+            <a:avLst/>
+          </a:prstGeom>
+        </p:spPr>
+      </p:pic>
+      <p:sp>
+        <p:nvSpPr>
+          <p:cNvPr id="2" name="Title 1">
+            <a:extLst>
+              <a:ext uri="{FF2B5EF4-FFF2-40B4-BE49-F238E27FC236}">
+                <a16:creationId xmlns:a16="http://schemas.microsoft.com/office/drawing/2014/main" id="{E0B56F6D-4AB0-4717-A0A3-404BECB2F3DF}"/>
+              </a:ext>
+            </a:extLst>
+          </p:cNvPr>
+          <p:cNvSpPr>
+            <a:spLocks noGrp="1"/>
+          </p:cNvSpPr>
+          <p:nvPr>
+            <p:ph type="title"/>
+          </p:nvPr>
+        </p:nvSpPr>
+        <p:spPr>
+          <a:xfrm>
+            <a:off x="6094105" y="802955"/>
+            <a:ext cx="4977976" cy="1454051"/>
+          </a:xfrm>
+        </p:spPr>
+        <p:txBody>
+          <a:bodyPr>
+            <a:normAutofit/>
+          </a:bodyPr>
+          <a:lstStyle/>
+          <a:p>
+            <a:r>
+              <a:rPr lang="en-US" b="1" dirty="0">
+                <a:solidFill>
+                  <a:srgbClr val="000000"/>
+                </a:solidFill>
+              </a:rPr>
+              <a:t>PREGUNTAS</a:t>
+            </a:r>
+            <a:endParaRPr lang="es-CO" b="1" dirty="0">
+              <a:solidFill>
+                <a:srgbClr val="000000"/>
+              </a:solidFill>
+            </a:endParaRPr>
+          </a:p>
+        </p:txBody>
+      </p:sp>
+      <p:sp>
+        <p:nvSpPr>
+          <p:cNvPr id="30" name="Freeform 62">
+            <a:extLst>
+              <a:ext uri="{FF2B5EF4-FFF2-40B4-BE49-F238E27FC236}">
+                <a16:creationId xmlns:a16="http://schemas.microsoft.com/office/drawing/2014/main" id="{339C8D78-A644-462F-B674-F440635E5353}"/>
+              </a:ext>
+              <a:ext uri="{C183D7F6-B498-43B3-948B-1728B52AA6E4}">
+                <adec:decorative xmlns:adec="http://schemas.microsoft.com/office/drawing/2017/decorative" val="1"/>
+              </a:ext>
+            </a:extLst>
+          </p:cNvPr>
+          <p:cNvSpPr>
+            <a:spLocks noGrp="1" noRot="1" noChangeAspect="1" noMove="1" noResize="1" noEditPoints="1" noAdjustHandles="1" noChangeArrowheads="1" noChangeShapeType="1" noTextEdit="1"/>
+          </p:cNvSpPr>
+          <p:nvPr>
+            <p:extLst>
+              <p:ext uri="{386F3935-93C4-4BCD-93E2-E3B085C9AB24}">
+                <p16:designElem xmlns:p16="http://schemas.microsoft.com/office/powerpoint/2015/main" val="1"/>
+              </p:ext>
+            </p:extLst>
+          </p:nvPr>
+        </p:nvSpPr>
+        <p:spPr>
+          <a:xfrm>
+            <a:off x="0" y="738619"/>
+            <a:ext cx="5000438" cy="5400962"/>
+          </a:xfrm>
+          <a:custGeom>
+            <a:avLst/>
+            <a:gdLst>
+              <a:gd name="connsiteX0" fmla="*/ 2299956 w 5000438"/>
+              <a:gd name="connsiteY0" fmla="*/ 0 h 5400962"/>
+              <a:gd name="connsiteX1" fmla="*/ 5000438 w 5000438"/>
+              <a:gd name="connsiteY1" fmla="*/ 2700481 h 5400962"/>
+              <a:gd name="connsiteX2" fmla="*/ 2299956 w 5000438"/>
+              <a:gd name="connsiteY2" fmla="*/ 5400962 h 5400962"/>
+              <a:gd name="connsiteX3" fmla="*/ 60675 w 5000438"/>
+              <a:gd name="connsiteY3" fmla="*/ 4210346 h 5400962"/>
+              <a:gd name="connsiteX4" fmla="*/ 0 w 5000438"/>
+              <a:gd name="connsiteY4" fmla="*/ 4110472 h 5400962"/>
+              <a:gd name="connsiteX5" fmla="*/ 0 w 5000438"/>
+              <a:gd name="connsiteY5" fmla="*/ 1290491 h 5400962"/>
+              <a:gd name="connsiteX6" fmla="*/ 60675 w 5000438"/>
+              <a:gd name="connsiteY6" fmla="*/ 1190617 h 5400962"/>
+              <a:gd name="connsiteX7" fmla="*/ 2299956 w 5000438"/>
+              <a:gd name="connsiteY7" fmla="*/ 0 h 5400962"/>
+            </a:gdLst>
+            <a:ahLst/>
+            <a:cxnLst>
+              <a:cxn ang="0">
+                <a:pos x="connsiteX0" y="connsiteY0"/>
+              </a:cxn>
+              <a:cxn ang="0">
+                <a:pos x="connsiteX1" y="connsiteY1"/>
+              </a:cxn>
+              <a:cxn ang="0">
+                <a:pos x="connsiteX2" y="connsiteY2"/>
+              </a:cxn>
+              <a:cxn ang="0">
+                <a:pos x="connsiteX3" y="connsiteY3"/>
+              </a:cxn>
+              <a:cxn ang="0">
+                <a:pos x="connsiteX4" y="connsiteY4"/>
+              </a:cxn>
+              <a:cxn ang="0">
+                <a:pos x="connsiteX5" y="connsiteY5"/>
+              </a:cxn>
+              <a:cxn ang="0">
+                <a:pos x="connsiteX6" y="connsiteY6"/>
+              </a:cxn>
+              <a:cxn ang="0">
+                <a:pos x="connsiteX7" y="connsiteY7"/>
+              </a:cxn>
+            </a:cxnLst>
+            <a:rect l="l" t="t" r="r" b="b"/>
+            <a:pathLst>
+              <a:path w="5000438" h="5400962">
+                <a:moveTo>
+                  <a:pt x="2299956" y="0"/>
+                </a:moveTo>
+                <a:cubicBezTo>
+                  <a:pt x="3791390" y="0"/>
+                  <a:pt x="5000438" y="1209047"/>
+                  <a:pt x="5000438" y="2700481"/>
+                </a:cubicBezTo>
+                <a:cubicBezTo>
+                  <a:pt x="5000438" y="4191915"/>
+                  <a:pt x="3791390" y="5400962"/>
+                  <a:pt x="2299956" y="5400962"/>
+                </a:cubicBezTo>
+                <a:cubicBezTo>
+                  <a:pt x="1367810" y="5400962"/>
+                  <a:pt x="545971" y="4928678"/>
+                  <a:pt x="60675" y="4210346"/>
+                </a:cubicBezTo>
+                <a:lnTo>
+                  <a:pt x="0" y="4110472"/>
+                </a:lnTo>
+                <a:lnTo>
+                  <a:pt x="0" y="1290491"/>
+                </a:lnTo>
+                <a:lnTo>
+                  <a:pt x="60675" y="1190617"/>
+                </a:lnTo>
+                <a:cubicBezTo>
+                  <a:pt x="545971" y="472284"/>
+                  <a:pt x="1367810" y="0"/>
+                  <a:pt x="2299956" y="0"/>
+                </a:cubicBezTo>
+                <a:close/>
+              </a:path>
+            </a:pathLst>
+          </a:custGeom>
+          <a:solidFill>
+            <a:srgbClr val="FFFFFF"/>
+          </a:solidFill>
+          <a:ln>
+            <a:gradFill>
+              <a:gsLst>
+                <a:gs pos="0">
+                  <a:schemeClr val="accent1">
+                    <a:lumMod val="40000"/>
+                    <a:lumOff val="60000"/>
+                  </a:schemeClr>
+                </a:gs>
+                <a:gs pos="23000">
+                  <a:schemeClr val="accent1">
+                    <a:lumMod val="45000"/>
+                    <a:lumOff val="55000"/>
+                  </a:schemeClr>
+                </a:gs>
+                <a:gs pos="83000">
+                  <a:schemeClr val="bg2">
+                    <a:lumMod val="85000"/>
+                  </a:schemeClr>
+                </a:gs>
+                <a:gs pos="100000">
+                  <a:schemeClr val="bg2">
+                    <a:lumMod val="85000"/>
+                  </a:schemeClr>
+                </a:gs>
+              </a:gsLst>
+              <a:lin ang="5400000" scaled="1"/>
+            </a:gradFill>
+          </a:ln>
+        </p:spPr>
+        <p:style>
+          <a:lnRef idx="2">
+            <a:schemeClr val="accent1">
+              <a:shade val="50000"/>
+            </a:schemeClr>
+          </a:lnRef>
+          <a:fillRef idx="1">
+            <a:schemeClr val="accent1"/>
+          </a:fillRef>
+          <a:effectRef idx="0">
+            <a:schemeClr val="accent1"/>
+          </a:effectRef>
+          <a:fontRef idx="minor">
+            <a:schemeClr val="lt1"/>
+          </a:fontRef>
+        </p:style>
+        <p:txBody>
+          <a:bodyPr wrap="square" rtlCol="0" anchor="ctr">
+            <a:noAutofit/>
+          </a:bodyPr>
+          <a:lstStyle/>
+          <a:p>
+            <a:pPr algn="ctr"/>
+            <a:endParaRPr lang="en-US"/>
+          </a:p>
+        </p:txBody>
+      </p:sp>
+      <p:sp>
+        <p:nvSpPr>
+          <p:cNvPr id="3" name="Content Placeholder 2">
+            <a:extLst>
+              <a:ext uri="{FF2B5EF4-FFF2-40B4-BE49-F238E27FC236}">
+                <a16:creationId xmlns:a16="http://schemas.microsoft.com/office/drawing/2014/main" id="{E5B5CBD2-4416-491E-8745-81E1CEFD100D}"/>
+              </a:ext>
+            </a:extLst>
+          </p:cNvPr>
+          <p:cNvSpPr>
+            <a:spLocks noGrp="1"/>
+          </p:cNvSpPr>
+          <p:nvPr>
+            <p:ph idx="1"/>
+          </p:nvPr>
+        </p:nvSpPr>
+        <p:spPr>
+          <a:xfrm>
+            <a:off x="6090574" y="2421682"/>
+            <a:ext cx="4977578" cy="3639289"/>
+          </a:xfrm>
+        </p:spPr>
+        <p:txBody>
+          <a:bodyPr anchor="ctr">
+            <a:normAutofit/>
+          </a:bodyPr>
+          <a:lstStyle/>
+          <a:p>
+            <a:r>
+              <a:rPr lang="es-CO" sz="2000" dirty="0">
+                <a:solidFill>
+                  <a:srgbClr val="000000"/>
+                </a:solidFill>
+              </a:rPr>
+              <a:t>¿La secuencia de los datos térmicos que generan los terceros al solicitar ingreso a la unidad, va como un diagrama aparte, o dentro del diagrama de secuencias de ingresos?</a:t>
+            </a:r>
+          </a:p>
+        </p:txBody>
+      </p:sp>
+      <p:pic>
+        <p:nvPicPr>
+          <p:cNvPr id="5" name="Graphic 4" descr="Questions">
+            <a:extLst>
+              <a:ext uri="{FF2B5EF4-FFF2-40B4-BE49-F238E27FC236}">
+                <a16:creationId xmlns:a16="http://schemas.microsoft.com/office/drawing/2014/main" id="{8E8324C1-6E50-4C63-8EDA-0E1388B14DB1}"/>
+              </a:ext>
+            </a:extLst>
+          </p:cNvPr>
+          <p:cNvPicPr>
+            <a:picLocks noChangeAspect="1"/>
+          </p:cNvPicPr>
+          <p:nvPr/>
+        </p:nvPicPr>
+        <p:blipFill>
+          <a:blip r:embed="rId3">
+            <a:extLst>
+              <a:ext uri="{28A0092B-C50C-407E-A947-70E740481C1C}">
+                <a14:useLocalDpi xmlns:a14="http://schemas.microsoft.com/office/drawing/2010/main" val="0"/>
+              </a:ext>
+              <a:ext uri="{96DAC541-7B7A-43D3-8B79-37D633B846F1}">
+                <asvg:svgBlip xmlns:asvg="http://schemas.microsoft.com/office/drawing/2016/SVG/main" r:embed="rId4"/>
+              </a:ext>
+            </a:extLst>
+          </a:blip>
+          <a:stretch>
+            <a:fillRect/>
+          </a:stretch>
+        </p:blipFill>
+        <p:spPr>
+          <a:xfrm>
+            <a:off x="508449" y="1441731"/>
+            <a:ext cx="3974538" cy="3974538"/>
+          </a:xfrm>
+          <a:prstGeom prst="rect">
+            <a:avLst/>
+          </a:prstGeom>
+        </p:spPr>
+      </p:pic>
+    </p:spTree>
+    <p:extLst>
+      <p:ext uri="{BB962C8B-B14F-4D97-AF65-F5344CB8AC3E}">
+        <p14:creationId xmlns:p14="http://schemas.microsoft.com/office/powerpoint/2010/main" val="3217656925"/>
       </p:ext>
     </p:extLst>
   </p:cSld>

--- a/Semana 14-18 septiembre/Semana 4.pptx
+++ b/Semana 14-18 septiembre/Semana 4.pptx
@@ -146,6 +146,65 @@
 </p:presentation>
 </file>
 
+<file path=ppt/ink/ink1.xml><?xml version="1.0" encoding="utf-8"?>
+<inkml:ink xmlns:inkml="http://www.w3.org/2003/InkML">
+  <inkml:definitions>
+    <inkml:context xml:id="ctx0">
+      <inkml:inkSource xml:id="inkSrc0">
+        <inkml:traceFormat>
+          <inkml:channel name="X" type="integer" max="1920" units="cm"/>
+          <inkml:channel name="Y" type="integer" max="1080" units="cm"/>
+          <inkml:channel name="T" type="integer" max="2.14748E9" units="dev"/>
+        </inkml:traceFormat>
+        <inkml:channelProperties>
+          <inkml:channelProperty channel="X" name="resolution" value="50.3937" units="1/cm"/>
+          <inkml:channelProperty channel="Y" name="resolution" value="50.46729" units="1/cm"/>
+          <inkml:channelProperty channel="T" name="resolution" value="1" units="1/dev"/>
+        </inkml:channelProperties>
+      </inkml:inkSource>
+      <inkml:timestamp xml:id="ts0" timeString="2020-09-17T15:25:43.692"/>
+    </inkml:context>
+    <inkml:brush xml:id="br0">
+      <inkml:brushProperty name="width" value="0.05292" units="cm"/>
+      <inkml:brushProperty name="height" value="0.05292" units="cm"/>
+      <inkml:brushProperty name="color" value="#FF0000"/>
+    </inkml:brush>
+  </inkml:definitions>
+  <inkml:trace contextRef="#ctx0" brushRef="#br0">26388 5962 0,'0'35'78,"0"-17"-47,-18 0-15,18-1-16,-17 1 16,17-1-16,-18 1 0,18 17 15,0-17-15,-18 0 16,18-1-16,0 19 15,0-19-15,0 36 16,0-35-16,0-1 16,18-17-16,-18 18 15,18 0-15,-1-18 16,-17 35 0,18-35-16,-1 0 15,19 18-15,-19-18 16,1 0-1,0 0-15,-1 0 16,1 0-16,0 0 16,-1 0-16,18 0 15,-17 0-15,0-36 16,-1 36-16,36-17 16,-35 17-16,17 0 15,-17 0-15,35-18 16,-18 18-16,-17-18 15,17 1-15,-35-1 16,0-17-16,0 17 16,0 1-16,-18-1 15,1 0-15,17 1 16,-18 17-16,18-18 0,-18 18 16,1 0-16,-1-35 15,0 35 1,-17 0-16,35-18 15,-17 18 1,-1 0-16,0-18 31,1 1-15,-1-1 0,0 18-16,1-17 15,-19 17-15,19-18 16,-1 18-1,1 0 17</inkml:trace>
+  <inkml:trace contextRef="#ctx0" brushRef="#br0" timeOffset="952.08">26511 5009 0,'0'0'0,"0"18"15,0 17 17,0 1-17,0-19-15,0 1 16,0 0-16,0-1 16,0 1-16,0-1 0,0 19 15,0-19 1,0 1-16,0 0 15,0-1 1,0 1 0,0 0 15,0-1-15,0 19-16,0-1 15,0-18-15,0 36 16,0-35-16,0 0 15,0-1 32,0 1-15,-17-18-1,17 18-16,0-1-15,-18 18 16,18 18-16,0-17 16,0-19-16,0 1 15,0 0 1</inkml:trace>
+  <inkml:trace contextRef="#ctx0" brushRef="#br0" timeOffset="1417.47">26335 5715 0,'18'0'47,"-1"0"-32,1 0 1,35 0-16,-36 0 15,19 0-15,17 0 16,17 18-16,36-18 16,-88 0-16,17 0 15,-70 0 17,17 0-17</inkml:trace>
+  <inkml:trace contextRef="#ctx0" brushRef="#br0" timeOffset="2122.98">26405 5697 0,'0'36'110,"0"-19"-95,0 1-15,36 0 16,-36-1-16,35 36 16,-35-35-16,18-18 15,-18 17 1,17-17 46,1 0-30,0 0-32,-1 0 15,18 0 16,-17 0-15,-18-17 0,18 17-16,-18-18 31</inkml:trace>
+</inkml:ink>
+</file>
+
+<file path=ppt/ink/ink2.xml><?xml version="1.0" encoding="utf-8"?>
+<inkml:ink xmlns:inkml="http://www.w3.org/2003/InkML">
+  <inkml:definitions>
+    <inkml:context xml:id="ctx0">
+      <inkml:inkSource xml:id="inkSrc0">
+        <inkml:traceFormat>
+          <inkml:channel name="X" type="integer" max="1920" units="cm"/>
+          <inkml:channel name="Y" type="integer" max="1080" units="cm"/>
+          <inkml:channel name="T" type="integer" max="2.14748E9" units="dev"/>
+        </inkml:traceFormat>
+        <inkml:channelProperties>
+          <inkml:channelProperty channel="X" name="resolution" value="50.3937" units="1/cm"/>
+          <inkml:channelProperty channel="Y" name="resolution" value="50.46729" units="1/cm"/>
+          <inkml:channelProperty channel="T" name="resolution" value="1" units="1/dev"/>
+        </inkml:channelProperties>
+      </inkml:inkSource>
+      <inkml:timestamp xml:id="ts0" timeString="2020-09-17T15:49:01.606"/>
+    </inkml:context>
+    <inkml:brush xml:id="br0">
+      <inkml:brushProperty name="width" value="0.05292" units="cm"/>
+      <inkml:brushProperty name="height" value="0.05292" units="cm"/>
+      <inkml:brushProperty name="color" value="#FF0000"/>
+    </inkml:brush>
+  </inkml:definitions>
+  <inkml:trace contextRef="#ctx0" brushRef="#br0">25471 13229 0,'0'0'0,"-18"0"15,-17 0 1,-18 0-16,-18 0 0,-35 35 16,18-17-16,-18-18 15,36 35-15,-71-17 16,52-18-16,54 35 15,-53-17-15,17 17 0,54-35 16,-54 18-16,-35-18 16,-70 0-16,123 0 15,-53 0-15,0 0 16,1 0-16,34 0 16,0 0-16,-17 0 15,-18 0-15,1 0 16,69 0-16,-105-18 15,53 18-15,-53-17 0,88 17 16,18 0-16,17 0 16,18-36-1</inkml:trace>
+</inkml:ink>
+</file>
+
 <file path=ppt/slideLayouts/slideLayout1.xml><?xml version="1.0" encoding="utf-8"?>
 <p:sldLayout xmlns:a="http://schemas.openxmlformats.org/drawingml/2006/main" xmlns:r="http://schemas.openxmlformats.org/officeDocument/2006/relationships" xmlns:p="http://schemas.openxmlformats.org/presentationml/2006/main" type="title" preserve="1">
   <p:cSld name="Title Slide">
@@ -277,7 +336,7 @@
           <a:p>
             <a:fld id="{12241623-A064-4BED-B073-BA4D61433402}" type="datetime1">
               <a:rPr lang="en-US" smtClean="0"/>
-              <a:t>9/16/2020</a:t>
+              <a:t>9/17/2020</a:t>
             </a:fld>
             <a:endParaRPr lang="en-US" dirty="0"/>
           </a:p>
@@ -448,7 +507,7 @@
           <a:p>
             <a:fld id="{6F86ED0C-1DA7-41F0-94CF-6218B1FEDFF1}" type="datetime1">
               <a:rPr lang="en-US" smtClean="0"/>
-              <a:t>9/16/2020</a:t>
+              <a:t>9/17/2020</a:t>
             </a:fld>
             <a:endParaRPr lang="en-US" dirty="0"/>
           </a:p>
@@ -630,7 +689,7 @@
           <a:p>
             <a:fld id="{EECF02AB-6034-4B88-BC5A-7C17CB0EF809}" type="datetime1">
               <a:rPr lang="en-US" smtClean="0"/>
-              <a:t>9/16/2020</a:t>
+              <a:t>9/17/2020</a:t>
             </a:fld>
             <a:endParaRPr lang="en-US" dirty="0"/>
           </a:p>
@@ -801,7 +860,7 @@
           <a:p>
             <a:fld id="{22F3E5F3-28EE-488F-BD53-B744C06C3DEC}" type="datetime1">
               <a:rPr lang="en-US" smtClean="0"/>
-              <a:t>9/16/2020</a:t>
+              <a:t>9/17/2020</a:t>
             </a:fld>
             <a:endParaRPr lang="en-US" dirty="0"/>
           </a:p>
@@ -1049,7 +1108,7 @@
           <a:p>
             <a:fld id="{E72EB70D-CD01-44DA-83B3-8FEB3383D307}" type="datetime1">
               <a:rPr lang="en-US" smtClean="0"/>
-              <a:t>9/16/2020</a:t>
+              <a:t>9/17/2020</a:t>
             </a:fld>
             <a:endParaRPr lang="en-US" dirty="0"/>
           </a:p>
@@ -1283,7 +1342,7 @@
           <a:p>
             <a:fld id="{D0158CFD-9357-46BE-A189-D637A67C8730}" type="datetime1">
               <a:rPr lang="en-US" smtClean="0"/>
-              <a:t>9/16/2020</a:t>
+              <a:t>9/17/2020</a:t>
             </a:fld>
             <a:endParaRPr lang="en-US" dirty="0"/>
           </a:p>
@@ -1652,7 +1711,7 @@
           <a:p>
             <a:fld id="{7B4742EE-B331-4632-BD10-A82FED6B6FC0}" type="datetime1">
               <a:rPr lang="en-US" smtClean="0"/>
-              <a:t>9/16/2020</a:t>
+              <a:t>9/17/2020</a:t>
             </a:fld>
             <a:endParaRPr lang="en-US" dirty="0"/>
           </a:p>
@@ -1772,7 +1831,7 @@
           <a:p>
             <a:fld id="{451BA835-D13F-49F4-8F11-5D576AC65FAD}" type="datetime1">
               <a:rPr lang="en-US" smtClean="0"/>
-              <a:t>9/16/2020</a:t>
+              <a:t>9/17/2020</a:t>
             </a:fld>
             <a:endParaRPr lang="en-US" dirty="0"/>
           </a:p>
@@ -1869,7 +1928,7 @@
           <a:p>
             <a:fld id="{ADBD1799-ACB5-4CB2-86A2-5C574F1C8706}" type="datetime1">
               <a:rPr lang="en-US" smtClean="0"/>
-              <a:t>9/16/2020</a:t>
+              <a:t>9/17/2020</a:t>
             </a:fld>
             <a:endParaRPr lang="en-US" dirty="0"/>
           </a:p>
@@ -2148,7 +2207,7 @@
           <a:p>
             <a:fld id="{ED5DD0D6-7A82-473E-879B-C6ECD6CCCFEC}" type="datetime1">
               <a:rPr lang="en-US" smtClean="0"/>
-              <a:t>9/16/2020</a:t>
+              <a:t>9/17/2020</a:t>
             </a:fld>
             <a:endParaRPr lang="en-US" dirty="0"/>
           </a:p>
@@ -2407,7 +2466,7 @@
           <a:p>
             <a:fld id="{D4605E03-BC17-41A7-854C-DFAB672737DC}" type="datetime1">
               <a:rPr lang="en-US" smtClean="0"/>
-              <a:t>9/16/2020</a:t>
+              <a:t>9/17/2020</a:t>
             </a:fld>
             <a:endParaRPr lang="en-US" dirty="0"/>
           </a:p>
@@ -2622,7 +2681,7 @@
           <a:p>
             <a:fld id="{C4408324-A84C-4A45-93B6-78D079CCE772}" type="datetime1">
               <a:rPr lang="en-US" smtClean="0"/>
-              <a:t>9/16/2020</a:t>
+              <a:t>9/17/2020</a:t>
             </a:fld>
             <a:endParaRPr lang="en-US" dirty="0"/>
           </a:p>
@@ -24022,6 +24081,57 @@
           </a:prstGeom>
         </p:spPr>
       </p:pic>
+      <mc:AlternateContent xmlns:mc="http://schemas.openxmlformats.org/markup-compatibility/2006">
+        <mc:Choice xmlns:p14="http://schemas.microsoft.com/office/powerpoint/2010/main" Requires="p14">
+          <p:contentPart p14:bwMode="auto" r:id="rId3">
+            <p14:nvContentPartPr>
+              <p14:cNvPr id="2" name="Ink 1">
+                <a:extLst>
+                  <a:ext uri="{FF2B5EF4-FFF2-40B4-BE49-F238E27FC236}">
+                    <a16:creationId xmlns:a16="http://schemas.microsoft.com/office/drawing/2014/main" id="{8B443B70-5870-4B85-80B7-E48F7F862437}"/>
+                  </a:ext>
+                </a:extLst>
+              </p14:cNvPr>
+              <p14:cNvContentPartPr/>
+              <p14:nvPr/>
+            </p14:nvContentPartPr>
+            <p14:xfrm>
+              <a:off x="8210520" y="4762440"/>
+              <a:ext cx="959400" cy="76680"/>
+            </p14:xfrm>
+          </p:contentPart>
+        </mc:Choice>
+        <mc:Fallback>
+          <p:pic>
+            <p:nvPicPr>
+              <p:cNvPr id="2" name="Ink 1">
+                <a:extLst>
+                  <a:ext uri="{FF2B5EF4-FFF2-40B4-BE49-F238E27FC236}">
+                    <a16:creationId xmlns:a16="http://schemas.microsoft.com/office/drawing/2014/main" id="{8B443B70-5870-4B85-80B7-E48F7F862437}"/>
+                  </a:ext>
+                </a:extLst>
+              </p:cNvPr>
+              <p:cNvPicPr/>
+              <p:nvPr/>
+            </p:nvPicPr>
+            <p:blipFill>
+              <a:blip r:embed="rId4"/>
+              <a:stretch>
+                <a:fillRect/>
+              </a:stretch>
+            </p:blipFill>
+            <p:spPr>
+              <a:xfrm>
+                <a:off x="8201160" y="4753080"/>
+                <a:ext cx="978120" cy="95400"/>
+              </a:xfrm>
+              <a:prstGeom prst="rect">
+                <a:avLst/>
+              </a:prstGeom>
+            </p:spPr>
+          </p:pic>
+        </mc:Fallback>
+      </mc:AlternateContent>
     </p:spTree>
     <p:extLst>
       <p:ext uri="{BB962C8B-B14F-4D97-AF65-F5344CB8AC3E}">
@@ -27746,6 +27856,57 @@
           </a:p>
         </p:txBody>
       </p:sp>
+      <mc:AlternateContent xmlns:mc="http://schemas.openxmlformats.org/markup-compatibility/2006">
+        <mc:Choice xmlns:p14="http://schemas.microsoft.com/office/powerpoint/2010/main" Requires="p14">
+          <p:contentPart p14:bwMode="auto" r:id="rId3">
+            <p14:nvContentPartPr>
+              <p14:cNvPr id="2" name="Ink 1">
+                <a:extLst>
+                  <a:ext uri="{FF2B5EF4-FFF2-40B4-BE49-F238E27FC236}">
+                    <a16:creationId xmlns:a16="http://schemas.microsoft.com/office/drawing/2014/main" id="{A5B3B182-916D-48C7-897F-4366B011F4D6}"/>
+                  </a:ext>
+                </a:extLst>
+              </p14:cNvPr>
+              <p14:cNvContentPartPr/>
+              <p14:nvPr/>
+            </p14:nvContentPartPr>
+            <p14:xfrm>
+              <a:off x="9474120" y="1803240"/>
+              <a:ext cx="216360" cy="508680"/>
+            </p14:xfrm>
+          </p:contentPart>
+        </mc:Choice>
+        <mc:Fallback>
+          <p:pic>
+            <p:nvPicPr>
+              <p:cNvPr id="2" name="Ink 1">
+                <a:extLst>
+                  <a:ext uri="{FF2B5EF4-FFF2-40B4-BE49-F238E27FC236}">
+                    <a16:creationId xmlns:a16="http://schemas.microsoft.com/office/drawing/2014/main" id="{A5B3B182-916D-48C7-897F-4366B011F4D6}"/>
+                  </a:ext>
+                </a:extLst>
+              </p:cNvPr>
+              <p:cNvPicPr/>
+              <p:nvPr/>
+            </p:nvPicPr>
+            <p:blipFill>
+              <a:blip r:embed="rId4"/>
+              <a:stretch>
+                <a:fillRect/>
+              </a:stretch>
+            </p:blipFill>
+            <p:spPr>
+              <a:xfrm>
+                <a:off x="9464760" y="1793880"/>
+                <a:ext cx="235080" cy="527400"/>
+              </a:xfrm>
+              <a:prstGeom prst="rect">
+                <a:avLst/>
+              </a:prstGeom>
+            </p:spPr>
+          </p:pic>
+        </mc:Fallback>
+      </mc:AlternateContent>
     </p:spTree>
     <p:extLst>
       <p:ext uri="{BB962C8B-B14F-4D97-AF65-F5344CB8AC3E}">
